--- a/2024-12-16 Dotnet Conference Italy/Multi-Tenancy-Dotnet-ABP.pptx
+++ b/2024-12-16 Dotnet Conference Italy/Multi-Tenancy-Dotnet-ABP.pptx
@@ -5,12 +5,27 @@
     <p:sldMasterId id="2147483648" r:id="rId1"/>
   </p:sldMasterIdLst>
   <p:notesMasterIdLst>
-    <p:notesMasterId r:id="rId5"/>
+    <p:notesMasterId r:id="rId20"/>
   </p:notesMasterIdLst>
   <p:sldIdLst>
     <p:sldId id="256" r:id="rId2"/>
     <p:sldId id="280" r:id="rId3"/>
-    <p:sldId id="293" r:id="rId4"/>
+    <p:sldId id="294" r:id="rId4"/>
+    <p:sldId id="295" r:id="rId5"/>
+    <p:sldId id="296" r:id="rId6"/>
+    <p:sldId id="297" r:id="rId7"/>
+    <p:sldId id="298" r:id="rId8"/>
+    <p:sldId id="299" r:id="rId9"/>
+    <p:sldId id="300" r:id="rId10"/>
+    <p:sldId id="301" r:id="rId11"/>
+    <p:sldId id="302" r:id="rId12"/>
+    <p:sldId id="303" r:id="rId13"/>
+    <p:sldId id="304" r:id="rId14"/>
+    <p:sldId id="305" r:id="rId15"/>
+    <p:sldId id="306" r:id="rId16"/>
+    <p:sldId id="307" r:id="rId17"/>
+    <p:sldId id="308" r:id="rId18"/>
+    <p:sldId id="293" r:id="rId19"/>
   </p:sldIdLst>
   <p:sldSz cx="12192000" cy="6858000"/>
   <p:notesSz cx="6858000" cy="9144000"/>
@@ -3889,7 +3904,7 @@
                 <a:cs typeface="Poppins Medium"/>
                 <a:sym typeface="Poppins Medium"/>
               </a:rPr>
-              <a:t>Name</a:t>
+              <a:t>Halil İbrahim KALKAN</a:t>
             </a:r>
             <a:endParaRPr sz="2800" dirty="0">
               <a:solidFill>
@@ -3953,7 +3968,7 @@
                 <a:cs typeface="Poppins"/>
                 <a:sym typeface="Poppins"/>
               </a:rPr>
-              <a:t>Title</a:t>
+              <a:t>Co-founder &amp; Lead Architect at Volosoft</a:t>
             </a:r>
             <a:endParaRPr dirty="0">
               <a:solidFill>
@@ -4085,7 +4100,7 @@
                 <a:cs typeface="Poppins"/>
                 <a:sym typeface="Poppins"/>
               </a:rPr>
-              <a:t>username</a:t>
+              <a:t>hibrahimkalkan</a:t>
             </a:r>
             <a:endParaRPr sz="1500" dirty="0">
               <a:solidFill>
@@ -4149,7 +4164,7 @@
                 <a:cs typeface="Poppins"/>
                 <a:sym typeface="Poppins"/>
               </a:rPr>
-              <a:t>username</a:t>
+              <a:t>hikalkan</a:t>
             </a:r>
             <a:endParaRPr sz="1500" dirty="0">
               <a:solidFill>
@@ -4177,8 +4192,8 @@
         </p:nvSpPr>
         <p:spPr>
           <a:xfrm>
-            <a:off x="9363713" y="2877007"/>
-            <a:ext cx="2394301" cy="400200"/>
+            <a:off x="8699243" y="2995507"/>
+            <a:ext cx="2957699" cy="400200"/>
           </a:xfrm>
           <a:prstGeom prst="rect">
             <a:avLst/>
@@ -4194,7 +4209,7 @@
           </a:bodyPr>
           <a:lstStyle/>
           <a:p>
-            <a:pPr marL="0" lvl="0" indent="0" algn="l" rtl="0">
+            <a:pPr marL="0" lvl="0" indent="0" algn="ctr" rtl="0">
               <a:spcBef>
                 <a:spcPts val="0"/>
               </a:spcBef>
@@ -4204,7 +4219,7 @@
               <a:buNone/>
             </a:pPr>
             <a:r>
-              <a:rPr lang="tr" dirty="0">
+              <a:rPr lang="tr-TR" u="sng" dirty="0">
                 <a:solidFill>
                   <a:srgbClr val="292D32"/>
                 </a:solidFill>
@@ -4213,9 +4228,9 @@
                 <a:cs typeface="Poppins"/>
                 <a:sym typeface="Poppins"/>
               </a:rPr>
-              <a:t>QR (Optional)</a:t>
-            </a:r>
-            <a:endParaRPr dirty="0">
+              <a:t>Follow me on X (Twitter)</a:t>
+            </a:r>
+            <a:endParaRPr u="sng" dirty="0">
               <a:solidFill>
                 <a:srgbClr val="292D32"/>
               </a:solidFill>
@@ -4263,10 +4278,10 @@
       </p:pic>
       <p:pic>
         <p:nvPicPr>
-          <p:cNvPr id="19" name="Resim 18" descr="kalıp, desen, düzen, grafik, grafik tasarım, tasarım içeren bir resim&#10;&#10;Açıklama otomatik olarak oluşturuldu">
-            <a:extLst>
-              <a:ext uri="{FF2B5EF4-FFF2-40B4-BE49-F238E27FC236}">
-                <a16:creationId xmlns:a16="http://schemas.microsoft.com/office/drawing/2014/main" id="{BAA39AE7-D742-BC06-6EE1-563EED2DE7DD}"/>
+          <p:cNvPr id="16" name="Picture 15" descr="A qr code with a white background&#10;&#10;Description automatically generated">
+            <a:extLst>
+              <a:ext uri="{FF2B5EF4-FFF2-40B4-BE49-F238E27FC236}">
+                <a16:creationId xmlns:a16="http://schemas.microsoft.com/office/drawing/2014/main" id="{FDA9DC43-3C3C-4DE3-2556-0F57AFA3E820}"/>
               </a:ext>
             </a:extLst>
           </p:cNvPr>
@@ -4283,11 +4298,13 @@
         </p:blipFill>
         <p:spPr>
           <a:xfrm>
-            <a:off x="8918182" y="3573458"/>
-            <a:ext cx="2519817" cy="2533364"/>
+            <a:off x="8929945" y="3570135"/>
+            <a:ext cx="2531734" cy="2531734"/>
           </a:xfrm>
-          <a:prstGeom prst="rect">
-            <a:avLst/>
+          <a:prstGeom prst="roundRect">
+            <a:avLst>
+              <a:gd name="adj" fmla="val 12270"/>
+            </a:avLst>
           </a:prstGeom>
         </p:spPr>
       </p:pic>
@@ -4295,6 +4312,2656 @@
     <p:extLst>
       <p:ext uri="{BB962C8B-B14F-4D97-AF65-F5344CB8AC3E}">
         <p14:creationId xmlns:p14="http://schemas.microsoft.com/office/powerpoint/2010/main" val="4279688752"/>
+      </p:ext>
+    </p:extLst>
+  </p:cSld>
+  <p:clrMapOvr>
+    <a:masterClrMapping/>
+  </p:clrMapOvr>
+</p:sld>
+</file>
+
+<file path=ppt/slides/slide10.xml><?xml version="1.0" encoding="utf-8"?>
+<p:sld xmlns:a="http://schemas.openxmlformats.org/drawingml/2006/main" xmlns:r="http://schemas.openxmlformats.org/officeDocument/2006/relationships" xmlns:p="http://schemas.openxmlformats.org/presentationml/2006/main">
+  <p:cSld>
+    <p:bg>
+      <p:bgPr>
+        <a:blipFill dpi="0" rotWithShape="1">
+          <a:blip r:embed="rId2">
+            <a:lum/>
+          </a:blip>
+          <a:srcRect/>
+          <a:stretch>
+            <a:fillRect/>
+          </a:stretch>
+        </a:blipFill>
+        <a:effectLst/>
+      </p:bgPr>
+    </p:bg>
+    <p:spTree>
+      <p:nvGrpSpPr>
+        <p:cNvPr id="1" name="">
+          <a:extLst>
+            <a:ext uri="{FF2B5EF4-FFF2-40B4-BE49-F238E27FC236}">
+              <a16:creationId xmlns:a16="http://schemas.microsoft.com/office/drawing/2014/main" id="{684353BB-BF04-D5D2-0D0C-8969B3BE64AB}"/>
+            </a:ext>
+          </a:extLst>
+        </p:cNvPr>
+        <p:cNvGrpSpPr/>
+        <p:nvPr/>
+      </p:nvGrpSpPr>
+      <p:grpSpPr>
+        <a:xfrm>
+          <a:off x="0" y="0"/>
+          <a:ext cx="0" cy="0"/>
+          <a:chOff x="0" y="0"/>
+          <a:chExt cx="0" cy="0"/>
+        </a:xfrm>
+      </p:grpSpPr>
+      <p:sp>
+        <p:nvSpPr>
+          <p:cNvPr id="4" name="Metin kutusu 3">
+            <a:extLst>
+              <a:ext uri="{FF2B5EF4-FFF2-40B4-BE49-F238E27FC236}">
+                <a16:creationId xmlns:a16="http://schemas.microsoft.com/office/drawing/2014/main" id="{1FC76682-7D90-5AF1-807B-A829B236A5D9}"/>
+              </a:ext>
+            </a:extLst>
+          </p:cNvPr>
+          <p:cNvSpPr txBox="1">
+            <a:spLocks/>
+          </p:cNvSpPr>
+          <p:nvPr/>
+        </p:nvSpPr>
+        <p:spPr>
+          <a:xfrm>
+            <a:off x="455849" y="407657"/>
+            <a:ext cx="11239965" cy="708763"/>
+          </a:xfrm>
+          <a:prstGeom prst="rect">
+            <a:avLst/>
+          </a:prstGeom>
+          <a:noFill/>
+        </p:spPr>
+        <p:txBody>
+          <a:bodyPr wrap="square" rtlCol="0">
+            <a:normAutofit/>
+          </a:bodyPr>
+          <a:lstStyle/>
+          <a:p>
+            <a:pPr marL="0" lvl="0" indent="0" algn="l" rtl="0">
+              <a:spcBef>
+                <a:spcPts val="0"/>
+              </a:spcBef>
+              <a:spcAft>
+                <a:spcPts val="0"/>
+              </a:spcAft>
+              <a:buNone/>
+            </a:pPr>
+            <a:r>
+              <a:rPr lang="tr-TR" sz="3600" b="1" dirty="0">
+                <a:solidFill>
+                  <a:srgbClr val="292D33"/>
+                </a:solidFill>
+                <a:latin typeface="Lexend"/>
+                <a:ea typeface="Lexend"/>
+                <a:cs typeface="Lexend"/>
+                <a:sym typeface="Lexend"/>
+              </a:rPr>
+              <a:t>TITLE</a:t>
+            </a:r>
+            <a:endParaRPr lang="tr-TR" sz="3600" dirty="0">
+              <a:solidFill>
+                <a:srgbClr val="292D33"/>
+              </a:solidFill>
+              <a:latin typeface="Lexend"/>
+              <a:ea typeface="Lexend"/>
+              <a:cs typeface="Lexend"/>
+              <a:sym typeface="Lexend"/>
+            </a:endParaRPr>
+          </a:p>
+        </p:txBody>
+      </p:sp>
+      <p:sp>
+        <p:nvSpPr>
+          <p:cNvPr id="14" name="Metin kutusu 13">
+            <a:extLst>
+              <a:ext uri="{FF2B5EF4-FFF2-40B4-BE49-F238E27FC236}">
+                <a16:creationId xmlns:a16="http://schemas.microsoft.com/office/drawing/2014/main" id="{E17E5A47-6E2D-A5B0-9532-07FB486E4588}"/>
+              </a:ext>
+            </a:extLst>
+          </p:cNvPr>
+          <p:cNvSpPr txBox="1"/>
+          <p:nvPr/>
+        </p:nvSpPr>
+        <p:spPr>
+          <a:xfrm>
+            <a:off x="455846" y="1250909"/>
+            <a:ext cx="11239964" cy="4746130"/>
+          </a:xfrm>
+          <a:prstGeom prst="rect">
+            <a:avLst/>
+          </a:prstGeom>
+          <a:noFill/>
+        </p:spPr>
+        <p:txBody>
+          <a:bodyPr wrap="square" rtlCol="0">
+            <a:normAutofit/>
+          </a:bodyPr>
+          <a:lstStyle/>
+          <a:p>
+            <a:pPr marL="285750" indent="-285750">
+              <a:buFont typeface="Arial" panose="020B0604020202020204" pitchFamily="34" charset="0"/>
+              <a:buChar char="•"/>
+            </a:pPr>
+            <a:r>
+              <a:rPr lang="tr-TR" dirty="0">
+                <a:solidFill>
+                  <a:srgbClr val="5C6571"/>
+                </a:solidFill>
+                <a:latin typeface="Poppins" pitchFamily="2" charset="0"/>
+                <a:ea typeface="Poppins"/>
+                <a:cs typeface="Poppins" pitchFamily="2" charset="0"/>
+                <a:sym typeface="Poppins"/>
+              </a:rPr>
+              <a:t>.</a:t>
+            </a:r>
+            <a:endParaRPr lang="en-US" dirty="0">
+              <a:solidFill>
+                <a:srgbClr val="5C6571"/>
+              </a:solidFill>
+              <a:latin typeface="Poppins SemiBold" pitchFamily="2" charset="0"/>
+              <a:ea typeface="Poppins"/>
+              <a:cs typeface="Poppins SemiBold" pitchFamily="2" charset="0"/>
+              <a:sym typeface="Poppins"/>
+            </a:endParaRPr>
+          </a:p>
+        </p:txBody>
+      </p:sp>
+    </p:spTree>
+    <p:extLst>
+      <p:ext uri="{BB962C8B-B14F-4D97-AF65-F5344CB8AC3E}">
+        <p14:creationId xmlns:p14="http://schemas.microsoft.com/office/powerpoint/2010/main" val="371864634"/>
+      </p:ext>
+    </p:extLst>
+  </p:cSld>
+  <p:clrMapOvr>
+    <a:masterClrMapping/>
+  </p:clrMapOvr>
+  <p:timing>
+    <p:tnLst>
+      <p:par>
+        <p:cTn id="1" dur="indefinite" restart="never" nodeType="tmRoot">
+          <p:childTnLst>
+            <p:seq concurrent="1" nextAc="seek">
+              <p:cTn id="2" dur="indefinite" nodeType="mainSeq">
+                <p:childTnLst>
+                  <p:par>
+                    <p:cTn id="3" fill="hold">
+                      <p:stCondLst>
+                        <p:cond delay="indefinite"/>
+                      </p:stCondLst>
+                      <p:childTnLst>
+                        <p:par>
+                          <p:cTn id="4" fill="hold">
+                            <p:stCondLst>
+                              <p:cond delay="0"/>
+                            </p:stCondLst>
+                            <p:childTnLst>
+                              <p:par>
+                                <p:cTn id="5" presetID="10" presetClass="entr" presetSubtype="0" fill="hold" grpId="0" nodeType="clickEffect">
+                                  <p:stCondLst>
+                                    <p:cond delay="0"/>
+                                  </p:stCondLst>
+                                  <p:childTnLst>
+                                    <p:set>
+                                      <p:cBhvr>
+                                        <p:cTn id="6" dur="1" fill="hold">
+                                          <p:stCondLst>
+                                            <p:cond delay="0"/>
+                                          </p:stCondLst>
+                                        </p:cTn>
+                                        <p:tgtEl>
+                                          <p:spTgt spid="14"/>
+                                        </p:tgtEl>
+                                        <p:attrNameLst>
+                                          <p:attrName>style.visibility</p:attrName>
+                                        </p:attrNameLst>
+                                      </p:cBhvr>
+                                      <p:to>
+                                        <p:strVal val="visible"/>
+                                      </p:to>
+                                    </p:set>
+                                    <p:animEffect transition="in" filter="fade">
+                                      <p:cBhvr>
+                                        <p:cTn id="7" dur="500"/>
+                                        <p:tgtEl>
+                                          <p:spTgt spid="14"/>
+                                        </p:tgtEl>
+                                      </p:cBhvr>
+                                    </p:animEffect>
+                                  </p:childTnLst>
+                                </p:cTn>
+                              </p:par>
+                            </p:childTnLst>
+                          </p:cTn>
+                        </p:par>
+                      </p:childTnLst>
+                    </p:cTn>
+                  </p:par>
+                </p:childTnLst>
+              </p:cTn>
+              <p:prevCondLst>
+                <p:cond evt="onPrev" delay="0">
+                  <p:tgtEl>
+                    <p:sldTgt/>
+                  </p:tgtEl>
+                </p:cond>
+              </p:prevCondLst>
+              <p:nextCondLst>
+                <p:cond evt="onNext" delay="0">
+                  <p:tgtEl>
+                    <p:sldTgt/>
+                  </p:tgtEl>
+                </p:cond>
+              </p:nextCondLst>
+            </p:seq>
+          </p:childTnLst>
+        </p:cTn>
+      </p:par>
+    </p:tnLst>
+    <p:bldLst>
+      <p:bldP spid="14" grpId="0"/>
+    </p:bldLst>
+  </p:timing>
+</p:sld>
+</file>
+
+<file path=ppt/slides/slide11.xml><?xml version="1.0" encoding="utf-8"?>
+<p:sld xmlns:a="http://schemas.openxmlformats.org/drawingml/2006/main" xmlns:r="http://schemas.openxmlformats.org/officeDocument/2006/relationships" xmlns:p="http://schemas.openxmlformats.org/presentationml/2006/main">
+  <p:cSld>
+    <p:bg>
+      <p:bgPr>
+        <a:blipFill dpi="0" rotWithShape="1">
+          <a:blip r:embed="rId2">
+            <a:lum/>
+          </a:blip>
+          <a:srcRect/>
+          <a:stretch>
+            <a:fillRect/>
+          </a:stretch>
+        </a:blipFill>
+        <a:effectLst/>
+      </p:bgPr>
+    </p:bg>
+    <p:spTree>
+      <p:nvGrpSpPr>
+        <p:cNvPr id="1" name="">
+          <a:extLst>
+            <a:ext uri="{FF2B5EF4-FFF2-40B4-BE49-F238E27FC236}">
+              <a16:creationId xmlns:a16="http://schemas.microsoft.com/office/drawing/2014/main" id="{3E636E2C-D4F8-5C6A-39C9-0590EFEAB3E6}"/>
+            </a:ext>
+          </a:extLst>
+        </p:cNvPr>
+        <p:cNvGrpSpPr/>
+        <p:nvPr/>
+      </p:nvGrpSpPr>
+      <p:grpSpPr>
+        <a:xfrm>
+          <a:off x="0" y="0"/>
+          <a:ext cx="0" cy="0"/>
+          <a:chOff x="0" y="0"/>
+          <a:chExt cx="0" cy="0"/>
+        </a:xfrm>
+      </p:grpSpPr>
+      <p:sp>
+        <p:nvSpPr>
+          <p:cNvPr id="4" name="Metin kutusu 3">
+            <a:extLst>
+              <a:ext uri="{FF2B5EF4-FFF2-40B4-BE49-F238E27FC236}">
+                <a16:creationId xmlns:a16="http://schemas.microsoft.com/office/drawing/2014/main" id="{470FE295-7A6E-0CE8-938B-127972995D88}"/>
+              </a:ext>
+            </a:extLst>
+          </p:cNvPr>
+          <p:cNvSpPr txBox="1">
+            <a:spLocks/>
+          </p:cNvSpPr>
+          <p:nvPr/>
+        </p:nvSpPr>
+        <p:spPr>
+          <a:xfrm>
+            <a:off x="455849" y="407657"/>
+            <a:ext cx="11239965" cy="708763"/>
+          </a:xfrm>
+          <a:prstGeom prst="rect">
+            <a:avLst/>
+          </a:prstGeom>
+          <a:noFill/>
+        </p:spPr>
+        <p:txBody>
+          <a:bodyPr wrap="square" rtlCol="0">
+            <a:normAutofit/>
+          </a:bodyPr>
+          <a:lstStyle/>
+          <a:p>
+            <a:pPr marL="0" lvl="0" indent="0" algn="l" rtl="0">
+              <a:spcBef>
+                <a:spcPts val="0"/>
+              </a:spcBef>
+              <a:spcAft>
+                <a:spcPts val="0"/>
+              </a:spcAft>
+              <a:buNone/>
+            </a:pPr>
+            <a:r>
+              <a:rPr lang="tr-TR" sz="3600" b="1" dirty="0">
+                <a:solidFill>
+                  <a:srgbClr val="292D33"/>
+                </a:solidFill>
+                <a:latin typeface="Lexend"/>
+                <a:ea typeface="Lexend"/>
+                <a:cs typeface="Lexend"/>
+                <a:sym typeface="Lexend"/>
+              </a:rPr>
+              <a:t>TITLE</a:t>
+            </a:r>
+            <a:endParaRPr lang="tr-TR" sz="3600" dirty="0">
+              <a:solidFill>
+                <a:srgbClr val="292D33"/>
+              </a:solidFill>
+              <a:latin typeface="Lexend"/>
+              <a:ea typeface="Lexend"/>
+              <a:cs typeface="Lexend"/>
+              <a:sym typeface="Lexend"/>
+            </a:endParaRPr>
+          </a:p>
+        </p:txBody>
+      </p:sp>
+      <p:sp>
+        <p:nvSpPr>
+          <p:cNvPr id="14" name="Metin kutusu 13">
+            <a:extLst>
+              <a:ext uri="{FF2B5EF4-FFF2-40B4-BE49-F238E27FC236}">
+                <a16:creationId xmlns:a16="http://schemas.microsoft.com/office/drawing/2014/main" id="{B5C49261-B7A8-A6E0-3B30-7957EB2169D0}"/>
+              </a:ext>
+            </a:extLst>
+          </p:cNvPr>
+          <p:cNvSpPr txBox="1"/>
+          <p:nvPr/>
+        </p:nvSpPr>
+        <p:spPr>
+          <a:xfrm>
+            <a:off x="455846" y="1250909"/>
+            <a:ext cx="11239964" cy="4746130"/>
+          </a:xfrm>
+          <a:prstGeom prst="rect">
+            <a:avLst/>
+          </a:prstGeom>
+          <a:noFill/>
+        </p:spPr>
+        <p:txBody>
+          <a:bodyPr wrap="square" rtlCol="0">
+            <a:normAutofit/>
+          </a:bodyPr>
+          <a:lstStyle/>
+          <a:p>
+            <a:pPr marL="285750" indent="-285750">
+              <a:buFont typeface="Arial" panose="020B0604020202020204" pitchFamily="34" charset="0"/>
+              <a:buChar char="•"/>
+            </a:pPr>
+            <a:r>
+              <a:rPr lang="tr-TR" dirty="0">
+                <a:solidFill>
+                  <a:srgbClr val="5C6571"/>
+                </a:solidFill>
+                <a:latin typeface="Poppins" pitchFamily="2" charset="0"/>
+                <a:ea typeface="Poppins"/>
+                <a:cs typeface="Poppins" pitchFamily="2" charset="0"/>
+                <a:sym typeface="Poppins"/>
+              </a:rPr>
+              <a:t>.</a:t>
+            </a:r>
+            <a:endParaRPr lang="en-US" dirty="0">
+              <a:solidFill>
+                <a:srgbClr val="5C6571"/>
+              </a:solidFill>
+              <a:latin typeface="Poppins SemiBold" pitchFamily="2" charset="0"/>
+              <a:ea typeface="Poppins"/>
+              <a:cs typeface="Poppins SemiBold" pitchFamily="2" charset="0"/>
+              <a:sym typeface="Poppins"/>
+            </a:endParaRPr>
+          </a:p>
+        </p:txBody>
+      </p:sp>
+    </p:spTree>
+    <p:extLst>
+      <p:ext uri="{BB962C8B-B14F-4D97-AF65-F5344CB8AC3E}">
+        <p14:creationId xmlns:p14="http://schemas.microsoft.com/office/powerpoint/2010/main" val="3627840089"/>
+      </p:ext>
+    </p:extLst>
+  </p:cSld>
+  <p:clrMapOvr>
+    <a:masterClrMapping/>
+  </p:clrMapOvr>
+  <p:timing>
+    <p:tnLst>
+      <p:par>
+        <p:cTn id="1" dur="indefinite" restart="never" nodeType="tmRoot">
+          <p:childTnLst>
+            <p:seq concurrent="1" nextAc="seek">
+              <p:cTn id="2" dur="indefinite" nodeType="mainSeq">
+                <p:childTnLst>
+                  <p:par>
+                    <p:cTn id="3" fill="hold">
+                      <p:stCondLst>
+                        <p:cond delay="indefinite"/>
+                      </p:stCondLst>
+                      <p:childTnLst>
+                        <p:par>
+                          <p:cTn id="4" fill="hold">
+                            <p:stCondLst>
+                              <p:cond delay="0"/>
+                            </p:stCondLst>
+                            <p:childTnLst>
+                              <p:par>
+                                <p:cTn id="5" presetID="10" presetClass="entr" presetSubtype="0" fill="hold" grpId="0" nodeType="clickEffect">
+                                  <p:stCondLst>
+                                    <p:cond delay="0"/>
+                                  </p:stCondLst>
+                                  <p:childTnLst>
+                                    <p:set>
+                                      <p:cBhvr>
+                                        <p:cTn id="6" dur="1" fill="hold">
+                                          <p:stCondLst>
+                                            <p:cond delay="0"/>
+                                          </p:stCondLst>
+                                        </p:cTn>
+                                        <p:tgtEl>
+                                          <p:spTgt spid="14"/>
+                                        </p:tgtEl>
+                                        <p:attrNameLst>
+                                          <p:attrName>style.visibility</p:attrName>
+                                        </p:attrNameLst>
+                                      </p:cBhvr>
+                                      <p:to>
+                                        <p:strVal val="visible"/>
+                                      </p:to>
+                                    </p:set>
+                                    <p:animEffect transition="in" filter="fade">
+                                      <p:cBhvr>
+                                        <p:cTn id="7" dur="500"/>
+                                        <p:tgtEl>
+                                          <p:spTgt spid="14"/>
+                                        </p:tgtEl>
+                                      </p:cBhvr>
+                                    </p:animEffect>
+                                  </p:childTnLst>
+                                </p:cTn>
+                              </p:par>
+                            </p:childTnLst>
+                          </p:cTn>
+                        </p:par>
+                      </p:childTnLst>
+                    </p:cTn>
+                  </p:par>
+                </p:childTnLst>
+              </p:cTn>
+              <p:prevCondLst>
+                <p:cond evt="onPrev" delay="0">
+                  <p:tgtEl>
+                    <p:sldTgt/>
+                  </p:tgtEl>
+                </p:cond>
+              </p:prevCondLst>
+              <p:nextCondLst>
+                <p:cond evt="onNext" delay="0">
+                  <p:tgtEl>
+                    <p:sldTgt/>
+                  </p:tgtEl>
+                </p:cond>
+              </p:nextCondLst>
+            </p:seq>
+          </p:childTnLst>
+        </p:cTn>
+      </p:par>
+    </p:tnLst>
+    <p:bldLst>
+      <p:bldP spid="14" grpId="0"/>
+    </p:bldLst>
+  </p:timing>
+</p:sld>
+</file>
+
+<file path=ppt/slides/slide12.xml><?xml version="1.0" encoding="utf-8"?>
+<p:sld xmlns:a="http://schemas.openxmlformats.org/drawingml/2006/main" xmlns:r="http://schemas.openxmlformats.org/officeDocument/2006/relationships" xmlns:p="http://schemas.openxmlformats.org/presentationml/2006/main">
+  <p:cSld>
+    <p:bg>
+      <p:bgPr>
+        <a:blipFill dpi="0" rotWithShape="1">
+          <a:blip r:embed="rId2">
+            <a:lum/>
+          </a:blip>
+          <a:srcRect/>
+          <a:stretch>
+            <a:fillRect/>
+          </a:stretch>
+        </a:blipFill>
+        <a:effectLst/>
+      </p:bgPr>
+    </p:bg>
+    <p:spTree>
+      <p:nvGrpSpPr>
+        <p:cNvPr id="1" name="">
+          <a:extLst>
+            <a:ext uri="{FF2B5EF4-FFF2-40B4-BE49-F238E27FC236}">
+              <a16:creationId xmlns:a16="http://schemas.microsoft.com/office/drawing/2014/main" id="{ABDBC64E-E5D9-1470-0A13-41E19258AAD3}"/>
+            </a:ext>
+          </a:extLst>
+        </p:cNvPr>
+        <p:cNvGrpSpPr/>
+        <p:nvPr/>
+      </p:nvGrpSpPr>
+      <p:grpSpPr>
+        <a:xfrm>
+          <a:off x="0" y="0"/>
+          <a:ext cx="0" cy="0"/>
+          <a:chOff x="0" y="0"/>
+          <a:chExt cx="0" cy="0"/>
+        </a:xfrm>
+      </p:grpSpPr>
+      <p:sp>
+        <p:nvSpPr>
+          <p:cNvPr id="4" name="Metin kutusu 3">
+            <a:extLst>
+              <a:ext uri="{FF2B5EF4-FFF2-40B4-BE49-F238E27FC236}">
+                <a16:creationId xmlns:a16="http://schemas.microsoft.com/office/drawing/2014/main" id="{A38ACE75-FC27-1B4C-4335-DF9EC4FA6AAE}"/>
+              </a:ext>
+            </a:extLst>
+          </p:cNvPr>
+          <p:cNvSpPr txBox="1">
+            <a:spLocks/>
+          </p:cNvSpPr>
+          <p:nvPr/>
+        </p:nvSpPr>
+        <p:spPr>
+          <a:xfrm>
+            <a:off x="455849" y="407657"/>
+            <a:ext cx="11239965" cy="708763"/>
+          </a:xfrm>
+          <a:prstGeom prst="rect">
+            <a:avLst/>
+          </a:prstGeom>
+          <a:noFill/>
+        </p:spPr>
+        <p:txBody>
+          <a:bodyPr wrap="square" rtlCol="0">
+            <a:normAutofit/>
+          </a:bodyPr>
+          <a:lstStyle/>
+          <a:p>
+            <a:pPr marL="0" lvl="0" indent="0" algn="l" rtl="0">
+              <a:spcBef>
+                <a:spcPts val="0"/>
+              </a:spcBef>
+              <a:spcAft>
+                <a:spcPts val="0"/>
+              </a:spcAft>
+              <a:buNone/>
+            </a:pPr>
+            <a:r>
+              <a:rPr lang="tr-TR" sz="3600" b="1" dirty="0">
+                <a:solidFill>
+                  <a:srgbClr val="292D33"/>
+                </a:solidFill>
+                <a:latin typeface="Lexend"/>
+                <a:ea typeface="Lexend"/>
+                <a:cs typeface="Lexend"/>
+                <a:sym typeface="Lexend"/>
+              </a:rPr>
+              <a:t>TITLE</a:t>
+            </a:r>
+            <a:endParaRPr lang="tr-TR" sz="3600" dirty="0">
+              <a:solidFill>
+                <a:srgbClr val="292D33"/>
+              </a:solidFill>
+              <a:latin typeface="Lexend"/>
+              <a:ea typeface="Lexend"/>
+              <a:cs typeface="Lexend"/>
+              <a:sym typeface="Lexend"/>
+            </a:endParaRPr>
+          </a:p>
+        </p:txBody>
+      </p:sp>
+      <p:sp>
+        <p:nvSpPr>
+          <p:cNvPr id="14" name="Metin kutusu 13">
+            <a:extLst>
+              <a:ext uri="{FF2B5EF4-FFF2-40B4-BE49-F238E27FC236}">
+                <a16:creationId xmlns:a16="http://schemas.microsoft.com/office/drawing/2014/main" id="{AC32DC51-B106-B7DF-5095-EFC7D38D4E75}"/>
+              </a:ext>
+            </a:extLst>
+          </p:cNvPr>
+          <p:cNvSpPr txBox="1"/>
+          <p:nvPr/>
+        </p:nvSpPr>
+        <p:spPr>
+          <a:xfrm>
+            <a:off x="455846" y="1250909"/>
+            <a:ext cx="11239964" cy="4746130"/>
+          </a:xfrm>
+          <a:prstGeom prst="rect">
+            <a:avLst/>
+          </a:prstGeom>
+          <a:noFill/>
+        </p:spPr>
+        <p:txBody>
+          <a:bodyPr wrap="square" rtlCol="0">
+            <a:normAutofit/>
+          </a:bodyPr>
+          <a:lstStyle/>
+          <a:p>
+            <a:pPr marL="285750" indent="-285750">
+              <a:buFont typeface="Arial" panose="020B0604020202020204" pitchFamily="34" charset="0"/>
+              <a:buChar char="•"/>
+            </a:pPr>
+            <a:r>
+              <a:rPr lang="tr-TR" dirty="0">
+                <a:solidFill>
+                  <a:srgbClr val="5C6571"/>
+                </a:solidFill>
+                <a:latin typeface="Poppins" pitchFamily="2" charset="0"/>
+                <a:ea typeface="Poppins"/>
+                <a:cs typeface="Poppins" pitchFamily="2" charset="0"/>
+                <a:sym typeface="Poppins"/>
+              </a:rPr>
+              <a:t>.</a:t>
+            </a:r>
+            <a:endParaRPr lang="en-US" dirty="0">
+              <a:solidFill>
+                <a:srgbClr val="5C6571"/>
+              </a:solidFill>
+              <a:latin typeface="Poppins SemiBold" pitchFamily="2" charset="0"/>
+              <a:ea typeface="Poppins"/>
+              <a:cs typeface="Poppins SemiBold" pitchFamily="2" charset="0"/>
+              <a:sym typeface="Poppins"/>
+            </a:endParaRPr>
+          </a:p>
+        </p:txBody>
+      </p:sp>
+    </p:spTree>
+    <p:extLst>
+      <p:ext uri="{BB962C8B-B14F-4D97-AF65-F5344CB8AC3E}">
+        <p14:creationId xmlns:p14="http://schemas.microsoft.com/office/powerpoint/2010/main" val="19250903"/>
+      </p:ext>
+    </p:extLst>
+  </p:cSld>
+  <p:clrMapOvr>
+    <a:masterClrMapping/>
+  </p:clrMapOvr>
+  <p:timing>
+    <p:tnLst>
+      <p:par>
+        <p:cTn id="1" dur="indefinite" restart="never" nodeType="tmRoot">
+          <p:childTnLst>
+            <p:seq concurrent="1" nextAc="seek">
+              <p:cTn id="2" dur="indefinite" nodeType="mainSeq">
+                <p:childTnLst>
+                  <p:par>
+                    <p:cTn id="3" fill="hold">
+                      <p:stCondLst>
+                        <p:cond delay="indefinite"/>
+                      </p:stCondLst>
+                      <p:childTnLst>
+                        <p:par>
+                          <p:cTn id="4" fill="hold">
+                            <p:stCondLst>
+                              <p:cond delay="0"/>
+                            </p:stCondLst>
+                            <p:childTnLst>
+                              <p:par>
+                                <p:cTn id="5" presetID="10" presetClass="entr" presetSubtype="0" fill="hold" grpId="0" nodeType="clickEffect">
+                                  <p:stCondLst>
+                                    <p:cond delay="0"/>
+                                  </p:stCondLst>
+                                  <p:childTnLst>
+                                    <p:set>
+                                      <p:cBhvr>
+                                        <p:cTn id="6" dur="1" fill="hold">
+                                          <p:stCondLst>
+                                            <p:cond delay="0"/>
+                                          </p:stCondLst>
+                                        </p:cTn>
+                                        <p:tgtEl>
+                                          <p:spTgt spid="14"/>
+                                        </p:tgtEl>
+                                        <p:attrNameLst>
+                                          <p:attrName>style.visibility</p:attrName>
+                                        </p:attrNameLst>
+                                      </p:cBhvr>
+                                      <p:to>
+                                        <p:strVal val="visible"/>
+                                      </p:to>
+                                    </p:set>
+                                    <p:animEffect transition="in" filter="fade">
+                                      <p:cBhvr>
+                                        <p:cTn id="7" dur="500"/>
+                                        <p:tgtEl>
+                                          <p:spTgt spid="14"/>
+                                        </p:tgtEl>
+                                      </p:cBhvr>
+                                    </p:animEffect>
+                                  </p:childTnLst>
+                                </p:cTn>
+                              </p:par>
+                            </p:childTnLst>
+                          </p:cTn>
+                        </p:par>
+                      </p:childTnLst>
+                    </p:cTn>
+                  </p:par>
+                </p:childTnLst>
+              </p:cTn>
+              <p:prevCondLst>
+                <p:cond evt="onPrev" delay="0">
+                  <p:tgtEl>
+                    <p:sldTgt/>
+                  </p:tgtEl>
+                </p:cond>
+              </p:prevCondLst>
+              <p:nextCondLst>
+                <p:cond evt="onNext" delay="0">
+                  <p:tgtEl>
+                    <p:sldTgt/>
+                  </p:tgtEl>
+                </p:cond>
+              </p:nextCondLst>
+            </p:seq>
+          </p:childTnLst>
+        </p:cTn>
+      </p:par>
+    </p:tnLst>
+    <p:bldLst>
+      <p:bldP spid="14" grpId="0"/>
+    </p:bldLst>
+  </p:timing>
+</p:sld>
+</file>
+
+<file path=ppt/slides/slide13.xml><?xml version="1.0" encoding="utf-8"?>
+<p:sld xmlns:a="http://schemas.openxmlformats.org/drawingml/2006/main" xmlns:r="http://schemas.openxmlformats.org/officeDocument/2006/relationships" xmlns:p="http://schemas.openxmlformats.org/presentationml/2006/main">
+  <p:cSld>
+    <p:bg>
+      <p:bgPr>
+        <a:blipFill dpi="0" rotWithShape="1">
+          <a:blip r:embed="rId2">
+            <a:lum/>
+          </a:blip>
+          <a:srcRect/>
+          <a:stretch>
+            <a:fillRect/>
+          </a:stretch>
+        </a:blipFill>
+        <a:effectLst/>
+      </p:bgPr>
+    </p:bg>
+    <p:spTree>
+      <p:nvGrpSpPr>
+        <p:cNvPr id="1" name="">
+          <a:extLst>
+            <a:ext uri="{FF2B5EF4-FFF2-40B4-BE49-F238E27FC236}">
+              <a16:creationId xmlns:a16="http://schemas.microsoft.com/office/drawing/2014/main" id="{711218BE-B16A-0EC8-C184-7270ACD3005F}"/>
+            </a:ext>
+          </a:extLst>
+        </p:cNvPr>
+        <p:cNvGrpSpPr/>
+        <p:nvPr/>
+      </p:nvGrpSpPr>
+      <p:grpSpPr>
+        <a:xfrm>
+          <a:off x="0" y="0"/>
+          <a:ext cx="0" cy="0"/>
+          <a:chOff x="0" y="0"/>
+          <a:chExt cx="0" cy="0"/>
+        </a:xfrm>
+      </p:grpSpPr>
+      <p:sp>
+        <p:nvSpPr>
+          <p:cNvPr id="4" name="Metin kutusu 3">
+            <a:extLst>
+              <a:ext uri="{FF2B5EF4-FFF2-40B4-BE49-F238E27FC236}">
+                <a16:creationId xmlns:a16="http://schemas.microsoft.com/office/drawing/2014/main" id="{937FE569-BB25-BE8F-DEF7-90A6029DA071}"/>
+              </a:ext>
+            </a:extLst>
+          </p:cNvPr>
+          <p:cNvSpPr txBox="1">
+            <a:spLocks/>
+          </p:cNvSpPr>
+          <p:nvPr/>
+        </p:nvSpPr>
+        <p:spPr>
+          <a:xfrm>
+            <a:off x="455849" y="407657"/>
+            <a:ext cx="11239965" cy="708763"/>
+          </a:xfrm>
+          <a:prstGeom prst="rect">
+            <a:avLst/>
+          </a:prstGeom>
+          <a:noFill/>
+        </p:spPr>
+        <p:txBody>
+          <a:bodyPr wrap="square" rtlCol="0">
+            <a:normAutofit/>
+          </a:bodyPr>
+          <a:lstStyle/>
+          <a:p>
+            <a:pPr marL="0" lvl="0" indent="0" algn="l" rtl="0">
+              <a:spcBef>
+                <a:spcPts val="0"/>
+              </a:spcBef>
+              <a:spcAft>
+                <a:spcPts val="0"/>
+              </a:spcAft>
+              <a:buNone/>
+            </a:pPr>
+            <a:r>
+              <a:rPr lang="tr-TR" sz="3600" b="1" dirty="0">
+                <a:solidFill>
+                  <a:srgbClr val="292D33"/>
+                </a:solidFill>
+                <a:latin typeface="Lexend"/>
+                <a:ea typeface="Lexend"/>
+                <a:cs typeface="Lexend"/>
+                <a:sym typeface="Lexend"/>
+              </a:rPr>
+              <a:t>TITLE</a:t>
+            </a:r>
+            <a:endParaRPr lang="tr-TR" sz="3600" dirty="0">
+              <a:solidFill>
+                <a:srgbClr val="292D33"/>
+              </a:solidFill>
+              <a:latin typeface="Lexend"/>
+              <a:ea typeface="Lexend"/>
+              <a:cs typeface="Lexend"/>
+              <a:sym typeface="Lexend"/>
+            </a:endParaRPr>
+          </a:p>
+        </p:txBody>
+      </p:sp>
+      <p:sp>
+        <p:nvSpPr>
+          <p:cNvPr id="14" name="Metin kutusu 13">
+            <a:extLst>
+              <a:ext uri="{FF2B5EF4-FFF2-40B4-BE49-F238E27FC236}">
+                <a16:creationId xmlns:a16="http://schemas.microsoft.com/office/drawing/2014/main" id="{4299116E-29FF-62FF-EFDA-98C78B6431E2}"/>
+              </a:ext>
+            </a:extLst>
+          </p:cNvPr>
+          <p:cNvSpPr txBox="1"/>
+          <p:nvPr/>
+        </p:nvSpPr>
+        <p:spPr>
+          <a:xfrm>
+            <a:off x="455846" y="1250909"/>
+            <a:ext cx="11239964" cy="4746130"/>
+          </a:xfrm>
+          <a:prstGeom prst="rect">
+            <a:avLst/>
+          </a:prstGeom>
+          <a:noFill/>
+        </p:spPr>
+        <p:txBody>
+          <a:bodyPr wrap="square" rtlCol="0">
+            <a:normAutofit/>
+          </a:bodyPr>
+          <a:lstStyle/>
+          <a:p>
+            <a:pPr marL="285750" indent="-285750">
+              <a:buFont typeface="Arial" panose="020B0604020202020204" pitchFamily="34" charset="0"/>
+              <a:buChar char="•"/>
+            </a:pPr>
+            <a:r>
+              <a:rPr lang="tr-TR" dirty="0">
+                <a:solidFill>
+                  <a:srgbClr val="5C6571"/>
+                </a:solidFill>
+                <a:latin typeface="Poppins" pitchFamily="2" charset="0"/>
+                <a:ea typeface="Poppins"/>
+                <a:cs typeface="Poppins" pitchFamily="2" charset="0"/>
+                <a:sym typeface="Poppins"/>
+              </a:rPr>
+              <a:t>.</a:t>
+            </a:r>
+            <a:endParaRPr lang="en-US" dirty="0">
+              <a:solidFill>
+                <a:srgbClr val="5C6571"/>
+              </a:solidFill>
+              <a:latin typeface="Poppins SemiBold" pitchFamily="2" charset="0"/>
+              <a:ea typeface="Poppins"/>
+              <a:cs typeface="Poppins SemiBold" pitchFamily="2" charset="0"/>
+              <a:sym typeface="Poppins"/>
+            </a:endParaRPr>
+          </a:p>
+        </p:txBody>
+      </p:sp>
+    </p:spTree>
+    <p:extLst>
+      <p:ext uri="{BB962C8B-B14F-4D97-AF65-F5344CB8AC3E}">
+        <p14:creationId xmlns:p14="http://schemas.microsoft.com/office/powerpoint/2010/main" val="2826318667"/>
+      </p:ext>
+    </p:extLst>
+  </p:cSld>
+  <p:clrMapOvr>
+    <a:masterClrMapping/>
+  </p:clrMapOvr>
+  <p:timing>
+    <p:tnLst>
+      <p:par>
+        <p:cTn id="1" dur="indefinite" restart="never" nodeType="tmRoot">
+          <p:childTnLst>
+            <p:seq concurrent="1" nextAc="seek">
+              <p:cTn id="2" dur="indefinite" nodeType="mainSeq">
+                <p:childTnLst>
+                  <p:par>
+                    <p:cTn id="3" fill="hold">
+                      <p:stCondLst>
+                        <p:cond delay="indefinite"/>
+                      </p:stCondLst>
+                      <p:childTnLst>
+                        <p:par>
+                          <p:cTn id="4" fill="hold">
+                            <p:stCondLst>
+                              <p:cond delay="0"/>
+                            </p:stCondLst>
+                            <p:childTnLst>
+                              <p:par>
+                                <p:cTn id="5" presetID="10" presetClass="entr" presetSubtype="0" fill="hold" grpId="0" nodeType="clickEffect">
+                                  <p:stCondLst>
+                                    <p:cond delay="0"/>
+                                  </p:stCondLst>
+                                  <p:childTnLst>
+                                    <p:set>
+                                      <p:cBhvr>
+                                        <p:cTn id="6" dur="1" fill="hold">
+                                          <p:stCondLst>
+                                            <p:cond delay="0"/>
+                                          </p:stCondLst>
+                                        </p:cTn>
+                                        <p:tgtEl>
+                                          <p:spTgt spid="14"/>
+                                        </p:tgtEl>
+                                        <p:attrNameLst>
+                                          <p:attrName>style.visibility</p:attrName>
+                                        </p:attrNameLst>
+                                      </p:cBhvr>
+                                      <p:to>
+                                        <p:strVal val="visible"/>
+                                      </p:to>
+                                    </p:set>
+                                    <p:animEffect transition="in" filter="fade">
+                                      <p:cBhvr>
+                                        <p:cTn id="7" dur="500"/>
+                                        <p:tgtEl>
+                                          <p:spTgt spid="14"/>
+                                        </p:tgtEl>
+                                      </p:cBhvr>
+                                    </p:animEffect>
+                                  </p:childTnLst>
+                                </p:cTn>
+                              </p:par>
+                            </p:childTnLst>
+                          </p:cTn>
+                        </p:par>
+                      </p:childTnLst>
+                    </p:cTn>
+                  </p:par>
+                </p:childTnLst>
+              </p:cTn>
+              <p:prevCondLst>
+                <p:cond evt="onPrev" delay="0">
+                  <p:tgtEl>
+                    <p:sldTgt/>
+                  </p:tgtEl>
+                </p:cond>
+              </p:prevCondLst>
+              <p:nextCondLst>
+                <p:cond evt="onNext" delay="0">
+                  <p:tgtEl>
+                    <p:sldTgt/>
+                  </p:tgtEl>
+                </p:cond>
+              </p:nextCondLst>
+            </p:seq>
+          </p:childTnLst>
+        </p:cTn>
+      </p:par>
+    </p:tnLst>
+    <p:bldLst>
+      <p:bldP spid="14" grpId="0"/>
+    </p:bldLst>
+  </p:timing>
+</p:sld>
+</file>
+
+<file path=ppt/slides/slide14.xml><?xml version="1.0" encoding="utf-8"?>
+<p:sld xmlns:a="http://schemas.openxmlformats.org/drawingml/2006/main" xmlns:r="http://schemas.openxmlformats.org/officeDocument/2006/relationships" xmlns:p="http://schemas.openxmlformats.org/presentationml/2006/main">
+  <p:cSld>
+    <p:bg>
+      <p:bgPr>
+        <a:blipFill dpi="0" rotWithShape="1">
+          <a:blip r:embed="rId2">
+            <a:lum/>
+          </a:blip>
+          <a:srcRect/>
+          <a:stretch>
+            <a:fillRect/>
+          </a:stretch>
+        </a:blipFill>
+        <a:effectLst/>
+      </p:bgPr>
+    </p:bg>
+    <p:spTree>
+      <p:nvGrpSpPr>
+        <p:cNvPr id="1" name="">
+          <a:extLst>
+            <a:ext uri="{FF2B5EF4-FFF2-40B4-BE49-F238E27FC236}">
+              <a16:creationId xmlns:a16="http://schemas.microsoft.com/office/drawing/2014/main" id="{588DBC16-5B6F-73CD-9513-3CFFCC527CEC}"/>
+            </a:ext>
+          </a:extLst>
+        </p:cNvPr>
+        <p:cNvGrpSpPr/>
+        <p:nvPr/>
+      </p:nvGrpSpPr>
+      <p:grpSpPr>
+        <a:xfrm>
+          <a:off x="0" y="0"/>
+          <a:ext cx="0" cy="0"/>
+          <a:chOff x="0" y="0"/>
+          <a:chExt cx="0" cy="0"/>
+        </a:xfrm>
+      </p:grpSpPr>
+      <p:sp>
+        <p:nvSpPr>
+          <p:cNvPr id="4" name="Metin kutusu 3">
+            <a:extLst>
+              <a:ext uri="{FF2B5EF4-FFF2-40B4-BE49-F238E27FC236}">
+                <a16:creationId xmlns:a16="http://schemas.microsoft.com/office/drawing/2014/main" id="{A60566C0-BC21-1C14-8E1F-D21AA4BD1C84}"/>
+              </a:ext>
+            </a:extLst>
+          </p:cNvPr>
+          <p:cNvSpPr txBox="1">
+            <a:spLocks/>
+          </p:cNvSpPr>
+          <p:nvPr/>
+        </p:nvSpPr>
+        <p:spPr>
+          <a:xfrm>
+            <a:off x="455849" y="407657"/>
+            <a:ext cx="11239965" cy="708763"/>
+          </a:xfrm>
+          <a:prstGeom prst="rect">
+            <a:avLst/>
+          </a:prstGeom>
+          <a:noFill/>
+        </p:spPr>
+        <p:txBody>
+          <a:bodyPr wrap="square" rtlCol="0">
+            <a:normAutofit/>
+          </a:bodyPr>
+          <a:lstStyle/>
+          <a:p>
+            <a:pPr marL="0" lvl="0" indent="0" algn="l" rtl="0">
+              <a:spcBef>
+                <a:spcPts val="0"/>
+              </a:spcBef>
+              <a:spcAft>
+                <a:spcPts val="0"/>
+              </a:spcAft>
+              <a:buNone/>
+            </a:pPr>
+            <a:r>
+              <a:rPr lang="tr-TR" sz="3600" b="1" dirty="0">
+                <a:solidFill>
+                  <a:srgbClr val="292D33"/>
+                </a:solidFill>
+                <a:latin typeface="Lexend"/>
+                <a:ea typeface="Lexend"/>
+                <a:cs typeface="Lexend"/>
+                <a:sym typeface="Lexend"/>
+              </a:rPr>
+              <a:t>TITLE</a:t>
+            </a:r>
+            <a:endParaRPr lang="tr-TR" sz="3600" dirty="0">
+              <a:solidFill>
+                <a:srgbClr val="292D33"/>
+              </a:solidFill>
+              <a:latin typeface="Lexend"/>
+              <a:ea typeface="Lexend"/>
+              <a:cs typeface="Lexend"/>
+              <a:sym typeface="Lexend"/>
+            </a:endParaRPr>
+          </a:p>
+        </p:txBody>
+      </p:sp>
+      <p:sp>
+        <p:nvSpPr>
+          <p:cNvPr id="14" name="Metin kutusu 13">
+            <a:extLst>
+              <a:ext uri="{FF2B5EF4-FFF2-40B4-BE49-F238E27FC236}">
+                <a16:creationId xmlns:a16="http://schemas.microsoft.com/office/drawing/2014/main" id="{9C814DE0-1A38-27CA-FBAA-5B1CF3B04DA5}"/>
+              </a:ext>
+            </a:extLst>
+          </p:cNvPr>
+          <p:cNvSpPr txBox="1"/>
+          <p:nvPr/>
+        </p:nvSpPr>
+        <p:spPr>
+          <a:xfrm>
+            <a:off x="455846" y="1250909"/>
+            <a:ext cx="11239964" cy="4746130"/>
+          </a:xfrm>
+          <a:prstGeom prst="rect">
+            <a:avLst/>
+          </a:prstGeom>
+          <a:noFill/>
+        </p:spPr>
+        <p:txBody>
+          <a:bodyPr wrap="square" rtlCol="0">
+            <a:normAutofit/>
+          </a:bodyPr>
+          <a:lstStyle/>
+          <a:p>
+            <a:pPr marL="285750" indent="-285750">
+              <a:buFont typeface="Arial" panose="020B0604020202020204" pitchFamily="34" charset="0"/>
+              <a:buChar char="•"/>
+            </a:pPr>
+            <a:r>
+              <a:rPr lang="tr-TR" dirty="0">
+                <a:solidFill>
+                  <a:srgbClr val="5C6571"/>
+                </a:solidFill>
+                <a:latin typeface="Poppins" pitchFamily="2" charset="0"/>
+                <a:ea typeface="Poppins"/>
+                <a:cs typeface="Poppins" pitchFamily="2" charset="0"/>
+                <a:sym typeface="Poppins"/>
+              </a:rPr>
+              <a:t>.</a:t>
+            </a:r>
+            <a:endParaRPr lang="en-US" dirty="0">
+              <a:solidFill>
+                <a:srgbClr val="5C6571"/>
+              </a:solidFill>
+              <a:latin typeface="Poppins SemiBold" pitchFamily="2" charset="0"/>
+              <a:ea typeface="Poppins"/>
+              <a:cs typeface="Poppins SemiBold" pitchFamily="2" charset="0"/>
+              <a:sym typeface="Poppins"/>
+            </a:endParaRPr>
+          </a:p>
+        </p:txBody>
+      </p:sp>
+    </p:spTree>
+    <p:extLst>
+      <p:ext uri="{BB962C8B-B14F-4D97-AF65-F5344CB8AC3E}">
+        <p14:creationId xmlns:p14="http://schemas.microsoft.com/office/powerpoint/2010/main" val="3743076126"/>
+      </p:ext>
+    </p:extLst>
+  </p:cSld>
+  <p:clrMapOvr>
+    <a:masterClrMapping/>
+  </p:clrMapOvr>
+  <p:timing>
+    <p:tnLst>
+      <p:par>
+        <p:cTn id="1" dur="indefinite" restart="never" nodeType="tmRoot">
+          <p:childTnLst>
+            <p:seq concurrent="1" nextAc="seek">
+              <p:cTn id="2" dur="indefinite" nodeType="mainSeq">
+                <p:childTnLst>
+                  <p:par>
+                    <p:cTn id="3" fill="hold">
+                      <p:stCondLst>
+                        <p:cond delay="indefinite"/>
+                      </p:stCondLst>
+                      <p:childTnLst>
+                        <p:par>
+                          <p:cTn id="4" fill="hold">
+                            <p:stCondLst>
+                              <p:cond delay="0"/>
+                            </p:stCondLst>
+                            <p:childTnLst>
+                              <p:par>
+                                <p:cTn id="5" presetID="10" presetClass="entr" presetSubtype="0" fill="hold" grpId="0" nodeType="clickEffect">
+                                  <p:stCondLst>
+                                    <p:cond delay="0"/>
+                                  </p:stCondLst>
+                                  <p:childTnLst>
+                                    <p:set>
+                                      <p:cBhvr>
+                                        <p:cTn id="6" dur="1" fill="hold">
+                                          <p:stCondLst>
+                                            <p:cond delay="0"/>
+                                          </p:stCondLst>
+                                        </p:cTn>
+                                        <p:tgtEl>
+                                          <p:spTgt spid="14"/>
+                                        </p:tgtEl>
+                                        <p:attrNameLst>
+                                          <p:attrName>style.visibility</p:attrName>
+                                        </p:attrNameLst>
+                                      </p:cBhvr>
+                                      <p:to>
+                                        <p:strVal val="visible"/>
+                                      </p:to>
+                                    </p:set>
+                                    <p:animEffect transition="in" filter="fade">
+                                      <p:cBhvr>
+                                        <p:cTn id="7" dur="500"/>
+                                        <p:tgtEl>
+                                          <p:spTgt spid="14"/>
+                                        </p:tgtEl>
+                                      </p:cBhvr>
+                                    </p:animEffect>
+                                  </p:childTnLst>
+                                </p:cTn>
+                              </p:par>
+                            </p:childTnLst>
+                          </p:cTn>
+                        </p:par>
+                      </p:childTnLst>
+                    </p:cTn>
+                  </p:par>
+                </p:childTnLst>
+              </p:cTn>
+              <p:prevCondLst>
+                <p:cond evt="onPrev" delay="0">
+                  <p:tgtEl>
+                    <p:sldTgt/>
+                  </p:tgtEl>
+                </p:cond>
+              </p:prevCondLst>
+              <p:nextCondLst>
+                <p:cond evt="onNext" delay="0">
+                  <p:tgtEl>
+                    <p:sldTgt/>
+                  </p:tgtEl>
+                </p:cond>
+              </p:nextCondLst>
+            </p:seq>
+          </p:childTnLst>
+        </p:cTn>
+      </p:par>
+    </p:tnLst>
+    <p:bldLst>
+      <p:bldP spid="14" grpId="0"/>
+    </p:bldLst>
+  </p:timing>
+</p:sld>
+</file>
+
+<file path=ppt/slides/slide15.xml><?xml version="1.0" encoding="utf-8"?>
+<p:sld xmlns:a="http://schemas.openxmlformats.org/drawingml/2006/main" xmlns:r="http://schemas.openxmlformats.org/officeDocument/2006/relationships" xmlns:p="http://schemas.openxmlformats.org/presentationml/2006/main">
+  <p:cSld>
+    <p:bg>
+      <p:bgPr>
+        <a:blipFill dpi="0" rotWithShape="1">
+          <a:blip r:embed="rId2">
+            <a:lum/>
+          </a:blip>
+          <a:srcRect/>
+          <a:stretch>
+            <a:fillRect/>
+          </a:stretch>
+        </a:blipFill>
+        <a:effectLst/>
+      </p:bgPr>
+    </p:bg>
+    <p:spTree>
+      <p:nvGrpSpPr>
+        <p:cNvPr id="1" name="">
+          <a:extLst>
+            <a:ext uri="{FF2B5EF4-FFF2-40B4-BE49-F238E27FC236}">
+              <a16:creationId xmlns:a16="http://schemas.microsoft.com/office/drawing/2014/main" id="{FBB73052-2CC2-A4B8-DF90-842D88BB5417}"/>
+            </a:ext>
+          </a:extLst>
+        </p:cNvPr>
+        <p:cNvGrpSpPr/>
+        <p:nvPr/>
+      </p:nvGrpSpPr>
+      <p:grpSpPr>
+        <a:xfrm>
+          <a:off x="0" y="0"/>
+          <a:ext cx="0" cy="0"/>
+          <a:chOff x="0" y="0"/>
+          <a:chExt cx="0" cy="0"/>
+        </a:xfrm>
+      </p:grpSpPr>
+      <p:sp>
+        <p:nvSpPr>
+          <p:cNvPr id="4" name="Metin kutusu 3">
+            <a:extLst>
+              <a:ext uri="{FF2B5EF4-FFF2-40B4-BE49-F238E27FC236}">
+                <a16:creationId xmlns:a16="http://schemas.microsoft.com/office/drawing/2014/main" id="{C0C7C5D6-8EBC-8D2C-EBF7-E92E6C65EEB6}"/>
+              </a:ext>
+            </a:extLst>
+          </p:cNvPr>
+          <p:cNvSpPr txBox="1">
+            <a:spLocks/>
+          </p:cNvSpPr>
+          <p:nvPr/>
+        </p:nvSpPr>
+        <p:spPr>
+          <a:xfrm>
+            <a:off x="455849" y="407657"/>
+            <a:ext cx="11239965" cy="708763"/>
+          </a:xfrm>
+          <a:prstGeom prst="rect">
+            <a:avLst/>
+          </a:prstGeom>
+          <a:noFill/>
+        </p:spPr>
+        <p:txBody>
+          <a:bodyPr wrap="square" rtlCol="0">
+            <a:normAutofit/>
+          </a:bodyPr>
+          <a:lstStyle/>
+          <a:p>
+            <a:pPr marL="0" lvl="0" indent="0" algn="l" rtl="0">
+              <a:spcBef>
+                <a:spcPts val="0"/>
+              </a:spcBef>
+              <a:spcAft>
+                <a:spcPts val="0"/>
+              </a:spcAft>
+              <a:buNone/>
+            </a:pPr>
+            <a:r>
+              <a:rPr lang="tr-TR" sz="3600" b="1" dirty="0">
+                <a:solidFill>
+                  <a:srgbClr val="292D33"/>
+                </a:solidFill>
+                <a:latin typeface="Lexend"/>
+                <a:ea typeface="Lexend"/>
+                <a:cs typeface="Lexend"/>
+                <a:sym typeface="Lexend"/>
+              </a:rPr>
+              <a:t>TITLE</a:t>
+            </a:r>
+            <a:endParaRPr lang="tr-TR" sz="3600" dirty="0">
+              <a:solidFill>
+                <a:srgbClr val="292D33"/>
+              </a:solidFill>
+              <a:latin typeface="Lexend"/>
+              <a:ea typeface="Lexend"/>
+              <a:cs typeface="Lexend"/>
+              <a:sym typeface="Lexend"/>
+            </a:endParaRPr>
+          </a:p>
+        </p:txBody>
+      </p:sp>
+      <p:sp>
+        <p:nvSpPr>
+          <p:cNvPr id="14" name="Metin kutusu 13">
+            <a:extLst>
+              <a:ext uri="{FF2B5EF4-FFF2-40B4-BE49-F238E27FC236}">
+                <a16:creationId xmlns:a16="http://schemas.microsoft.com/office/drawing/2014/main" id="{07BAD816-C365-6E19-8522-47B87EB3A3B1}"/>
+              </a:ext>
+            </a:extLst>
+          </p:cNvPr>
+          <p:cNvSpPr txBox="1"/>
+          <p:nvPr/>
+        </p:nvSpPr>
+        <p:spPr>
+          <a:xfrm>
+            <a:off x="455846" y="1250909"/>
+            <a:ext cx="11239964" cy="4746130"/>
+          </a:xfrm>
+          <a:prstGeom prst="rect">
+            <a:avLst/>
+          </a:prstGeom>
+          <a:noFill/>
+        </p:spPr>
+        <p:txBody>
+          <a:bodyPr wrap="square" rtlCol="0">
+            <a:normAutofit/>
+          </a:bodyPr>
+          <a:lstStyle/>
+          <a:p>
+            <a:pPr marL="285750" indent="-285750">
+              <a:buFont typeface="Arial" panose="020B0604020202020204" pitchFamily="34" charset="0"/>
+              <a:buChar char="•"/>
+            </a:pPr>
+            <a:r>
+              <a:rPr lang="tr-TR" dirty="0">
+                <a:solidFill>
+                  <a:srgbClr val="5C6571"/>
+                </a:solidFill>
+                <a:latin typeface="Poppins" pitchFamily="2" charset="0"/>
+                <a:ea typeface="Poppins"/>
+                <a:cs typeface="Poppins" pitchFamily="2" charset="0"/>
+                <a:sym typeface="Poppins"/>
+              </a:rPr>
+              <a:t>.</a:t>
+            </a:r>
+            <a:endParaRPr lang="en-US" dirty="0">
+              <a:solidFill>
+                <a:srgbClr val="5C6571"/>
+              </a:solidFill>
+              <a:latin typeface="Poppins SemiBold" pitchFamily="2" charset="0"/>
+              <a:ea typeface="Poppins"/>
+              <a:cs typeface="Poppins SemiBold" pitchFamily="2" charset="0"/>
+              <a:sym typeface="Poppins"/>
+            </a:endParaRPr>
+          </a:p>
+        </p:txBody>
+      </p:sp>
+    </p:spTree>
+    <p:extLst>
+      <p:ext uri="{BB962C8B-B14F-4D97-AF65-F5344CB8AC3E}">
+        <p14:creationId xmlns:p14="http://schemas.microsoft.com/office/powerpoint/2010/main" val="3949679257"/>
+      </p:ext>
+    </p:extLst>
+  </p:cSld>
+  <p:clrMapOvr>
+    <a:masterClrMapping/>
+  </p:clrMapOvr>
+  <p:timing>
+    <p:tnLst>
+      <p:par>
+        <p:cTn id="1" dur="indefinite" restart="never" nodeType="tmRoot">
+          <p:childTnLst>
+            <p:seq concurrent="1" nextAc="seek">
+              <p:cTn id="2" dur="indefinite" nodeType="mainSeq">
+                <p:childTnLst>
+                  <p:par>
+                    <p:cTn id="3" fill="hold">
+                      <p:stCondLst>
+                        <p:cond delay="indefinite"/>
+                      </p:stCondLst>
+                      <p:childTnLst>
+                        <p:par>
+                          <p:cTn id="4" fill="hold">
+                            <p:stCondLst>
+                              <p:cond delay="0"/>
+                            </p:stCondLst>
+                            <p:childTnLst>
+                              <p:par>
+                                <p:cTn id="5" presetID="10" presetClass="entr" presetSubtype="0" fill="hold" grpId="0" nodeType="clickEffect">
+                                  <p:stCondLst>
+                                    <p:cond delay="0"/>
+                                  </p:stCondLst>
+                                  <p:childTnLst>
+                                    <p:set>
+                                      <p:cBhvr>
+                                        <p:cTn id="6" dur="1" fill="hold">
+                                          <p:stCondLst>
+                                            <p:cond delay="0"/>
+                                          </p:stCondLst>
+                                        </p:cTn>
+                                        <p:tgtEl>
+                                          <p:spTgt spid="14"/>
+                                        </p:tgtEl>
+                                        <p:attrNameLst>
+                                          <p:attrName>style.visibility</p:attrName>
+                                        </p:attrNameLst>
+                                      </p:cBhvr>
+                                      <p:to>
+                                        <p:strVal val="visible"/>
+                                      </p:to>
+                                    </p:set>
+                                    <p:animEffect transition="in" filter="fade">
+                                      <p:cBhvr>
+                                        <p:cTn id="7" dur="500"/>
+                                        <p:tgtEl>
+                                          <p:spTgt spid="14"/>
+                                        </p:tgtEl>
+                                      </p:cBhvr>
+                                    </p:animEffect>
+                                  </p:childTnLst>
+                                </p:cTn>
+                              </p:par>
+                            </p:childTnLst>
+                          </p:cTn>
+                        </p:par>
+                      </p:childTnLst>
+                    </p:cTn>
+                  </p:par>
+                </p:childTnLst>
+              </p:cTn>
+              <p:prevCondLst>
+                <p:cond evt="onPrev" delay="0">
+                  <p:tgtEl>
+                    <p:sldTgt/>
+                  </p:tgtEl>
+                </p:cond>
+              </p:prevCondLst>
+              <p:nextCondLst>
+                <p:cond evt="onNext" delay="0">
+                  <p:tgtEl>
+                    <p:sldTgt/>
+                  </p:tgtEl>
+                </p:cond>
+              </p:nextCondLst>
+            </p:seq>
+          </p:childTnLst>
+        </p:cTn>
+      </p:par>
+    </p:tnLst>
+    <p:bldLst>
+      <p:bldP spid="14" grpId="0"/>
+    </p:bldLst>
+  </p:timing>
+</p:sld>
+</file>
+
+<file path=ppt/slides/slide16.xml><?xml version="1.0" encoding="utf-8"?>
+<p:sld xmlns:a="http://schemas.openxmlformats.org/drawingml/2006/main" xmlns:r="http://schemas.openxmlformats.org/officeDocument/2006/relationships" xmlns:p="http://schemas.openxmlformats.org/presentationml/2006/main">
+  <p:cSld>
+    <p:bg>
+      <p:bgPr>
+        <a:blipFill dpi="0" rotWithShape="1">
+          <a:blip r:embed="rId2">
+            <a:lum/>
+          </a:blip>
+          <a:srcRect/>
+          <a:stretch>
+            <a:fillRect/>
+          </a:stretch>
+        </a:blipFill>
+        <a:effectLst/>
+      </p:bgPr>
+    </p:bg>
+    <p:spTree>
+      <p:nvGrpSpPr>
+        <p:cNvPr id="1" name="">
+          <a:extLst>
+            <a:ext uri="{FF2B5EF4-FFF2-40B4-BE49-F238E27FC236}">
+              <a16:creationId xmlns:a16="http://schemas.microsoft.com/office/drawing/2014/main" id="{06C3B051-A321-25AB-152B-A803DD876342}"/>
+            </a:ext>
+          </a:extLst>
+        </p:cNvPr>
+        <p:cNvGrpSpPr/>
+        <p:nvPr/>
+      </p:nvGrpSpPr>
+      <p:grpSpPr>
+        <a:xfrm>
+          <a:off x="0" y="0"/>
+          <a:ext cx="0" cy="0"/>
+          <a:chOff x="0" y="0"/>
+          <a:chExt cx="0" cy="0"/>
+        </a:xfrm>
+      </p:grpSpPr>
+      <p:sp>
+        <p:nvSpPr>
+          <p:cNvPr id="4" name="Metin kutusu 3">
+            <a:extLst>
+              <a:ext uri="{FF2B5EF4-FFF2-40B4-BE49-F238E27FC236}">
+                <a16:creationId xmlns:a16="http://schemas.microsoft.com/office/drawing/2014/main" id="{70DC8CAC-73AC-BB27-1FEC-B8310904FAD3}"/>
+              </a:ext>
+            </a:extLst>
+          </p:cNvPr>
+          <p:cNvSpPr txBox="1">
+            <a:spLocks/>
+          </p:cNvSpPr>
+          <p:nvPr/>
+        </p:nvSpPr>
+        <p:spPr>
+          <a:xfrm>
+            <a:off x="455849" y="407657"/>
+            <a:ext cx="11239965" cy="708763"/>
+          </a:xfrm>
+          <a:prstGeom prst="rect">
+            <a:avLst/>
+          </a:prstGeom>
+          <a:noFill/>
+        </p:spPr>
+        <p:txBody>
+          <a:bodyPr wrap="square" rtlCol="0">
+            <a:normAutofit/>
+          </a:bodyPr>
+          <a:lstStyle/>
+          <a:p>
+            <a:pPr marL="0" lvl="0" indent="0" algn="l" rtl="0">
+              <a:spcBef>
+                <a:spcPts val="0"/>
+              </a:spcBef>
+              <a:spcAft>
+                <a:spcPts val="0"/>
+              </a:spcAft>
+              <a:buNone/>
+            </a:pPr>
+            <a:r>
+              <a:rPr lang="tr-TR" sz="3600" b="1" dirty="0">
+                <a:solidFill>
+                  <a:srgbClr val="292D33"/>
+                </a:solidFill>
+                <a:latin typeface="Lexend"/>
+                <a:ea typeface="Lexend"/>
+                <a:cs typeface="Lexend"/>
+                <a:sym typeface="Lexend"/>
+              </a:rPr>
+              <a:t>TITLE</a:t>
+            </a:r>
+            <a:endParaRPr lang="tr-TR" sz="3600" dirty="0">
+              <a:solidFill>
+                <a:srgbClr val="292D33"/>
+              </a:solidFill>
+              <a:latin typeface="Lexend"/>
+              <a:ea typeface="Lexend"/>
+              <a:cs typeface="Lexend"/>
+              <a:sym typeface="Lexend"/>
+            </a:endParaRPr>
+          </a:p>
+        </p:txBody>
+      </p:sp>
+      <p:sp>
+        <p:nvSpPr>
+          <p:cNvPr id="14" name="Metin kutusu 13">
+            <a:extLst>
+              <a:ext uri="{FF2B5EF4-FFF2-40B4-BE49-F238E27FC236}">
+                <a16:creationId xmlns:a16="http://schemas.microsoft.com/office/drawing/2014/main" id="{21AD713A-C54B-05FA-F108-F47A913BF571}"/>
+              </a:ext>
+            </a:extLst>
+          </p:cNvPr>
+          <p:cNvSpPr txBox="1"/>
+          <p:nvPr/>
+        </p:nvSpPr>
+        <p:spPr>
+          <a:xfrm>
+            <a:off x="455846" y="1250909"/>
+            <a:ext cx="11239964" cy="4746130"/>
+          </a:xfrm>
+          <a:prstGeom prst="rect">
+            <a:avLst/>
+          </a:prstGeom>
+          <a:noFill/>
+        </p:spPr>
+        <p:txBody>
+          <a:bodyPr wrap="square" rtlCol="0">
+            <a:normAutofit/>
+          </a:bodyPr>
+          <a:lstStyle/>
+          <a:p>
+            <a:pPr marL="285750" indent="-285750">
+              <a:buFont typeface="Arial" panose="020B0604020202020204" pitchFamily="34" charset="0"/>
+              <a:buChar char="•"/>
+            </a:pPr>
+            <a:r>
+              <a:rPr lang="tr-TR" dirty="0">
+                <a:solidFill>
+                  <a:srgbClr val="5C6571"/>
+                </a:solidFill>
+                <a:latin typeface="Poppins" pitchFamily="2" charset="0"/>
+                <a:ea typeface="Poppins"/>
+                <a:cs typeface="Poppins" pitchFamily="2" charset="0"/>
+                <a:sym typeface="Poppins"/>
+              </a:rPr>
+              <a:t>.</a:t>
+            </a:r>
+            <a:endParaRPr lang="en-US" dirty="0">
+              <a:solidFill>
+                <a:srgbClr val="5C6571"/>
+              </a:solidFill>
+              <a:latin typeface="Poppins SemiBold" pitchFamily="2" charset="0"/>
+              <a:ea typeface="Poppins"/>
+              <a:cs typeface="Poppins SemiBold" pitchFamily="2" charset="0"/>
+              <a:sym typeface="Poppins"/>
+            </a:endParaRPr>
+          </a:p>
+        </p:txBody>
+      </p:sp>
+    </p:spTree>
+    <p:extLst>
+      <p:ext uri="{BB962C8B-B14F-4D97-AF65-F5344CB8AC3E}">
+        <p14:creationId xmlns:p14="http://schemas.microsoft.com/office/powerpoint/2010/main" val="2244254711"/>
+      </p:ext>
+    </p:extLst>
+  </p:cSld>
+  <p:clrMapOvr>
+    <a:masterClrMapping/>
+  </p:clrMapOvr>
+  <p:timing>
+    <p:tnLst>
+      <p:par>
+        <p:cTn id="1" dur="indefinite" restart="never" nodeType="tmRoot">
+          <p:childTnLst>
+            <p:seq concurrent="1" nextAc="seek">
+              <p:cTn id="2" dur="indefinite" nodeType="mainSeq">
+                <p:childTnLst>
+                  <p:par>
+                    <p:cTn id="3" fill="hold">
+                      <p:stCondLst>
+                        <p:cond delay="indefinite"/>
+                      </p:stCondLst>
+                      <p:childTnLst>
+                        <p:par>
+                          <p:cTn id="4" fill="hold">
+                            <p:stCondLst>
+                              <p:cond delay="0"/>
+                            </p:stCondLst>
+                            <p:childTnLst>
+                              <p:par>
+                                <p:cTn id="5" presetID="10" presetClass="entr" presetSubtype="0" fill="hold" grpId="0" nodeType="clickEffect">
+                                  <p:stCondLst>
+                                    <p:cond delay="0"/>
+                                  </p:stCondLst>
+                                  <p:childTnLst>
+                                    <p:set>
+                                      <p:cBhvr>
+                                        <p:cTn id="6" dur="1" fill="hold">
+                                          <p:stCondLst>
+                                            <p:cond delay="0"/>
+                                          </p:stCondLst>
+                                        </p:cTn>
+                                        <p:tgtEl>
+                                          <p:spTgt spid="14"/>
+                                        </p:tgtEl>
+                                        <p:attrNameLst>
+                                          <p:attrName>style.visibility</p:attrName>
+                                        </p:attrNameLst>
+                                      </p:cBhvr>
+                                      <p:to>
+                                        <p:strVal val="visible"/>
+                                      </p:to>
+                                    </p:set>
+                                    <p:animEffect transition="in" filter="fade">
+                                      <p:cBhvr>
+                                        <p:cTn id="7" dur="500"/>
+                                        <p:tgtEl>
+                                          <p:spTgt spid="14"/>
+                                        </p:tgtEl>
+                                      </p:cBhvr>
+                                    </p:animEffect>
+                                  </p:childTnLst>
+                                </p:cTn>
+                              </p:par>
+                            </p:childTnLst>
+                          </p:cTn>
+                        </p:par>
+                      </p:childTnLst>
+                    </p:cTn>
+                  </p:par>
+                </p:childTnLst>
+              </p:cTn>
+              <p:prevCondLst>
+                <p:cond evt="onPrev" delay="0">
+                  <p:tgtEl>
+                    <p:sldTgt/>
+                  </p:tgtEl>
+                </p:cond>
+              </p:prevCondLst>
+              <p:nextCondLst>
+                <p:cond evt="onNext" delay="0">
+                  <p:tgtEl>
+                    <p:sldTgt/>
+                  </p:tgtEl>
+                </p:cond>
+              </p:nextCondLst>
+            </p:seq>
+          </p:childTnLst>
+        </p:cTn>
+      </p:par>
+    </p:tnLst>
+    <p:bldLst>
+      <p:bldP spid="14" grpId="0"/>
+    </p:bldLst>
+  </p:timing>
+</p:sld>
+</file>
+
+<file path=ppt/slides/slide17.xml><?xml version="1.0" encoding="utf-8"?>
+<p:sld xmlns:a="http://schemas.openxmlformats.org/drawingml/2006/main" xmlns:r="http://schemas.openxmlformats.org/officeDocument/2006/relationships" xmlns:p="http://schemas.openxmlformats.org/presentationml/2006/main">
+  <p:cSld>
+    <p:bg>
+      <p:bgPr>
+        <a:blipFill dpi="0" rotWithShape="1">
+          <a:blip r:embed="rId2">
+            <a:lum/>
+          </a:blip>
+          <a:srcRect/>
+          <a:stretch>
+            <a:fillRect/>
+          </a:stretch>
+        </a:blipFill>
+        <a:effectLst/>
+      </p:bgPr>
+    </p:bg>
+    <p:spTree>
+      <p:nvGrpSpPr>
+        <p:cNvPr id="1" name="">
+          <a:extLst>
+            <a:ext uri="{FF2B5EF4-FFF2-40B4-BE49-F238E27FC236}">
+              <a16:creationId xmlns:a16="http://schemas.microsoft.com/office/drawing/2014/main" id="{0BE152F5-439F-E122-79E2-418D8B5AC527}"/>
+            </a:ext>
+          </a:extLst>
+        </p:cNvPr>
+        <p:cNvGrpSpPr/>
+        <p:nvPr/>
+      </p:nvGrpSpPr>
+      <p:grpSpPr>
+        <a:xfrm>
+          <a:off x="0" y="0"/>
+          <a:ext cx="0" cy="0"/>
+          <a:chOff x="0" y="0"/>
+          <a:chExt cx="0" cy="0"/>
+        </a:xfrm>
+      </p:grpSpPr>
+      <p:sp>
+        <p:nvSpPr>
+          <p:cNvPr id="4" name="Metin kutusu 3">
+            <a:extLst>
+              <a:ext uri="{FF2B5EF4-FFF2-40B4-BE49-F238E27FC236}">
+                <a16:creationId xmlns:a16="http://schemas.microsoft.com/office/drawing/2014/main" id="{1900BDA8-C2F5-BFD7-758B-C66EF3B1D852}"/>
+              </a:ext>
+            </a:extLst>
+          </p:cNvPr>
+          <p:cNvSpPr txBox="1">
+            <a:spLocks/>
+          </p:cNvSpPr>
+          <p:nvPr/>
+        </p:nvSpPr>
+        <p:spPr>
+          <a:xfrm>
+            <a:off x="455849" y="407657"/>
+            <a:ext cx="11239965" cy="708763"/>
+          </a:xfrm>
+          <a:prstGeom prst="rect">
+            <a:avLst/>
+          </a:prstGeom>
+          <a:noFill/>
+        </p:spPr>
+        <p:txBody>
+          <a:bodyPr wrap="square" rtlCol="0">
+            <a:normAutofit/>
+          </a:bodyPr>
+          <a:lstStyle/>
+          <a:p>
+            <a:pPr marL="0" lvl="0" indent="0" algn="l" rtl="0">
+              <a:spcBef>
+                <a:spcPts val="0"/>
+              </a:spcBef>
+              <a:spcAft>
+                <a:spcPts val="0"/>
+              </a:spcAft>
+              <a:buNone/>
+            </a:pPr>
+            <a:r>
+              <a:rPr lang="tr-TR" sz="3600" b="1" dirty="0">
+                <a:solidFill>
+                  <a:srgbClr val="292D33"/>
+                </a:solidFill>
+                <a:latin typeface="Lexend"/>
+                <a:ea typeface="Lexend"/>
+                <a:cs typeface="Lexend"/>
+                <a:sym typeface="Lexend"/>
+              </a:rPr>
+              <a:t>TITLE</a:t>
+            </a:r>
+            <a:endParaRPr lang="tr-TR" sz="3600" dirty="0">
+              <a:solidFill>
+                <a:srgbClr val="292D33"/>
+              </a:solidFill>
+              <a:latin typeface="Lexend"/>
+              <a:ea typeface="Lexend"/>
+              <a:cs typeface="Lexend"/>
+              <a:sym typeface="Lexend"/>
+            </a:endParaRPr>
+          </a:p>
+        </p:txBody>
+      </p:sp>
+      <p:sp>
+        <p:nvSpPr>
+          <p:cNvPr id="14" name="Metin kutusu 13">
+            <a:extLst>
+              <a:ext uri="{FF2B5EF4-FFF2-40B4-BE49-F238E27FC236}">
+                <a16:creationId xmlns:a16="http://schemas.microsoft.com/office/drawing/2014/main" id="{1FF2F497-32DA-2008-711F-396F0DC8B6EE}"/>
+              </a:ext>
+            </a:extLst>
+          </p:cNvPr>
+          <p:cNvSpPr txBox="1"/>
+          <p:nvPr/>
+        </p:nvSpPr>
+        <p:spPr>
+          <a:xfrm>
+            <a:off x="455846" y="1250909"/>
+            <a:ext cx="11239964" cy="4746130"/>
+          </a:xfrm>
+          <a:prstGeom prst="rect">
+            <a:avLst/>
+          </a:prstGeom>
+          <a:noFill/>
+        </p:spPr>
+        <p:txBody>
+          <a:bodyPr wrap="square" rtlCol="0">
+            <a:normAutofit/>
+          </a:bodyPr>
+          <a:lstStyle/>
+          <a:p>
+            <a:pPr marL="285750" indent="-285750">
+              <a:buFont typeface="Arial" panose="020B0604020202020204" pitchFamily="34" charset="0"/>
+              <a:buChar char="•"/>
+            </a:pPr>
+            <a:r>
+              <a:rPr lang="tr-TR" dirty="0">
+                <a:solidFill>
+                  <a:srgbClr val="5C6571"/>
+                </a:solidFill>
+                <a:latin typeface="Poppins" pitchFamily="2" charset="0"/>
+                <a:ea typeface="Poppins"/>
+                <a:cs typeface="Poppins" pitchFamily="2" charset="0"/>
+                <a:sym typeface="Poppins"/>
+              </a:rPr>
+              <a:t>.</a:t>
+            </a:r>
+            <a:endParaRPr lang="en-US" dirty="0">
+              <a:solidFill>
+                <a:srgbClr val="5C6571"/>
+              </a:solidFill>
+              <a:latin typeface="Poppins SemiBold" pitchFamily="2" charset="0"/>
+              <a:ea typeface="Poppins"/>
+              <a:cs typeface="Poppins SemiBold" pitchFamily="2" charset="0"/>
+              <a:sym typeface="Poppins"/>
+            </a:endParaRPr>
+          </a:p>
+        </p:txBody>
+      </p:sp>
+    </p:spTree>
+    <p:extLst>
+      <p:ext uri="{BB962C8B-B14F-4D97-AF65-F5344CB8AC3E}">
+        <p14:creationId xmlns:p14="http://schemas.microsoft.com/office/powerpoint/2010/main" val="1272605924"/>
+      </p:ext>
+    </p:extLst>
+  </p:cSld>
+  <p:clrMapOvr>
+    <a:masterClrMapping/>
+  </p:clrMapOvr>
+  <p:timing>
+    <p:tnLst>
+      <p:par>
+        <p:cTn id="1" dur="indefinite" restart="never" nodeType="tmRoot">
+          <p:childTnLst>
+            <p:seq concurrent="1" nextAc="seek">
+              <p:cTn id="2" dur="indefinite" nodeType="mainSeq">
+                <p:childTnLst>
+                  <p:par>
+                    <p:cTn id="3" fill="hold">
+                      <p:stCondLst>
+                        <p:cond delay="indefinite"/>
+                      </p:stCondLst>
+                      <p:childTnLst>
+                        <p:par>
+                          <p:cTn id="4" fill="hold">
+                            <p:stCondLst>
+                              <p:cond delay="0"/>
+                            </p:stCondLst>
+                            <p:childTnLst>
+                              <p:par>
+                                <p:cTn id="5" presetID="10" presetClass="entr" presetSubtype="0" fill="hold" grpId="0" nodeType="clickEffect">
+                                  <p:stCondLst>
+                                    <p:cond delay="0"/>
+                                  </p:stCondLst>
+                                  <p:childTnLst>
+                                    <p:set>
+                                      <p:cBhvr>
+                                        <p:cTn id="6" dur="1" fill="hold">
+                                          <p:stCondLst>
+                                            <p:cond delay="0"/>
+                                          </p:stCondLst>
+                                        </p:cTn>
+                                        <p:tgtEl>
+                                          <p:spTgt spid="14"/>
+                                        </p:tgtEl>
+                                        <p:attrNameLst>
+                                          <p:attrName>style.visibility</p:attrName>
+                                        </p:attrNameLst>
+                                      </p:cBhvr>
+                                      <p:to>
+                                        <p:strVal val="visible"/>
+                                      </p:to>
+                                    </p:set>
+                                    <p:animEffect transition="in" filter="fade">
+                                      <p:cBhvr>
+                                        <p:cTn id="7" dur="500"/>
+                                        <p:tgtEl>
+                                          <p:spTgt spid="14"/>
+                                        </p:tgtEl>
+                                      </p:cBhvr>
+                                    </p:animEffect>
+                                  </p:childTnLst>
+                                </p:cTn>
+                              </p:par>
+                            </p:childTnLst>
+                          </p:cTn>
+                        </p:par>
+                      </p:childTnLst>
+                    </p:cTn>
+                  </p:par>
+                </p:childTnLst>
+              </p:cTn>
+              <p:prevCondLst>
+                <p:cond evt="onPrev" delay="0">
+                  <p:tgtEl>
+                    <p:sldTgt/>
+                  </p:tgtEl>
+                </p:cond>
+              </p:prevCondLst>
+              <p:nextCondLst>
+                <p:cond evt="onNext" delay="0">
+                  <p:tgtEl>
+                    <p:sldTgt/>
+                  </p:tgtEl>
+                </p:cond>
+              </p:nextCondLst>
+            </p:seq>
+          </p:childTnLst>
+        </p:cTn>
+      </p:par>
+    </p:tnLst>
+    <p:bldLst>
+      <p:bldP spid="14" grpId="0"/>
+    </p:bldLst>
+  </p:timing>
+</p:sld>
+</file>
+
+<file path=ppt/slides/slide18.xml><?xml version="1.0" encoding="utf-8"?>
+<p:sld xmlns:a="http://schemas.openxmlformats.org/drawingml/2006/main" xmlns:r="http://schemas.openxmlformats.org/officeDocument/2006/relationships" xmlns:p="http://schemas.openxmlformats.org/presentationml/2006/main">
+  <p:cSld>
+    <p:bg>
+      <p:bgPr>
+        <a:blipFill dpi="0" rotWithShape="1">
+          <a:blip r:embed="rId2">
+            <a:lum/>
+          </a:blip>
+          <a:srcRect/>
+          <a:stretch>
+            <a:fillRect/>
+          </a:stretch>
+        </a:blipFill>
+        <a:effectLst/>
+      </p:bgPr>
+    </p:bg>
+    <p:spTree>
+      <p:nvGrpSpPr>
+        <p:cNvPr id="1" name="">
+          <a:extLst>
+            <a:ext uri="{FF2B5EF4-FFF2-40B4-BE49-F238E27FC236}">
+              <a16:creationId xmlns:a16="http://schemas.microsoft.com/office/drawing/2014/main" id="{2C17BB97-BCC9-574E-59F2-851978B4FE26}"/>
+            </a:ext>
+          </a:extLst>
+        </p:cNvPr>
+        <p:cNvGrpSpPr/>
+        <p:nvPr/>
+      </p:nvGrpSpPr>
+      <p:grpSpPr>
+        <a:xfrm>
+          <a:off x="0" y="0"/>
+          <a:ext cx="0" cy="0"/>
+          <a:chOff x="0" y="0"/>
+          <a:chExt cx="0" cy="0"/>
+        </a:xfrm>
+      </p:grpSpPr>
+      <p:sp>
+        <p:nvSpPr>
+          <p:cNvPr id="8" name="Metin kutusu 7">
+            <a:extLst>
+              <a:ext uri="{FF2B5EF4-FFF2-40B4-BE49-F238E27FC236}">
+                <a16:creationId xmlns:a16="http://schemas.microsoft.com/office/drawing/2014/main" id="{3551E258-AE4B-89EC-1439-33807E9C38DB}"/>
+              </a:ext>
+            </a:extLst>
+          </p:cNvPr>
+          <p:cNvSpPr txBox="1">
+            <a:spLocks/>
+          </p:cNvSpPr>
+          <p:nvPr/>
+        </p:nvSpPr>
+        <p:spPr>
+          <a:xfrm>
+            <a:off x="709617" y="1333647"/>
+            <a:ext cx="6856282" cy="1501200"/>
+          </a:xfrm>
+          <a:prstGeom prst="rect">
+            <a:avLst/>
+          </a:prstGeom>
+          <a:noFill/>
+        </p:spPr>
+        <p:txBody>
+          <a:bodyPr wrap="square" rtlCol="0">
+            <a:normAutofit/>
+          </a:bodyPr>
+          <a:lstStyle/>
+          <a:p>
+            <a:pPr marL="0" lvl="0" indent="0" algn="l" rtl="0">
+              <a:spcBef>
+                <a:spcPts val="0"/>
+              </a:spcBef>
+              <a:spcAft>
+                <a:spcPts val="0"/>
+              </a:spcAft>
+              <a:buNone/>
+            </a:pPr>
+            <a:r>
+              <a:rPr lang="tr-TR" sz="4500" b="1" dirty="0">
+                <a:solidFill>
+                  <a:srgbClr val="292D32"/>
+                </a:solidFill>
+                <a:latin typeface="Lexend" pitchFamily="2" charset="0"/>
+                <a:ea typeface="Lexend"/>
+                <a:cs typeface="Lexend"/>
+                <a:sym typeface="Lexend"/>
+              </a:rPr>
+              <a:t>THANKS FOR </a:t>
+            </a:r>
+          </a:p>
+          <a:p>
+            <a:pPr marL="0" lvl="0" indent="0" algn="l" rtl="0">
+              <a:spcBef>
+                <a:spcPts val="0"/>
+              </a:spcBef>
+              <a:spcAft>
+                <a:spcPts val="0"/>
+              </a:spcAft>
+              <a:buNone/>
+            </a:pPr>
+            <a:r>
+              <a:rPr lang="tr-TR" sz="4500" b="1" dirty="0">
+                <a:solidFill>
+                  <a:srgbClr val="292D32"/>
+                </a:solidFill>
+                <a:latin typeface="Lexend" pitchFamily="2" charset="0"/>
+                <a:ea typeface="Lexend"/>
+                <a:cs typeface="Lexend"/>
+                <a:sym typeface="Lexend"/>
+              </a:rPr>
+              <a:t>LISTENING</a:t>
+            </a:r>
+          </a:p>
+        </p:txBody>
+      </p:sp>
+      <p:sp>
+        <p:nvSpPr>
+          <p:cNvPr id="2" name="Google Shape;57;p1">
+            <a:extLst>
+              <a:ext uri="{FF2B5EF4-FFF2-40B4-BE49-F238E27FC236}">
+                <a16:creationId xmlns:a16="http://schemas.microsoft.com/office/drawing/2014/main" id="{647A9D47-362D-FE9E-8869-63880CAAAF13}"/>
+              </a:ext>
+            </a:extLst>
+          </p:cNvPr>
+          <p:cNvSpPr txBox="1"/>
+          <p:nvPr/>
+        </p:nvSpPr>
+        <p:spPr>
+          <a:xfrm>
+            <a:off x="8699243" y="2995507"/>
+            <a:ext cx="2957699" cy="400200"/>
+          </a:xfrm>
+          <a:prstGeom prst="rect">
+            <a:avLst/>
+          </a:prstGeom>
+          <a:noFill/>
+          <a:ln>
+            <a:noFill/>
+          </a:ln>
+        </p:spPr>
+        <p:txBody>
+          <a:bodyPr spcFirstLastPara="1" wrap="square" lIns="91425" tIns="91425" rIns="91425" bIns="91425" anchor="t" anchorCtr="0">
+            <a:normAutofit fontScale="92500" lnSpcReduction="20000"/>
+          </a:bodyPr>
+          <a:lstStyle/>
+          <a:p>
+            <a:pPr marL="0" lvl="0" indent="0" algn="ctr" rtl="0">
+              <a:spcBef>
+                <a:spcPts val="0"/>
+              </a:spcBef>
+              <a:spcAft>
+                <a:spcPts val="0"/>
+              </a:spcAft>
+              <a:buNone/>
+            </a:pPr>
+            <a:r>
+              <a:rPr lang="tr-TR" u="sng" dirty="0">
+                <a:solidFill>
+                  <a:srgbClr val="292D32"/>
+                </a:solidFill>
+                <a:latin typeface="Poppins"/>
+                <a:ea typeface="Poppins"/>
+                <a:cs typeface="Poppins"/>
+                <a:sym typeface="Poppins"/>
+              </a:rPr>
+              <a:t>get the presentation</a:t>
+            </a:r>
+            <a:endParaRPr u="sng" dirty="0">
+              <a:solidFill>
+                <a:srgbClr val="292D32"/>
+              </a:solidFill>
+              <a:latin typeface="Poppins"/>
+              <a:ea typeface="Poppins"/>
+              <a:cs typeface="Poppins"/>
+              <a:sym typeface="Poppins"/>
+            </a:endParaRPr>
+          </a:p>
+        </p:txBody>
+      </p:sp>
+      <p:pic>
+        <p:nvPicPr>
+          <p:cNvPr id="3" name="Google Shape;82;p3">
+            <a:extLst>
+              <a:ext uri="{FF2B5EF4-FFF2-40B4-BE49-F238E27FC236}">
+                <a16:creationId xmlns:a16="http://schemas.microsoft.com/office/drawing/2014/main" id="{3E6E81C7-C4A1-C35A-D850-0673D0F9EFDA}"/>
+              </a:ext>
+            </a:extLst>
+          </p:cNvPr>
+          <p:cNvPicPr preferRelativeResize="0"/>
+          <p:nvPr/>
+        </p:nvPicPr>
+        <p:blipFill>
+          <a:blip r:embed="rId3">
+            <a:alphaModFix/>
+          </a:blip>
+          <a:stretch>
+            <a:fillRect/>
+          </a:stretch>
+        </p:blipFill>
+        <p:spPr>
+          <a:xfrm>
+            <a:off x="8699242" y="3361290"/>
+            <a:ext cx="2957700" cy="2957700"/>
+          </a:xfrm>
+          <a:prstGeom prst="rect">
+            <a:avLst/>
+          </a:prstGeom>
+          <a:noFill/>
+          <a:ln>
+            <a:noFill/>
+          </a:ln>
+        </p:spPr>
+      </p:pic>
+      <p:pic>
+        <p:nvPicPr>
+          <p:cNvPr id="7" name="Picture 6" descr="A qr code on a white background&#10;&#10;Description automatically generated">
+            <a:extLst>
+              <a:ext uri="{FF2B5EF4-FFF2-40B4-BE49-F238E27FC236}">
+                <a16:creationId xmlns:a16="http://schemas.microsoft.com/office/drawing/2014/main" id="{BB20B524-D6DF-8CDF-2029-EC8DFA4E2A00}"/>
+              </a:ext>
+            </a:extLst>
+          </p:cNvPr>
+          <p:cNvPicPr>
+            <a:picLocks noChangeAspect="1"/>
+          </p:cNvPicPr>
+          <p:nvPr/>
+        </p:nvPicPr>
+        <p:blipFill>
+          <a:blip r:embed="rId4"/>
+          <a:stretch>
+            <a:fillRect/>
+          </a:stretch>
+        </p:blipFill>
+        <p:spPr>
+          <a:xfrm>
+            <a:off x="8941215" y="3562183"/>
+            <a:ext cx="2523783" cy="2523783"/>
+          </a:xfrm>
+          <a:prstGeom prst="roundRect">
+            <a:avLst>
+              <a:gd name="adj" fmla="val 10681"/>
+            </a:avLst>
+          </a:prstGeom>
+        </p:spPr>
+      </p:pic>
+      <p:pic>
+        <p:nvPicPr>
+          <p:cNvPr id="13" name="Resim 3">
+            <a:extLst>
+              <a:ext uri="{FF2B5EF4-FFF2-40B4-BE49-F238E27FC236}">
+                <a16:creationId xmlns:a16="http://schemas.microsoft.com/office/drawing/2014/main" id="{4C901F11-D850-A166-CB05-0CBE4E38424F}"/>
+              </a:ext>
+            </a:extLst>
+          </p:cNvPr>
+          <p:cNvPicPr>
+            <a:picLocks noChangeAspect="1"/>
+          </p:cNvPicPr>
+          <p:nvPr/>
+        </p:nvPicPr>
+        <p:blipFill>
+          <a:blip r:embed="rId5"/>
+          <a:srcRect/>
+          <a:stretch/>
+        </p:blipFill>
+        <p:spPr>
+          <a:xfrm>
+            <a:off x="709617" y="3363457"/>
+            <a:ext cx="1039470" cy="1039470"/>
+          </a:xfrm>
+          <a:prstGeom prst="rect">
+            <a:avLst/>
+          </a:prstGeom>
+        </p:spPr>
+      </p:pic>
+      <p:sp>
+        <p:nvSpPr>
+          <p:cNvPr id="16" name="Google Shape;56;p1">
+            <a:extLst>
+              <a:ext uri="{FF2B5EF4-FFF2-40B4-BE49-F238E27FC236}">
+                <a16:creationId xmlns:a16="http://schemas.microsoft.com/office/drawing/2014/main" id="{0BC79C6E-C1CA-CE54-F3AD-553AB78EF3D6}"/>
+              </a:ext>
+            </a:extLst>
+          </p:cNvPr>
+          <p:cNvSpPr txBox="1"/>
+          <p:nvPr/>
+        </p:nvSpPr>
+        <p:spPr>
+          <a:xfrm>
+            <a:off x="1981137" y="3429000"/>
+            <a:ext cx="6497100" cy="507900"/>
+          </a:xfrm>
+          <a:prstGeom prst="rect">
+            <a:avLst/>
+          </a:prstGeom>
+          <a:noFill/>
+          <a:ln>
+            <a:noFill/>
+          </a:ln>
+        </p:spPr>
+        <p:txBody>
+          <a:bodyPr spcFirstLastPara="1" wrap="square" lIns="91425" tIns="91425" rIns="91425" bIns="91425" anchor="t" anchorCtr="0">
+            <a:noAutofit/>
+          </a:bodyPr>
+          <a:lstStyle/>
+          <a:p>
+            <a:pPr marL="0" lvl="0" indent="0" algn="l" rtl="0">
+              <a:spcBef>
+                <a:spcPts val="0"/>
+              </a:spcBef>
+              <a:spcAft>
+                <a:spcPts val="0"/>
+              </a:spcAft>
+              <a:buNone/>
+            </a:pPr>
+            <a:r>
+              <a:rPr lang="tr-TR" sz="2800" dirty="0">
+                <a:solidFill>
+                  <a:srgbClr val="292D33"/>
+                </a:solidFill>
+                <a:latin typeface="Poppins Medium"/>
+                <a:ea typeface="Poppins Medium"/>
+                <a:cs typeface="Poppins Medium"/>
+                <a:sym typeface="Poppins Medium"/>
+              </a:rPr>
+              <a:t>Halil İbrahim KALKAN</a:t>
+            </a:r>
+            <a:endParaRPr sz="2800" dirty="0">
+              <a:solidFill>
+                <a:srgbClr val="292D33"/>
+              </a:solidFill>
+              <a:latin typeface="Poppins Medium"/>
+              <a:ea typeface="Poppins Medium"/>
+              <a:cs typeface="Poppins Medium"/>
+              <a:sym typeface="Poppins Medium"/>
+            </a:endParaRPr>
+          </a:p>
+        </p:txBody>
+      </p:sp>
+      <p:sp>
+        <p:nvSpPr>
+          <p:cNvPr id="17" name="Google Shape;57;p1">
+            <a:extLst>
+              <a:ext uri="{FF2B5EF4-FFF2-40B4-BE49-F238E27FC236}">
+                <a16:creationId xmlns:a16="http://schemas.microsoft.com/office/drawing/2014/main" id="{2A94C5A1-F228-4548-70FF-B79028413677}"/>
+              </a:ext>
+            </a:extLst>
+          </p:cNvPr>
+          <p:cNvSpPr txBox="1"/>
+          <p:nvPr/>
+        </p:nvSpPr>
+        <p:spPr>
+          <a:xfrm>
+            <a:off x="1981137" y="3948927"/>
+            <a:ext cx="6497100" cy="400200"/>
+          </a:xfrm>
+          <a:prstGeom prst="rect">
+            <a:avLst/>
+          </a:prstGeom>
+          <a:noFill/>
+          <a:ln>
+            <a:noFill/>
+          </a:ln>
+        </p:spPr>
+        <p:txBody>
+          <a:bodyPr spcFirstLastPara="1" wrap="square" lIns="91425" tIns="91425" rIns="91425" bIns="91425" anchor="t" anchorCtr="0">
+            <a:normAutofit fontScale="92500" lnSpcReduction="20000"/>
+          </a:bodyPr>
+          <a:lstStyle/>
+          <a:p>
+            <a:pPr marL="0" lvl="0" indent="0" algn="l" rtl="0">
+              <a:spcBef>
+                <a:spcPts val="0"/>
+              </a:spcBef>
+              <a:spcAft>
+                <a:spcPts val="0"/>
+              </a:spcAft>
+              <a:buNone/>
+            </a:pPr>
+            <a:r>
+              <a:rPr lang="tr" dirty="0">
+                <a:solidFill>
+                  <a:srgbClr val="4E5258"/>
+                </a:solidFill>
+                <a:latin typeface="Poppins"/>
+                <a:ea typeface="Poppins"/>
+                <a:cs typeface="Poppins"/>
+                <a:sym typeface="Poppins"/>
+              </a:rPr>
+              <a:t>Co-founder &amp; Lead Architect at Volosoft</a:t>
+            </a:r>
+            <a:endParaRPr dirty="0">
+              <a:solidFill>
+                <a:srgbClr val="545C67"/>
+              </a:solidFill>
+              <a:latin typeface="Poppins"/>
+              <a:ea typeface="Poppins"/>
+              <a:cs typeface="Poppins"/>
+              <a:sym typeface="Poppins"/>
+            </a:endParaRPr>
+          </a:p>
+        </p:txBody>
+      </p:sp>
+      <p:pic>
+        <p:nvPicPr>
+          <p:cNvPr id="18" name="Google Shape;59;p1">
+            <a:extLst>
+              <a:ext uri="{FF2B5EF4-FFF2-40B4-BE49-F238E27FC236}">
+                <a16:creationId xmlns:a16="http://schemas.microsoft.com/office/drawing/2014/main" id="{A4B2A689-60C7-8D7F-77F1-DBD3D119717B}"/>
+              </a:ext>
+            </a:extLst>
+          </p:cNvPr>
+          <p:cNvPicPr preferRelativeResize="0"/>
+          <p:nvPr/>
+        </p:nvPicPr>
+        <p:blipFill>
+          <a:blip r:embed="rId6">
+            <a:alphaModFix/>
+          </a:blip>
+          <a:stretch>
+            <a:fillRect/>
+          </a:stretch>
+        </p:blipFill>
+        <p:spPr>
+          <a:xfrm>
+            <a:off x="767492" y="4838670"/>
+            <a:ext cx="318353" cy="318353"/>
+          </a:xfrm>
+          <a:prstGeom prst="rect">
+            <a:avLst/>
+          </a:prstGeom>
+          <a:noFill/>
+          <a:ln>
+            <a:noFill/>
+          </a:ln>
+        </p:spPr>
+      </p:pic>
+      <p:pic>
+        <p:nvPicPr>
+          <p:cNvPr id="20" name="Google Shape;60;p1">
+            <a:extLst>
+              <a:ext uri="{FF2B5EF4-FFF2-40B4-BE49-F238E27FC236}">
+                <a16:creationId xmlns:a16="http://schemas.microsoft.com/office/drawing/2014/main" id="{8CB88DA0-1591-DA5C-03E8-FB30FC5F83FD}"/>
+              </a:ext>
+            </a:extLst>
+          </p:cNvPr>
+          <p:cNvPicPr preferRelativeResize="0"/>
+          <p:nvPr/>
+        </p:nvPicPr>
+        <p:blipFill>
+          <a:blip r:embed="rId7">
+            <a:alphaModFix/>
+          </a:blip>
+          <a:stretch>
+            <a:fillRect/>
+          </a:stretch>
+        </p:blipFill>
+        <p:spPr>
+          <a:xfrm>
+            <a:off x="767492" y="5304697"/>
+            <a:ext cx="318352" cy="318352"/>
+          </a:xfrm>
+          <a:prstGeom prst="rect">
+            <a:avLst/>
+          </a:prstGeom>
+          <a:noFill/>
+          <a:ln>
+            <a:noFill/>
+          </a:ln>
+        </p:spPr>
+      </p:pic>
+      <p:sp>
+        <p:nvSpPr>
+          <p:cNvPr id="21" name="Google Shape;61;p1">
+            <a:extLst>
+              <a:ext uri="{FF2B5EF4-FFF2-40B4-BE49-F238E27FC236}">
+                <a16:creationId xmlns:a16="http://schemas.microsoft.com/office/drawing/2014/main" id="{3530B454-E04F-2412-02E0-2FD8055AF339}"/>
+              </a:ext>
+            </a:extLst>
+          </p:cNvPr>
+          <p:cNvSpPr txBox="1"/>
+          <p:nvPr/>
+        </p:nvSpPr>
+        <p:spPr>
+          <a:xfrm>
+            <a:off x="1174489" y="4781664"/>
+            <a:ext cx="5237930" cy="369300"/>
+          </a:xfrm>
+          <a:prstGeom prst="rect">
+            <a:avLst/>
+          </a:prstGeom>
+          <a:noFill/>
+          <a:ln>
+            <a:noFill/>
+          </a:ln>
+        </p:spPr>
+        <p:txBody>
+          <a:bodyPr spcFirstLastPara="1" wrap="square" lIns="91425" tIns="91425" rIns="91425" bIns="91425" anchor="t" anchorCtr="0">
+            <a:noAutofit/>
+          </a:bodyPr>
+          <a:lstStyle/>
+          <a:p>
+            <a:pPr marL="0" lvl="0" indent="0" algn="l" rtl="0">
+              <a:spcBef>
+                <a:spcPts val="0"/>
+              </a:spcBef>
+              <a:spcAft>
+                <a:spcPts val="0"/>
+              </a:spcAft>
+              <a:buNone/>
+            </a:pPr>
+            <a:r>
+              <a:rPr lang="tr" sz="1500" dirty="0">
+                <a:solidFill>
+                  <a:srgbClr val="292D33"/>
+                </a:solidFill>
+                <a:latin typeface="Poppins"/>
+                <a:ea typeface="Poppins"/>
+                <a:cs typeface="Poppins"/>
+                <a:sym typeface="Poppins"/>
+              </a:rPr>
+              <a:t>hibrahimkalkan</a:t>
+            </a:r>
+            <a:endParaRPr sz="1500" dirty="0">
+              <a:solidFill>
+                <a:srgbClr val="292D33"/>
+              </a:solidFill>
+              <a:latin typeface="Poppins"/>
+              <a:ea typeface="Poppins"/>
+              <a:cs typeface="Poppins"/>
+              <a:sym typeface="Poppins"/>
+            </a:endParaRPr>
+          </a:p>
+        </p:txBody>
+      </p:sp>
+      <p:sp>
+        <p:nvSpPr>
+          <p:cNvPr id="22" name="Google Shape;62;p1">
+            <a:extLst>
+              <a:ext uri="{FF2B5EF4-FFF2-40B4-BE49-F238E27FC236}">
+                <a16:creationId xmlns:a16="http://schemas.microsoft.com/office/drawing/2014/main" id="{8A14025A-25B9-F4BA-8C89-42846FDEE1C0}"/>
+              </a:ext>
+            </a:extLst>
+          </p:cNvPr>
+          <p:cNvSpPr txBox="1"/>
+          <p:nvPr/>
+        </p:nvSpPr>
+        <p:spPr>
+          <a:xfrm>
+            <a:off x="1174489" y="5239808"/>
+            <a:ext cx="5237930" cy="369300"/>
+          </a:xfrm>
+          <a:prstGeom prst="rect">
+            <a:avLst/>
+          </a:prstGeom>
+          <a:noFill/>
+          <a:ln>
+            <a:noFill/>
+          </a:ln>
+        </p:spPr>
+        <p:txBody>
+          <a:bodyPr spcFirstLastPara="1" wrap="square" lIns="91425" tIns="91425" rIns="91425" bIns="91425" anchor="t" anchorCtr="0">
+            <a:noAutofit/>
+          </a:bodyPr>
+          <a:lstStyle/>
+          <a:p>
+            <a:pPr marL="0" lvl="0" indent="0" algn="l" rtl="0">
+              <a:spcBef>
+                <a:spcPts val="0"/>
+              </a:spcBef>
+              <a:spcAft>
+                <a:spcPts val="0"/>
+              </a:spcAft>
+              <a:buNone/>
+            </a:pPr>
+            <a:r>
+              <a:rPr lang="tr" sz="1500" dirty="0">
+                <a:solidFill>
+                  <a:srgbClr val="292D33"/>
+                </a:solidFill>
+                <a:latin typeface="Poppins"/>
+                <a:ea typeface="Poppins"/>
+                <a:cs typeface="Poppins"/>
+                <a:sym typeface="Poppins"/>
+              </a:rPr>
+              <a:t>hikalkan</a:t>
+            </a:r>
+            <a:endParaRPr sz="1500" dirty="0">
+              <a:solidFill>
+                <a:srgbClr val="292D33"/>
+              </a:solidFill>
+              <a:latin typeface="Poppins"/>
+              <a:ea typeface="Poppins"/>
+              <a:cs typeface="Poppins"/>
+              <a:sym typeface="Poppins"/>
+            </a:endParaRPr>
+          </a:p>
+        </p:txBody>
+      </p:sp>
+    </p:spTree>
+    <p:extLst>
+      <p:ext uri="{BB962C8B-B14F-4D97-AF65-F5344CB8AC3E}">
+        <p14:creationId xmlns:p14="http://schemas.microsoft.com/office/powerpoint/2010/main" val="1019990287"/>
       </p:ext>
     </p:extLst>
   </p:cSld>
@@ -4432,113 +7099,7 @@
           </a:bodyPr>
           <a:lstStyle/>
           <a:p>
-            <a:r>
-              <a:rPr lang="en-US" dirty="0">
-                <a:solidFill>
-                  <a:srgbClr val="5C6571"/>
-                </a:solidFill>
-                <a:latin typeface="Poppins" panose="00000500000000000000" pitchFamily="2" charset="-94"/>
-                <a:ea typeface="Poppins"/>
-                <a:cs typeface="Poppins" panose="00000500000000000000" pitchFamily="2" charset="-94"/>
-                <a:sym typeface="Poppins"/>
-              </a:rPr>
-              <a:t>Content</a:t>
-            </a:r>
-          </a:p>
-          <a:p>
-            <a:endParaRPr lang="en-US" dirty="0">
-              <a:solidFill>
-                <a:srgbClr val="5C6571"/>
-              </a:solidFill>
-              <a:latin typeface="Poppins" pitchFamily="2" charset="0"/>
-              <a:ea typeface="Poppins"/>
-              <a:cs typeface="Poppins" pitchFamily="2" charset="0"/>
-              <a:sym typeface="Poppins"/>
-            </a:endParaRPr>
-          </a:p>
-          <a:p>
             <a:pPr marL="285750" indent="-285750">
-              <a:buFont typeface="Arial" panose="020B0604020202020204" pitchFamily="34" charset="0"/>
-              <a:buChar char="•"/>
-            </a:pPr>
-            <a:r>
-              <a:rPr lang="en-US" dirty="0">
-                <a:solidFill>
-                  <a:srgbClr val="5C6571"/>
-                </a:solidFill>
-                <a:latin typeface="Poppins" pitchFamily="2" charset="0"/>
-                <a:ea typeface="Poppins"/>
-                <a:cs typeface="Poppins" pitchFamily="2" charset="0"/>
-                <a:sym typeface="Poppins"/>
-              </a:rPr>
-              <a:t>1</a:t>
-            </a:r>
-          </a:p>
-          <a:p>
-            <a:pPr marL="285750" indent="-285750">
-              <a:buFont typeface="Arial" panose="020B0604020202020204" pitchFamily="34" charset="0"/>
-              <a:buChar char="•"/>
-            </a:pPr>
-            <a:r>
-              <a:rPr lang="en-US" dirty="0">
-                <a:solidFill>
-                  <a:srgbClr val="5C6571"/>
-                </a:solidFill>
-                <a:latin typeface="Poppins" pitchFamily="2" charset="0"/>
-                <a:ea typeface="Poppins"/>
-                <a:cs typeface="Poppins" pitchFamily="2" charset="0"/>
-                <a:sym typeface="Poppins"/>
-              </a:rPr>
-              <a:t>2</a:t>
-            </a:r>
-          </a:p>
-          <a:p>
-            <a:pPr marL="742950" lvl="1" indent="-285750">
-              <a:buFont typeface="Arial" panose="020B0604020202020204" pitchFamily="34" charset="0"/>
-              <a:buChar char="•"/>
-            </a:pPr>
-            <a:r>
-              <a:rPr lang="en-US" dirty="0">
-                <a:solidFill>
-                  <a:srgbClr val="5C6571"/>
-                </a:solidFill>
-                <a:latin typeface="Poppins" pitchFamily="2" charset="0"/>
-                <a:ea typeface="Poppins"/>
-                <a:cs typeface="Poppins" pitchFamily="2" charset="0"/>
-                <a:sym typeface="Poppins"/>
-              </a:rPr>
-              <a:t>2.1</a:t>
-            </a:r>
-          </a:p>
-          <a:p>
-            <a:pPr marL="742950" lvl="1" indent="-285750">
-              <a:buFont typeface="Arial" panose="020B0604020202020204" pitchFamily="34" charset="0"/>
-              <a:buChar char="•"/>
-            </a:pPr>
-            <a:r>
-              <a:rPr lang="en-US" dirty="0">
-                <a:solidFill>
-                  <a:srgbClr val="5C6571"/>
-                </a:solidFill>
-                <a:latin typeface="Poppins" pitchFamily="2" charset="0"/>
-                <a:ea typeface="Poppins"/>
-                <a:cs typeface="Poppins" pitchFamily="2" charset="0"/>
-                <a:sym typeface="Poppins"/>
-              </a:rPr>
-              <a:t>2.2</a:t>
-            </a:r>
-            <a:endParaRPr lang="tr-TR" dirty="0">
-              <a:solidFill>
-                <a:srgbClr val="5C6571"/>
-              </a:solidFill>
-              <a:latin typeface="Poppins" pitchFamily="2" charset="0"/>
-              <a:ea typeface="Poppins"/>
-              <a:cs typeface="Poppins" pitchFamily="2" charset="0"/>
-              <a:sym typeface="Poppins"/>
-            </a:endParaRPr>
-          </a:p>
-          <a:p>
-            <a:pPr marL="1200150" lvl="2" indent="-285750">
               <a:buFont typeface="Arial" panose="020B0604020202020204" pitchFamily="34" charset="0"/>
               <a:buChar char="•"/>
             </a:pPr>
@@ -4552,25 +7113,7 @@
                 <a:cs typeface="Poppins" pitchFamily="2" charset="0"/>
                 <a:sym typeface="Poppins"/>
               </a:rPr>
-              <a:t>2.2.1</a:t>
-            </a:r>
-          </a:p>
-          <a:p>
-            <a:pPr marL="1200150" lvl="2" indent="-285750">
-              <a:buFont typeface="Arial" panose="020B0604020202020204" pitchFamily="34" charset="0"/>
-              <a:buChar char="•"/>
-            </a:pPr>
-            <a:r>
-              <a:rPr lang="tr-TR" dirty="0">
-                <a:solidFill>
-                  <a:srgbClr val="5C6571"/>
-                </a:solidFill>
-                <a:latin typeface="Poppins" pitchFamily="2" charset="0"/>
-                <a:ea typeface="Poppins"/>
-                <a:cs typeface="Poppins" pitchFamily="2" charset="0"/>
-                <a:sym typeface="Poppins"/>
-              </a:rPr>
-              <a:t>2.2.2</a:t>
+              <a:t>.</a:t>
             </a:r>
             <a:endParaRPr lang="en-US" dirty="0">
               <a:solidFill>
@@ -4705,7 +7248,7 @@
         <p:cNvPr id="1" name="">
           <a:extLst>
             <a:ext uri="{FF2B5EF4-FFF2-40B4-BE49-F238E27FC236}">
-              <a16:creationId xmlns:a16="http://schemas.microsoft.com/office/drawing/2014/main" id="{2C17BB97-BCC9-574E-59F2-851978B4FE26}"/>
+              <a16:creationId xmlns:a16="http://schemas.microsoft.com/office/drawing/2014/main" id="{EB98EE89-151E-D5E9-28B3-C384801174BF}"/>
             </a:ext>
           </a:extLst>
         </p:cNvPr>
@@ -4722,10 +7265,10 @@
       </p:grpSpPr>
       <p:sp>
         <p:nvSpPr>
-          <p:cNvPr id="8" name="Metin kutusu 7">
-            <a:extLst>
-              <a:ext uri="{FF2B5EF4-FFF2-40B4-BE49-F238E27FC236}">
-                <a16:creationId xmlns:a16="http://schemas.microsoft.com/office/drawing/2014/main" id="{3551E258-AE4B-89EC-1439-33807E9C38DB}"/>
+          <p:cNvPr id="4" name="Metin kutusu 3">
+            <a:extLst>
+              <a:ext uri="{FF2B5EF4-FFF2-40B4-BE49-F238E27FC236}">
+                <a16:creationId xmlns:a16="http://schemas.microsoft.com/office/drawing/2014/main" id="{FAD035AE-4276-3401-964D-E4808B6499A8}"/>
               </a:ext>
             </a:extLst>
           </p:cNvPr>
@@ -4736,8 +7279,8 @@
         </p:nvSpPr>
         <p:spPr>
           <a:xfrm>
-            <a:off x="709617" y="1333647"/>
-            <a:ext cx="6856282" cy="1501200"/>
+            <a:off x="455849" y="407657"/>
+            <a:ext cx="11239965" cy="708763"/>
           </a:xfrm>
           <a:prstGeom prst="rect">
             <a:avLst/>
@@ -4760,18 +7303,250 @@
               <a:buNone/>
             </a:pPr>
             <a:r>
-              <a:rPr lang="tr-TR" sz="4500" b="1" dirty="0">
+              <a:rPr lang="tr-TR" sz="3600" b="1" dirty="0">
                 <a:solidFill>
-                  <a:srgbClr val="292D32"/>
+                  <a:srgbClr val="292D33"/>
                 </a:solidFill>
-                <a:latin typeface="Lexend" pitchFamily="2" charset="0"/>
+                <a:latin typeface="Lexend"/>
                 <a:ea typeface="Lexend"/>
                 <a:cs typeface="Lexend"/>
                 <a:sym typeface="Lexend"/>
               </a:rPr>
-              <a:t>THANKS FOR </a:t>
-            </a:r>
-          </a:p>
+              <a:t>TITLE</a:t>
+            </a:r>
+            <a:endParaRPr lang="tr-TR" sz="3600" dirty="0">
+              <a:solidFill>
+                <a:srgbClr val="292D33"/>
+              </a:solidFill>
+              <a:latin typeface="Lexend"/>
+              <a:ea typeface="Lexend"/>
+              <a:cs typeface="Lexend"/>
+              <a:sym typeface="Lexend"/>
+            </a:endParaRPr>
+          </a:p>
+        </p:txBody>
+      </p:sp>
+      <p:sp>
+        <p:nvSpPr>
+          <p:cNvPr id="14" name="Metin kutusu 13">
+            <a:extLst>
+              <a:ext uri="{FF2B5EF4-FFF2-40B4-BE49-F238E27FC236}">
+                <a16:creationId xmlns:a16="http://schemas.microsoft.com/office/drawing/2014/main" id="{BFBC1971-01C1-E233-C730-CF1F2C9F27D0}"/>
+              </a:ext>
+            </a:extLst>
+          </p:cNvPr>
+          <p:cNvSpPr txBox="1"/>
+          <p:nvPr/>
+        </p:nvSpPr>
+        <p:spPr>
+          <a:xfrm>
+            <a:off x="455846" y="1250909"/>
+            <a:ext cx="11239964" cy="4746130"/>
+          </a:xfrm>
+          <a:prstGeom prst="rect">
+            <a:avLst/>
+          </a:prstGeom>
+          <a:noFill/>
+        </p:spPr>
+        <p:txBody>
+          <a:bodyPr wrap="square" rtlCol="0">
+            <a:normAutofit/>
+          </a:bodyPr>
+          <a:lstStyle/>
+          <a:p>
+            <a:pPr marL="285750" indent="-285750">
+              <a:buFont typeface="Arial" panose="020B0604020202020204" pitchFamily="34" charset="0"/>
+              <a:buChar char="•"/>
+            </a:pPr>
+            <a:r>
+              <a:rPr lang="tr-TR" dirty="0">
+                <a:solidFill>
+                  <a:srgbClr val="5C6571"/>
+                </a:solidFill>
+                <a:latin typeface="Poppins" pitchFamily="2" charset="0"/>
+                <a:ea typeface="Poppins"/>
+                <a:cs typeface="Poppins" pitchFamily="2" charset="0"/>
+                <a:sym typeface="Poppins"/>
+              </a:rPr>
+              <a:t>.</a:t>
+            </a:r>
+            <a:endParaRPr lang="en-US" dirty="0">
+              <a:solidFill>
+                <a:srgbClr val="5C6571"/>
+              </a:solidFill>
+              <a:latin typeface="Poppins SemiBold" pitchFamily="2" charset="0"/>
+              <a:ea typeface="Poppins"/>
+              <a:cs typeface="Poppins SemiBold" pitchFamily="2" charset="0"/>
+              <a:sym typeface="Poppins"/>
+            </a:endParaRPr>
+          </a:p>
+        </p:txBody>
+      </p:sp>
+    </p:spTree>
+    <p:extLst>
+      <p:ext uri="{BB962C8B-B14F-4D97-AF65-F5344CB8AC3E}">
+        <p14:creationId xmlns:p14="http://schemas.microsoft.com/office/powerpoint/2010/main" val="3455473314"/>
+      </p:ext>
+    </p:extLst>
+  </p:cSld>
+  <p:clrMapOvr>
+    <a:masterClrMapping/>
+  </p:clrMapOvr>
+  <p:timing>
+    <p:tnLst>
+      <p:par>
+        <p:cTn id="1" dur="indefinite" restart="never" nodeType="tmRoot">
+          <p:childTnLst>
+            <p:seq concurrent="1" nextAc="seek">
+              <p:cTn id="2" dur="indefinite" nodeType="mainSeq">
+                <p:childTnLst>
+                  <p:par>
+                    <p:cTn id="3" fill="hold">
+                      <p:stCondLst>
+                        <p:cond delay="indefinite"/>
+                      </p:stCondLst>
+                      <p:childTnLst>
+                        <p:par>
+                          <p:cTn id="4" fill="hold">
+                            <p:stCondLst>
+                              <p:cond delay="0"/>
+                            </p:stCondLst>
+                            <p:childTnLst>
+                              <p:par>
+                                <p:cTn id="5" presetID="10" presetClass="entr" presetSubtype="0" fill="hold" grpId="0" nodeType="clickEffect">
+                                  <p:stCondLst>
+                                    <p:cond delay="0"/>
+                                  </p:stCondLst>
+                                  <p:childTnLst>
+                                    <p:set>
+                                      <p:cBhvr>
+                                        <p:cTn id="6" dur="1" fill="hold">
+                                          <p:stCondLst>
+                                            <p:cond delay="0"/>
+                                          </p:stCondLst>
+                                        </p:cTn>
+                                        <p:tgtEl>
+                                          <p:spTgt spid="14"/>
+                                        </p:tgtEl>
+                                        <p:attrNameLst>
+                                          <p:attrName>style.visibility</p:attrName>
+                                        </p:attrNameLst>
+                                      </p:cBhvr>
+                                      <p:to>
+                                        <p:strVal val="visible"/>
+                                      </p:to>
+                                    </p:set>
+                                    <p:animEffect transition="in" filter="fade">
+                                      <p:cBhvr>
+                                        <p:cTn id="7" dur="500"/>
+                                        <p:tgtEl>
+                                          <p:spTgt spid="14"/>
+                                        </p:tgtEl>
+                                      </p:cBhvr>
+                                    </p:animEffect>
+                                  </p:childTnLst>
+                                </p:cTn>
+                              </p:par>
+                            </p:childTnLst>
+                          </p:cTn>
+                        </p:par>
+                      </p:childTnLst>
+                    </p:cTn>
+                  </p:par>
+                </p:childTnLst>
+              </p:cTn>
+              <p:prevCondLst>
+                <p:cond evt="onPrev" delay="0">
+                  <p:tgtEl>
+                    <p:sldTgt/>
+                  </p:tgtEl>
+                </p:cond>
+              </p:prevCondLst>
+              <p:nextCondLst>
+                <p:cond evt="onNext" delay="0">
+                  <p:tgtEl>
+                    <p:sldTgt/>
+                  </p:tgtEl>
+                </p:cond>
+              </p:nextCondLst>
+            </p:seq>
+          </p:childTnLst>
+        </p:cTn>
+      </p:par>
+    </p:tnLst>
+    <p:bldLst>
+      <p:bldP spid="14" grpId="0"/>
+    </p:bldLst>
+  </p:timing>
+</p:sld>
+</file>
+
+<file path=ppt/slides/slide4.xml><?xml version="1.0" encoding="utf-8"?>
+<p:sld xmlns:a="http://schemas.openxmlformats.org/drawingml/2006/main" xmlns:r="http://schemas.openxmlformats.org/officeDocument/2006/relationships" xmlns:p="http://schemas.openxmlformats.org/presentationml/2006/main">
+  <p:cSld>
+    <p:bg>
+      <p:bgPr>
+        <a:blipFill dpi="0" rotWithShape="1">
+          <a:blip r:embed="rId2">
+            <a:lum/>
+          </a:blip>
+          <a:srcRect/>
+          <a:stretch>
+            <a:fillRect/>
+          </a:stretch>
+        </a:blipFill>
+        <a:effectLst/>
+      </p:bgPr>
+    </p:bg>
+    <p:spTree>
+      <p:nvGrpSpPr>
+        <p:cNvPr id="1" name="">
+          <a:extLst>
+            <a:ext uri="{FF2B5EF4-FFF2-40B4-BE49-F238E27FC236}">
+              <a16:creationId xmlns:a16="http://schemas.microsoft.com/office/drawing/2014/main" id="{79084C93-1F27-A1AF-265C-ABACCA38E334}"/>
+            </a:ext>
+          </a:extLst>
+        </p:cNvPr>
+        <p:cNvGrpSpPr/>
+        <p:nvPr/>
+      </p:nvGrpSpPr>
+      <p:grpSpPr>
+        <a:xfrm>
+          <a:off x="0" y="0"/>
+          <a:ext cx="0" cy="0"/>
+          <a:chOff x="0" y="0"/>
+          <a:chExt cx="0" cy="0"/>
+        </a:xfrm>
+      </p:grpSpPr>
+      <p:sp>
+        <p:nvSpPr>
+          <p:cNvPr id="4" name="Metin kutusu 3">
+            <a:extLst>
+              <a:ext uri="{FF2B5EF4-FFF2-40B4-BE49-F238E27FC236}">
+                <a16:creationId xmlns:a16="http://schemas.microsoft.com/office/drawing/2014/main" id="{792A8E48-A591-A708-C76E-147549E390C8}"/>
+              </a:ext>
+            </a:extLst>
+          </p:cNvPr>
+          <p:cNvSpPr txBox="1">
+            <a:spLocks/>
+          </p:cNvSpPr>
+          <p:nvPr/>
+        </p:nvSpPr>
+        <p:spPr>
+          <a:xfrm>
+            <a:off x="455849" y="407657"/>
+            <a:ext cx="11239965" cy="708763"/>
+          </a:xfrm>
+          <a:prstGeom prst="rect">
+            <a:avLst/>
+          </a:prstGeom>
+          <a:noFill/>
+        </p:spPr>
+        <p:txBody>
+          <a:bodyPr wrap="square" rtlCol="0">
+            <a:normAutofit/>
+          </a:bodyPr>
+          <a:lstStyle/>
           <a:p>
             <a:pPr marL="0" lvl="0" indent="0" algn="l" rtl="0">
               <a:spcBef>
@@ -4783,77 +7558,248 @@
               <a:buNone/>
             </a:pPr>
             <a:r>
-              <a:rPr lang="tr-TR" sz="4500" b="1" dirty="0">
+              <a:rPr lang="tr-TR" sz="3600" b="1" dirty="0">
                 <a:solidFill>
-                  <a:srgbClr val="292D32"/>
+                  <a:srgbClr val="292D33"/>
                 </a:solidFill>
-                <a:latin typeface="Lexend" pitchFamily="2" charset="0"/>
+                <a:latin typeface="Lexend"/>
                 <a:ea typeface="Lexend"/>
                 <a:cs typeface="Lexend"/>
                 <a:sym typeface="Lexend"/>
               </a:rPr>
-              <a:t>LISTENING</a:t>
-            </a:r>
-          </a:p>
-        </p:txBody>
-      </p:sp>
-      <p:pic>
-        <p:nvPicPr>
-          <p:cNvPr id="4" name="Resim 3">
-            <a:extLst>
-              <a:ext uri="{FF2B5EF4-FFF2-40B4-BE49-F238E27FC236}">
-                <a16:creationId xmlns:a16="http://schemas.microsoft.com/office/drawing/2014/main" id="{5241CB78-F4AE-D9B0-2F94-3CA2B8716B37}"/>
-              </a:ext>
-            </a:extLst>
-          </p:cNvPr>
-          <p:cNvPicPr>
-            <a:picLocks noChangeAspect="1"/>
-          </p:cNvPicPr>
+              <a:t>TITLE</a:t>
+            </a:r>
+            <a:endParaRPr lang="tr-TR" sz="3600" dirty="0">
+              <a:solidFill>
+                <a:srgbClr val="292D33"/>
+              </a:solidFill>
+              <a:latin typeface="Lexend"/>
+              <a:ea typeface="Lexend"/>
+              <a:cs typeface="Lexend"/>
+              <a:sym typeface="Lexend"/>
+            </a:endParaRPr>
+          </a:p>
+        </p:txBody>
+      </p:sp>
+      <p:sp>
+        <p:nvSpPr>
+          <p:cNvPr id="14" name="Metin kutusu 13">
+            <a:extLst>
+              <a:ext uri="{FF2B5EF4-FFF2-40B4-BE49-F238E27FC236}">
+                <a16:creationId xmlns:a16="http://schemas.microsoft.com/office/drawing/2014/main" id="{CAF778E1-3DC6-6F4C-2B4E-1D1B8DD69EFC}"/>
+              </a:ext>
+            </a:extLst>
+          </p:cNvPr>
+          <p:cNvSpPr txBox="1"/>
           <p:nvPr/>
-        </p:nvPicPr>
-        <p:blipFill>
-          <a:blip r:embed="rId3"/>
-          <a:srcRect/>
-          <a:stretch/>
-        </p:blipFill>
+        </p:nvSpPr>
         <p:spPr>
           <a:xfrm>
-            <a:off x="813791" y="3041729"/>
-            <a:ext cx="1039470" cy="1039470"/>
-          </a:xfrm>
-          <a:prstGeom prst="rect">
-            <a:avLst/>
-          </a:prstGeom>
-        </p:spPr>
-      </p:pic>
-      <p:sp>
-        <p:nvSpPr>
-          <p:cNvPr id="5" name="Google Shape;56;p1">
-            <a:extLst>
-              <a:ext uri="{FF2B5EF4-FFF2-40B4-BE49-F238E27FC236}">
-                <a16:creationId xmlns:a16="http://schemas.microsoft.com/office/drawing/2014/main" id="{C917CDC9-7A11-0492-6A84-23B930AE7B27}"/>
-              </a:ext>
-            </a:extLst>
-          </p:cNvPr>
-          <p:cNvSpPr txBox="1"/>
-          <p:nvPr/>
-        </p:nvSpPr>
-        <p:spPr>
-          <a:xfrm>
-            <a:off x="2085311" y="3107272"/>
-            <a:ext cx="6497100" cy="507900"/>
+            <a:off x="455846" y="1250909"/>
+            <a:ext cx="11239964" cy="4746130"/>
           </a:xfrm>
           <a:prstGeom prst="rect">
             <a:avLst/>
           </a:prstGeom>
           <a:noFill/>
-          <a:ln>
-            <a:noFill/>
-          </a:ln>
         </p:spPr>
         <p:txBody>
-          <a:bodyPr spcFirstLastPara="1" wrap="square" lIns="91425" tIns="91425" rIns="91425" bIns="91425" anchor="t" anchorCtr="0">
-            <a:noAutofit/>
+          <a:bodyPr wrap="square" rtlCol="0">
+            <a:normAutofit/>
+          </a:bodyPr>
+          <a:lstStyle/>
+          <a:p>
+            <a:pPr marL="285750" indent="-285750">
+              <a:buFont typeface="Arial" panose="020B0604020202020204" pitchFamily="34" charset="0"/>
+              <a:buChar char="•"/>
+            </a:pPr>
+            <a:r>
+              <a:rPr lang="tr-TR" dirty="0">
+                <a:solidFill>
+                  <a:srgbClr val="5C6571"/>
+                </a:solidFill>
+                <a:latin typeface="Poppins" pitchFamily="2" charset="0"/>
+                <a:ea typeface="Poppins"/>
+                <a:cs typeface="Poppins" pitchFamily="2" charset="0"/>
+                <a:sym typeface="Poppins"/>
+              </a:rPr>
+              <a:t>.</a:t>
+            </a:r>
+            <a:endParaRPr lang="en-US" dirty="0">
+              <a:solidFill>
+                <a:srgbClr val="5C6571"/>
+              </a:solidFill>
+              <a:latin typeface="Poppins SemiBold" pitchFamily="2" charset="0"/>
+              <a:ea typeface="Poppins"/>
+              <a:cs typeface="Poppins SemiBold" pitchFamily="2" charset="0"/>
+              <a:sym typeface="Poppins"/>
+            </a:endParaRPr>
+          </a:p>
+        </p:txBody>
+      </p:sp>
+    </p:spTree>
+    <p:extLst>
+      <p:ext uri="{BB962C8B-B14F-4D97-AF65-F5344CB8AC3E}">
+        <p14:creationId xmlns:p14="http://schemas.microsoft.com/office/powerpoint/2010/main" val="2129059126"/>
+      </p:ext>
+    </p:extLst>
+  </p:cSld>
+  <p:clrMapOvr>
+    <a:masterClrMapping/>
+  </p:clrMapOvr>
+  <p:timing>
+    <p:tnLst>
+      <p:par>
+        <p:cTn id="1" dur="indefinite" restart="never" nodeType="tmRoot">
+          <p:childTnLst>
+            <p:seq concurrent="1" nextAc="seek">
+              <p:cTn id="2" dur="indefinite" nodeType="mainSeq">
+                <p:childTnLst>
+                  <p:par>
+                    <p:cTn id="3" fill="hold">
+                      <p:stCondLst>
+                        <p:cond delay="indefinite"/>
+                      </p:stCondLst>
+                      <p:childTnLst>
+                        <p:par>
+                          <p:cTn id="4" fill="hold">
+                            <p:stCondLst>
+                              <p:cond delay="0"/>
+                            </p:stCondLst>
+                            <p:childTnLst>
+                              <p:par>
+                                <p:cTn id="5" presetID="10" presetClass="entr" presetSubtype="0" fill="hold" grpId="0" nodeType="clickEffect">
+                                  <p:stCondLst>
+                                    <p:cond delay="0"/>
+                                  </p:stCondLst>
+                                  <p:childTnLst>
+                                    <p:set>
+                                      <p:cBhvr>
+                                        <p:cTn id="6" dur="1" fill="hold">
+                                          <p:stCondLst>
+                                            <p:cond delay="0"/>
+                                          </p:stCondLst>
+                                        </p:cTn>
+                                        <p:tgtEl>
+                                          <p:spTgt spid="14"/>
+                                        </p:tgtEl>
+                                        <p:attrNameLst>
+                                          <p:attrName>style.visibility</p:attrName>
+                                        </p:attrNameLst>
+                                      </p:cBhvr>
+                                      <p:to>
+                                        <p:strVal val="visible"/>
+                                      </p:to>
+                                    </p:set>
+                                    <p:animEffect transition="in" filter="fade">
+                                      <p:cBhvr>
+                                        <p:cTn id="7" dur="500"/>
+                                        <p:tgtEl>
+                                          <p:spTgt spid="14"/>
+                                        </p:tgtEl>
+                                      </p:cBhvr>
+                                    </p:animEffect>
+                                  </p:childTnLst>
+                                </p:cTn>
+                              </p:par>
+                            </p:childTnLst>
+                          </p:cTn>
+                        </p:par>
+                      </p:childTnLst>
+                    </p:cTn>
+                  </p:par>
+                </p:childTnLst>
+              </p:cTn>
+              <p:prevCondLst>
+                <p:cond evt="onPrev" delay="0">
+                  <p:tgtEl>
+                    <p:sldTgt/>
+                  </p:tgtEl>
+                </p:cond>
+              </p:prevCondLst>
+              <p:nextCondLst>
+                <p:cond evt="onNext" delay="0">
+                  <p:tgtEl>
+                    <p:sldTgt/>
+                  </p:tgtEl>
+                </p:cond>
+              </p:nextCondLst>
+            </p:seq>
+          </p:childTnLst>
+        </p:cTn>
+      </p:par>
+    </p:tnLst>
+    <p:bldLst>
+      <p:bldP spid="14" grpId="0"/>
+    </p:bldLst>
+  </p:timing>
+</p:sld>
+</file>
+
+<file path=ppt/slides/slide5.xml><?xml version="1.0" encoding="utf-8"?>
+<p:sld xmlns:a="http://schemas.openxmlformats.org/drawingml/2006/main" xmlns:r="http://schemas.openxmlformats.org/officeDocument/2006/relationships" xmlns:p="http://schemas.openxmlformats.org/presentationml/2006/main">
+  <p:cSld>
+    <p:bg>
+      <p:bgPr>
+        <a:blipFill dpi="0" rotWithShape="1">
+          <a:blip r:embed="rId2">
+            <a:lum/>
+          </a:blip>
+          <a:srcRect/>
+          <a:stretch>
+            <a:fillRect/>
+          </a:stretch>
+        </a:blipFill>
+        <a:effectLst/>
+      </p:bgPr>
+    </p:bg>
+    <p:spTree>
+      <p:nvGrpSpPr>
+        <p:cNvPr id="1" name="">
+          <a:extLst>
+            <a:ext uri="{FF2B5EF4-FFF2-40B4-BE49-F238E27FC236}">
+              <a16:creationId xmlns:a16="http://schemas.microsoft.com/office/drawing/2014/main" id="{0390BD96-4289-23CC-40D1-E09F3E69F986}"/>
+            </a:ext>
+          </a:extLst>
+        </p:cNvPr>
+        <p:cNvGrpSpPr/>
+        <p:nvPr/>
+      </p:nvGrpSpPr>
+      <p:grpSpPr>
+        <a:xfrm>
+          <a:off x="0" y="0"/>
+          <a:ext cx="0" cy="0"/>
+          <a:chOff x="0" y="0"/>
+          <a:chExt cx="0" cy="0"/>
+        </a:xfrm>
+      </p:grpSpPr>
+      <p:sp>
+        <p:nvSpPr>
+          <p:cNvPr id="4" name="Metin kutusu 3">
+            <a:extLst>
+              <a:ext uri="{FF2B5EF4-FFF2-40B4-BE49-F238E27FC236}">
+                <a16:creationId xmlns:a16="http://schemas.microsoft.com/office/drawing/2014/main" id="{55F4A63D-8DEC-EDB1-7A14-801E22F7607F}"/>
+              </a:ext>
+            </a:extLst>
+          </p:cNvPr>
+          <p:cNvSpPr txBox="1">
+            <a:spLocks/>
+          </p:cNvSpPr>
+          <p:nvPr/>
+        </p:nvSpPr>
+        <p:spPr>
+          <a:xfrm>
+            <a:off x="455849" y="407657"/>
+            <a:ext cx="11239965" cy="708763"/>
+          </a:xfrm>
+          <a:prstGeom prst="rect">
+            <a:avLst/>
+          </a:prstGeom>
+          <a:noFill/>
+        </p:spPr>
+        <p:txBody>
+          <a:bodyPr wrap="square" rtlCol="0">
+            <a:normAutofit/>
           </a:bodyPr>
           <a:lstStyle/>
           <a:p>
@@ -4867,35 +7813,35 @@
               <a:buNone/>
             </a:pPr>
             <a:r>
-              <a:rPr lang="tr-TR" sz="2800" dirty="0">
+              <a:rPr lang="tr-TR" sz="3600" b="1" dirty="0">
                 <a:solidFill>
                   <a:srgbClr val="292D33"/>
                 </a:solidFill>
-                <a:latin typeface="Poppins Medium"/>
-                <a:ea typeface="Poppins Medium"/>
-                <a:cs typeface="Poppins Medium"/>
-                <a:sym typeface="Poppins Medium"/>
+                <a:latin typeface="Lexend"/>
+                <a:ea typeface="Lexend"/>
+                <a:cs typeface="Lexend"/>
+                <a:sym typeface="Lexend"/>
               </a:rPr>
-              <a:t>Name</a:t>
-            </a:r>
-            <a:endParaRPr sz="2800" dirty="0">
+              <a:t>TITLE</a:t>
+            </a:r>
+            <a:endParaRPr lang="tr-TR" sz="3600" dirty="0">
               <a:solidFill>
                 <a:srgbClr val="292D33"/>
               </a:solidFill>
-              <a:latin typeface="Poppins Medium"/>
-              <a:ea typeface="Poppins Medium"/>
-              <a:cs typeface="Poppins Medium"/>
-              <a:sym typeface="Poppins Medium"/>
+              <a:latin typeface="Lexend"/>
+              <a:ea typeface="Lexend"/>
+              <a:cs typeface="Lexend"/>
+              <a:sym typeface="Lexend"/>
             </a:endParaRPr>
           </a:p>
         </p:txBody>
       </p:sp>
       <p:sp>
         <p:nvSpPr>
-          <p:cNvPr id="6" name="Google Shape;57;p1">
-            <a:extLst>
-              <a:ext uri="{FF2B5EF4-FFF2-40B4-BE49-F238E27FC236}">
-                <a16:creationId xmlns:a16="http://schemas.microsoft.com/office/drawing/2014/main" id="{87C3FEE7-4E8E-3396-98EA-3E5B75E74E3C}"/>
+          <p:cNvPr id="14" name="Metin kutusu 13">
+            <a:extLst>
+              <a:ext uri="{FF2B5EF4-FFF2-40B4-BE49-F238E27FC236}">
+                <a16:creationId xmlns:a16="http://schemas.microsoft.com/office/drawing/2014/main" id="{68625894-5635-4ACE-718F-530696FAF810}"/>
               </a:ext>
             </a:extLst>
           </p:cNvPr>
@@ -4904,20 +7850,211 @@
         </p:nvSpPr>
         <p:spPr>
           <a:xfrm>
-            <a:off x="2085311" y="3627199"/>
-            <a:ext cx="6497100" cy="400200"/>
+            <a:off x="455846" y="1250909"/>
+            <a:ext cx="11239964" cy="4746130"/>
           </a:xfrm>
           <a:prstGeom prst="rect">
             <a:avLst/>
           </a:prstGeom>
           <a:noFill/>
-          <a:ln>
-            <a:noFill/>
-          </a:ln>
         </p:spPr>
         <p:txBody>
-          <a:bodyPr spcFirstLastPara="1" wrap="square" lIns="91425" tIns="91425" rIns="91425" bIns="91425" anchor="t" anchorCtr="0">
-            <a:normAutofit fontScale="92500" lnSpcReduction="20000"/>
+          <a:bodyPr wrap="square" rtlCol="0">
+            <a:normAutofit/>
+          </a:bodyPr>
+          <a:lstStyle/>
+          <a:p>
+            <a:pPr marL="285750" indent="-285750">
+              <a:buFont typeface="Arial" panose="020B0604020202020204" pitchFamily="34" charset="0"/>
+              <a:buChar char="•"/>
+            </a:pPr>
+            <a:r>
+              <a:rPr lang="tr-TR" dirty="0">
+                <a:solidFill>
+                  <a:srgbClr val="5C6571"/>
+                </a:solidFill>
+                <a:latin typeface="Poppins" pitchFamily="2" charset="0"/>
+                <a:ea typeface="Poppins"/>
+                <a:cs typeface="Poppins" pitchFamily="2" charset="0"/>
+                <a:sym typeface="Poppins"/>
+              </a:rPr>
+              <a:t>.</a:t>
+            </a:r>
+            <a:endParaRPr lang="en-US" dirty="0">
+              <a:solidFill>
+                <a:srgbClr val="5C6571"/>
+              </a:solidFill>
+              <a:latin typeface="Poppins SemiBold" pitchFamily="2" charset="0"/>
+              <a:ea typeface="Poppins"/>
+              <a:cs typeface="Poppins SemiBold" pitchFamily="2" charset="0"/>
+              <a:sym typeface="Poppins"/>
+            </a:endParaRPr>
+          </a:p>
+        </p:txBody>
+      </p:sp>
+    </p:spTree>
+    <p:extLst>
+      <p:ext uri="{BB962C8B-B14F-4D97-AF65-F5344CB8AC3E}">
+        <p14:creationId xmlns:p14="http://schemas.microsoft.com/office/powerpoint/2010/main" val="2928117143"/>
+      </p:ext>
+    </p:extLst>
+  </p:cSld>
+  <p:clrMapOvr>
+    <a:masterClrMapping/>
+  </p:clrMapOvr>
+  <p:timing>
+    <p:tnLst>
+      <p:par>
+        <p:cTn id="1" dur="indefinite" restart="never" nodeType="tmRoot">
+          <p:childTnLst>
+            <p:seq concurrent="1" nextAc="seek">
+              <p:cTn id="2" dur="indefinite" nodeType="mainSeq">
+                <p:childTnLst>
+                  <p:par>
+                    <p:cTn id="3" fill="hold">
+                      <p:stCondLst>
+                        <p:cond delay="indefinite"/>
+                      </p:stCondLst>
+                      <p:childTnLst>
+                        <p:par>
+                          <p:cTn id="4" fill="hold">
+                            <p:stCondLst>
+                              <p:cond delay="0"/>
+                            </p:stCondLst>
+                            <p:childTnLst>
+                              <p:par>
+                                <p:cTn id="5" presetID="10" presetClass="entr" presetSubtype="0" fill="hold" grpId="0" nodeType="clickEffect">
+                                  <p:stCondLst>
+                                    <p:cond delay="0"/>
+                                  </p:stCondLst>
+                                  <p:childTnLst>
+                                    <p:set>
+                                      <p:cBhvr>
+                                        <p:cTn id="6" dur="1" fill="hold">
+                                          <p:stCondLst>
+                                            <p:cond delay="0"/>
+                                          </p:stCondLst>
+                                        </p:cTn>
+                                        <p:tgtEl>
+                                          <p:spTgt spid="14"/>
+                                        </p:tgtEl>
+                                        <p:attrNameLst>
+                                          <p:attrName>style.visibility</p:attrName>
+                                        </p:attrNameLst>
+                                      </p:cBhvr>
+                                      <p:to>
+                                        <p:strVal val="visible"/>
+                                      </p:to>
+                                    </p:set>
+                                    <p:animEffect transition="in" filter="fade">
+                                      <p:cBhvr>
+                                        <p:cTn id="7" dur="500"/>
+                                        <p:tgtEl>
+                                          <p:spTgt spid="14"/>
+                                        </p:tgtEl>
+                                      </p:cBhvr>
+                                    </p:animEffect>
+                                  </p:childTnLst>
+                                </p:cTn>
+                              </p:par>
+                            </p:childTnLst>
+                          </p:cTn>
+                        </p:par>
+                      </p:childTnLst>
+                    </p:cTn>
+                  </p:par>
+                </p:childTnLst>
+              </p:cTn>
+              <p:prevCondLst>
+                <p:cond evt="onPrev" delay="0">
+                  <p:tgtEl>
+                    <p:sldTgt/>
+                  </p:tgtEl>
+                </p:cond>
+              </p:prevCondLst>
+              <p:nextCondLst>
+                <p:cond evt="onNext" delay="0">
+                  <p:tgtEl>
+                    <p:sldTgt/>
+                  </p:tgtEl>
+                </p:cond>
+              </p:nextCondLst>
+            </p:seq>
+          </p:childTnLst>
+        </p:cTn>
+      </p:par>
+    </p:tnLst>
+    <p:bldLst>
+      <p:bldP spid="14" grpId="0"/>
+    </p:bldLst>
+  </p:timing>
+</p:sld>
+</file>
+
+<file path=ppt/slides/slide6.xml><?xml version="1.0" encoding="utf-8"?>
+<p:sld xmlns:a="http://schemas.openxmlformats.org/drawingml/2006/main" xmlns:r="http://schemas.openxmlformats.org/officeDocument/2006/relationships" xmlns:p="http://schemas.openxmlformats.org/presentationml/2006/main">
+  <p:cSld>
+    <p:bg>
+      <p:bgPr>
+        <a:blipFill dpi="0" rotWithShape="1">
+          <a:blip r:embed="rId2">
+            <a:lum/>
+          </a:blip>
+          <a:srcRect/>
+          <a:stretch>
+            <a:fillRect/>
+          </a:stretch>
+        </a:blipFill>
+        <a:effectLst/>
+      </p:bgPr>
+    </p:bg>
+    <p:spTree>
+      <p:nvGrpSpPr>
+        <p:cNvPr id="1" name="">
+          <a:extLst>
+            <a:ext uri="{FF2B5EF4-FFF2-40B4-BE49-F238E27FC236}">
+              <a16:creationId xmlns:a16="http://schemas.microsoft.com/office/drawing/2014/main" id="{7767EC6A-C5A7-24FA-00C0-F7211FED755F}"/>
+            </a:ext>
+          </a:extLst>
+        </p:cNvPr>
+        <p:cNvGrpSpPr/>
+        <p:nvPr/>
+      </p:nvGrpSpPr>
+      <p:grpSpPr>
+        <a:xfrm>
+          <a:off x="0" y="0"/>
+          <a:ext cx="0" cy="0"/>
+          <a:chOff x="0" y="0"/>
+          <a:chExt cx="0" cy="0"/>
+        </a:xfrm>
+      </p:grpSpPr>
+      <p:sp>
+        <p:nvSpPr>
+          <p:cNvPr id="4" name="Metin kutusu 3">
+            <a:extLst>
+              <a:ext uri="{FF2B5EF4-FFF2-40B4-BE49-F238E27FC236}">
+                <a16:creationId xmlns:a16="http://schemas.microsoft.com/office/drawing/2014/main" id="{2002EB89-9924-CB5B-5FC9-CAAEB815B14C}"/>
+              </a:ext>
+            </a:extLst>
+          </p:cNvPr>
+          <p:cNvSpPr txBox="1">
+            <a:spLocks/>
+          </p:cNvSpPr>
+          <p:nvPr/>
+        </p:nvSpPr>
+        <p:spPr>
+          <a:xfrm>
+            <a:off x="455849" y="407657"/>
+            <a:ext cx="11239965" cy="708763"/>
+          </a:xfrm>
+          <a:prstGeom prst="rect">
+            <a:avLst/>
+          </a:prstGeom>
+          <a:noFill/>
+        </p:spPr>
+        <p:txBody>
+          <a:bodyPr wrap="square" rtlCol="0">
+            <a:normAutofit/>
           </a:bodyPr>
           <a:lstStyle/>
           <a:p>
@@ -4931,125 +8068,248 @@
               <a:buNone/>
             </a:pPr>
             <a:r>
-              <a:rPr lang="tr" dirty="0">
+              <a:rPr lang="tr-TR" sz="3600" b="1" dirty="0">
                 <a:solidFill>
-                  <a:srgbClr val="4E5258"/>
+                  <a:srgbClr val="292D33"/>
                 </a:solidFill>
-                <a:latin typeface="Poppins"/>
-                <a:ea typeface="Poppins"/>
-                <a:cs typeface="Poppins"/>
-                <a:sym typeface="Poppins"/>
+                <a:latin typeface="Lexend"/>
+                <a:ea typeface="Lexend"/>
+                <a:cs typeface="Lexend"/>
+                <a:sym typeface="Lexend"/>
               </a:rPr>
-              <a:t>Title</a:t>
-            </a:r>
-            <a:endParaRPr dirty="0">
+              <a:t>TITLE</a:t>
+            </a:r>
+            <a:endParaRPr lang="tr-TR" sz="3600" dirty="0">
               <a:solidFill>
-                <a:srgbClr val="545C67"/>
+                <a:srgbClr val="292D33"/>
               </a:solidFill>
-              <a:latin typeface="Poppins"/>
-              <a:ea typeface="Poppins"/>
-              <a:cs typeface="Poppins"/>
-              <a:sym typeface="Poppins"/>
+              <a:latin typeface="Lexend"/>
+              <a:ea typeface="Lexend"/>
+              <a:cs typeface="Lexend"/>
+              <a:sym typeface="Lexend"/>
             </a:endParaRPr>
           </a:p>
         </p:txBody>
       </p:sp>
-      <p:pic>
-        <p:nvPicPr>
-          <p:cNvPr id="9" name="Google Shape;59;p1">
-            <a:extLst>
-              <a:ext uri="{FF2B5EF4-FFF2-40B4-BE49-F238E27FC236}">
-                <a16:creationId xmlns:a16="http://schemas.microsoft.com/office/drawing/2014/main" id="{D216A13A-0DE8-0F81-D058-C43F2067416B}"/>
-              </a:ext>
-            </a:extLst>
-          </p:cNvPr>
-          <p:cNvPicPr preferRelativeResize="0"/>
+      <p:sp>
+        <p:nvSpPr>
+          <p:cNvPr id="14" name="Metin kutusu 13">
+            <a:extLst>
+              <a:ext uri="{FF2B5EF4-FFF2-40B4-BE49-F238E27FC236}">
+                <a16:creationId xmlns:a16="http://schemas.microsoft.com/office/drawing/2014/main" id="{10A12A53-FD4B-4A19-46C8-7671D16ADDFA}"/>
+              </a:ext>
+            </a:extLst>
+          </p:cNvPr>
+          <p:cNvSpPr txBox="1"/>
           <p:nvPr/>
-        </p:nvPicPr>
-        <p:blipFill>
-          <a:blip r:embed="rId4">
-            <a:alphaModFix/>
-          </a:blip>
-          <a:stretch>
-            <a:fillRect/>
-          </a:stretch>
-        </p:blipFill>
+        </p:nvSpPr>
         <p:spPr>
           <a:xfrm>
-            <a:off x="871666" y="4516942"/>
-            <a:ext cx="318353" cy="318353"/>
+            <a:off x="455846" y="1250909"/>
+            <a:ext cx="11239964" cy="4746130"/>
           </a:xfrm>
           <a:prstGeom prst="rect">
             <a:avLst/>
           </a:prstGeom>
           <a:noFill/>
-          <a:ln>
-            <a:noFill/>
-          </a:ln>
         </p:spPr>
-      </p:pic>
-      <p:pic>
-        <p:nvPicPr>
-          <p:cNvPr id="10" name="Google Shape;60;p1">
-            <a:extLst>
-              <a:ext uri="{FF2B5EF4-FFF2-40B4-BE49-F238E27FC236}">
-                <a16:creationId xmlns:a16="http://schemas.microsoft.com/office/drawing/2014/main" id="{5C65CC4D-AAFE-B812-2756-CBA85A3A23ED}"/>
-              </a:ext>
-            </a:extLst>
-          </p:cNvPr>
-          <p:cNvPicPr preferRelativeResize="0"/>
-          <p:nvPr/>
-        </p:nvPicPr>
-        <p:blipFill>
-          <a:blip r:embed="rId5">
-            <a:alphaModFix/>
+        <p:txBody>
+          <a:bodyPr wrap="square" rtlCol="0">
+            <a:normAutofit/>
+          </a:bodyPr>
+          <a:lstStyle/>
+          <a:p>
+            <a:pPr marL="285750" indent="-285750">
+              <a:buFont typeface="Arial" panose="020B0604020202020204" pitchFamily="34" charset="0"/>
+              <a:buChar char="•"/>
+            </a:pPr>
+            <a:r>
+              <a:rPr lang="tr-TR" dirty="0">
+                <a:solidFill>
+                  <a:srgbClr val="5C6571"/>
+                </a:solidFill>
+                <a:latin typeface="Poppins" pitchFamily="2" charset="0"/>
+                <a:ea typeface="Poppins"/>
+                <a:cs typeface="Poppins" pitchFamily="2" charset="0"/>
+                <a:sym typeface="Poppins"/>
+              </a:rPr>
+              <a:t>.</a:t>
+            </a:r>
+            <a:endParaRPr lang="en-US" dirty="0">
+              <a:solidFill>
+                <a:srgbClr val="5C6571"/>
+              </a:solidFill>
+              <a:latin typeface="Poppins SemiBold" pitchFamily="2" charset="0"/>
+              <a:ea typeface="Poppins"/>
+              <a:cs typeface="Poppins SemiBold" pitchFamily="2" charset="0"/>
+              <a:sym typeface="Poppins"/>
+            </a:endParaRPr>
+          </a:p>
+        </p:txBody>
+      </p:sp>
+    </p:spTree>
+    <p:extLst>
+      <p:ext uri="{BB962C8B-B14F-4D97-AF65-F5344CB8AC3E}">
+        <p14:creationId xmlns:p14="http://schemas.microsoft.com/office/powerpoint/2010/main" val="2596260189"/>
+      </p:ext>
+    </p:extLst>
+  </p:cSld>
+  <p:clrMapOvr>
+    <a:masterClrMapping/>
+  </p:clrMapOvr>
+  <p:timing>
+    <p:tnLst>
+      <p:par>
+        <p:cTn id="1" dur="indefinite" restart="never" nodeType="tmRoot">
+          <p:childTnLst>
+            <p:seq concurrent="1" nextAc="seek">
+              <p:cTn id="2" dur="indefinite" nodeType="mainSeq">
+                <p:childTnLst>
+                  <p:par>
+                    <p:cTn id="3" fill="hold">
+                      <p:stCondLst>
+                        <p:cond delay="indefinite"/>
+                      </p:stCondLst>
+                      <p:childTnLst>
+                        <p:par>
+                          <p:cTn id="4" fill="hold">
+                            <p:stCondLst>
+                              <p:cond delay="0"/>
+                            </p:stCondLst>
+                            <p:childTnLst>
+                              <p:par>
+                                <p:cTn id="5" presetID="10" presetClass="entr" presetSubtype="0" fill="hold" grpId="0" nodeType="clickEffect">
+                                  <p:stCondLst>
+                                    <p:cond delay="0"/>
+                                  </p:stCondLst>
+                                  <p:childTnLst>
+                                    <p:set>
+                                      <p:cBhvr>
+                                        <p:cTn id="6" dur="1" fill="hold">
+                                          <p:stCondLst>
+                                            <p:cond delay="0"/>
+                                          </p:stCondLst>
+                                        </p:cTn>
+                                        <p:tgtEl>
+                                          <p:spTgt spid="14"/>
+                                        </p:tgtEl>
+                                        <p:attrNameLst>
+                                          <p:attrName>style.visibility</p:attrName>
+                                        </p:attrNameLst>
+                                      </p:cBhvr>
+                                      <p:to>
+                                        <p:strVal val="visible"/>
+                                      </p:to>
+                                    </p:set>
+                                    <p:animEffect transition="in" filter="fade">
+                                      <p:cBhvr>
+                                        <p:cTn id="7" dur="500"/>
+                                        <p:tgtEl>
+                                          <p:spTgt spid="14"/>
+                                        </p:tgtEl>
+                                      </p:cBhvr>
+                                    </p:animEffect>
+                                  </p:childTnLst>
+                                </p:cTn>
+                              </p:par>
+                            </p:childTnLst>
+                          </p:cTn>
+                        </p:par>
+                      </p:childTnLst>
+                    </p:cTn>
+                  </p:par>
+                </p:childTnLst>
+              </p:cTn>
+              <p:prevCondLst>
+                <p:cond evt="onPrev" delay="0">
+                  <p:tgtEl>
+                    <p:sldTgt/>
+                  </p:tgtEl>
+                </p:cond>
+              </p:prevCondLst>
+              <p:nextCondLst>
+                <p:cond evt="onNext" delay="0">
+                  <p:tgtEl>
+                    <p:sldTgt/>
+                  </p:tgtEl>
+                </p:cond>
+              </p:nextCondLst>
+            </p:seq>
+          </p:childTnLst>
+        </p:cTn>
+      </p:par>
+    </p:tnLst>
+    <p:bldLst>
+      <p:bldP spid="14" grpId="0"/>
+    </p:bldLst>
+  </p:timing>
+</p:sld>
+</file>
+
+<file path=ppt/slides/slide7.xml><?xml version="1.0" encoding="utf-8"?>
+<p:sld xmlns:a="http://schemas.openxmlformats.org/drawingml/2006/main" xmlns:r="http://schemas.openxmlformats.org/officeDocument/2006/relationships" xmlns:p="http://schemas.openxmlformats.org/presentationml/2006/main">
+  <p:cSld>
+    <p:bg>
+      <p:bgPr>
+        <a:blipFill dpi="0" rotWithShape="1">
+          <a:blip r:embed="rId2">
+            <a:lum/>
           </a:blip>
+          <a:srcRect/>
           <a:stretch>
             <a:fillRect/>
           </a:stretch>
-        </p:blipFill>
+        </a:blipFill>
+        <a:effectLst/>
+      </p:bgPr>
+    </p:bg>
+    <p:spTree>
+      <p:nvGrpSpPr>
+        <p:cNvPr id="1" name="">
+          <a:extLst>
+            <a:ext uri="{FF2B5EF4-FFF2-40B4-BE49-F238E27FC236}">
+              <a16:creationId xmlns:a16="http://schemas.microsoft.com/office/drawing/2014/main" id="{3BE6A45E-C93A-16C2-319A-585CFB23C808}"/>
+            </a:ext>
+          </a:extLst>
+        </p:cNvPr>
+        <p:cNvGrpSpPr/>
+        <p:nvPr/>
+      </p:nvGrpSpPr>
+      <p:grpSpPr>
+        <a:xfrm>
+          <a:off x="0" y="0"/>
+          <a:ext cx="0" cy="0"/>
+          <a:chOff x="0" y="0"/>
+          <a:chExt cx="0" cy="0"/>
+        </a:xfrm>
+      </p:grpSpPr>
+      <p:sp>
+        <p:nvSpPr>
+          <p:cNvPr id="4" name="Metin kutusu 3">
+            <a:extLst>
+              <a:ext uri="{FF2B5EF4-FFF2-40B4-BE49-F238E27FC236}">
+                <a16:creationId xmlns:a16="http://schemas.microsoft.com/office/drawing/2014/main" id="{A344492F-C527-F47B-94A7-DEA4D28CE3E8}"/>
+              </a:ext>
+            </a:extLst>
+          </p:cNvPr>
+          <p:cNvSpPr txBox="1">
+            <a:spLocks/>
+          </p:cNvSpPr>
+          <p:nvPr/>
+        </p:nvSpPr>
         <p:spPr>
           <a:xfrm>
-            <a:off x="871666" y="4982969"/>
-            <a:ext cx="318352" cy="318352"/>
+            <a:off x="455849" y="407657"/>
+            <a:ext cx="11239965" cy="708763"/>
           </a:xfrm>
           <a:prstGeom prst="rect">
             <a:avLst/>
           </a:prstGeom>
           <a:noFill/>
-          <a:ln>
-            <a:noFill/>
-          </a:ln>
         </p:spPr>
-      </p:pic>
-      <p:sp>
-        <p:nvSpPr>
-          <p:cNvPr id="11" name="Google Shape;61;p1">
-            <a:extLst>
-              <a:ext uri="{FF2B5EF4-FFF2-40B4-BE49-F238E27FC236}">
-                <a16:creationId xmlns:a16="http://schemas.microsoft.com/office/drawing/2014/main" id="{3C0670F1-6E7F-BFCD-F6CA-876DE9462511}"/>
-              </a:ext>
-            </a:extLst>
-          </p:cNvPr>
-          <p:cNvSpPr txBox="1"/>
-          <p:nvPr/>
-        </p:nvSpPr>
-        <p:spPr>
-          <a:xfrm>
-            <a:off x="1278663" y="4459936"/>
-            <a:ext cx="5237930" cy="369300"/>
-          </a:xfrm>
-          <a:prstGeom prst="rect">
-            <a:avLst/>
-          </a:prstGeom>
-          <a:noFill/>
-          <a:ln>
-            <a:noFill/>
-          </a:ln>
-        </p:spPr>
-        <p:txBody>
-          <a:bodyPr spcFirstLastPara="1" wrap="square" lIns="91425" tIns="91425" rIns="91425" bIns="91425" anchor="t" anchorCtr="0">
-            <a:noAutofit/>
+        <p:txBody>
+          <a:bodyPr wrap="square" rtlCol="0">
+            <a:normAutofit/>
           </a:bodyPr>
           <a:lstStyle/>
           <a:p>
@@ -5063,35 +8323,35 @@
               <a:buNone/>
             </a:pPr>
             <a:r>
-              <a:rPr lang="tr" sz="1500" dirty="0">
+              <a:rPr lang="tr-TR" sz="3600" b="1" dirty="0">
                 <a:solidFill>
                   <a:srgbClr val="292D33"/>
                 </a:solidFill>
-                <a:latin typeface="Poppins"/>
-                <a:ea typeface="Poppins"/>
-                <a:cs typeface="Poppins"/>
-                <a:sym typeface="Poppins"/>
+                <a:latin typeface="Lexend"/>
+                <a:ea typeface="Lexend"/>
+                <a:cs typeface="Lexend"/>
+                <a:sym typeface="Lexend"/>
               </a:rPr>
-              <a:t>username</a:t>
-            </a:r>
-            <a:endParaRPr sz="1500" dirty="0">
+              <a:t>TITLE</a:t>
+            </a:r>
+            <a:endParaRPr lang="tr-TR" sz="3600" dirty="0">
               <a:solidFill>
                 <a:srgbClr val="292D33"/>
               </a:solidFill>
-              <a:latin typeface="Poppins"/>
-              <a:ea typeface="Poppins"/>
-              <a:cs typeface="Poppins"/>
-              <a:sym typeface="Poppins"/>
+              <a:latin typeface="Lexend"/>
+              <a:ea typeface="Lexend"/>
+              <a:cs typeface="Lexend"/>
+              <a:sym typeface="Lexend"/>
             </a:endParaRPr>
           </a:p>
         </p:txBody>
       </p:sp>
       <p:sp>
         <p:nvSpPr>
-          <p:cNvPr id="12" name="Google Shape;62;p1">
-            <a:extLst>
-              <a:ext uri="{FF2B5EF4-FFF2-40B4-BE49-F238E27FC236}">
-                <a16:creationId xmlns:a16="http://schemas.microsoft.com/office/drawing/2014/main" id="{53AF912A-87AB-7552-8EF1-622C7EC021A0}"/>
+          <p:cNvPr id="14" name="Metin kutusu 13">
+            <a:extLst>
+              <a:ext uri="{FF2B5EF4-FFF2-40B4-BE49-F238E27FC236}">
+                <a16:creationId xmlns:a16="http://schemas.microsoft.com/office/drawing/2014/main" id="{2FCE036C-6804-9255-1845-4A86F4A38D3B}"/>
               </a:ext>
             </a:extLst>
           </p:cNvPr>
@@ -5100,20 +8360,211 @@
         </p:nvSpPr>
         <p:spPr>
           <a:xfrm>
-            <a:off x="1278663" y="4918080"/>
-            <a:ext cx="5237930" cy="369300"/>
+            <a:off x="455846" y="1250909"/>
+            <a:ext cx="11239964" cy="4746130"/>
           </a:xfrm>
           <a:prstGeom prst="rect">
             <a:avLst/>
           </a:prstGeom>
           <a:noFill/>
-          <a:ln>
-            <a:noFill/>
-          </a:ln>
         </p:spPr>
         <p:txBody>
-          <a:bodyPr spcFirstLastPara="1" wrap="square" lIns="91425" tIns="91425" rIns="91425" bIns="91425" anchor="t" anchorCtr="0">
-            <a:noAutofit/>
+          <a:bodyPr wrap="square" rtlCol="0">
+            <a:normAutofit/>
+          </a:bodyPr>
+          <a:lstStyle/>
+          <a:p>
+            <a:pPr marL="285750" indent="-285750">
+              <a:buFont typeface="Arial" panose="020B0604020202020204" pitchFamily="34" charset="0"/>
+              <a:buChar char="•"/>
+            </a:pPr>
+            <a:r>
+              <a:rPr lang="tr-TR" dirty="0">
+                <a:solidFill>
+                  <a:srgbClr val="5C6571"/>
+                </a:solidFill>
+                <a:latin typeface="Poppins" pitchFamily="2" charset="0"/>
+                <a:ea typeface="Poppins"/>
+                <a:cs typeface="Poppins" pitchFamily="2" charset="0"/>
+                <a:sym typeface="Poppins"/>
+              </a:rPr>
+              <a:t>.</a:t>
+            </a:r>
+            <a:endParaRPr lang="en-US" dirty="0">
+              <a:solidFill>
+                <a:srgbClr val="5C6571"/>
+              </a:solidFill>
+              <a:latin typeface="Poppins SemiBold" pitchFamily="2" charset="0"/>
+              <a:ea typeface="Poppins"/>
+              <a:cs typeface="Poppins SemiBold" pitchFamily="2" charset="0"/>
+              <a:sym typeface="Poppins"/>
+            </a:endParaRPr>
+          </a:p>
+        </p:txBody>
+      </p:sp>
+    </p:spTree>
+    <p:extLst>
+      <p:ext uri="{BB962C8B-B14F-4D97-AF65-F5344CB8AC3E}">
+        <p14:creationId xmlns:p14="http://schemas.microsoft.com/office/powerpoint/2010/main" val="850142596"/>
+      </p:ext>
+    </p:extLst>
+  </p:cSld>
+  <p:clrMapOvr>
+    <a:masterClrMapping/>
+  </p:clrMapOvr>
+  <p:timing>
+    <p:tnLst>
+      <p:par>
+        <p:cTn id="1" dur="indefinite" restart="never" nodeType="tmRoot">
+          <p:childTnLst>
+            <p:seq concurrent="1" nextAc="seek">
+              <p:cTn id="2" dur="indefinite" nodeType="mainSeq">
+                <p:childTnLst>
+                  <p:par>
+                    <p:cTn id="3" fill="hold">
+                      <p:stCondLst>
+                        <p:cond delay="indefinite"/>
+                      </p:stCondLst>
+                      <p:childTnLst>
+                        <p:par>
+                          <p:cTn id="4" fill="hold">
+                            <p:stCondLst>
+                              <p:cond delay="0"/>
+                            </p:stCondLst>
+                            <p:childTnLst>
+                              <p:par>
+                                <p:cTn id="5" presetID="10" presetClass="entr" presetSubtype="0" fill="hold" grpId="0" nodeType="clickEffect">
+                                  <p:stCondLst>
+                                    <p:cond delay="0"/>
+                                  </p:stCondLst>
+                                  <p:childTnLst>
+                                    <p:set>
+                                      <p:cBhvr>
+                                        <p:cTn id="6" dur="1" fill="hold">
+                                          <p:stCondLst>
+                                            <p:cond delay="0"/>
+                                          </p:stCondLst>
+                                        </p:cTn>
+                                        <p:tgtEl>
+                                          <p:spTgt spid="14"/>
+                                        </p:tgtEl>
+                                        <p:attrNameLst>
+                                          <p:attrName>style.visibility</p:attrName>
+                                        </p:attrNameLst>
+                                      </p:cBhvr>
+                                      <p:to>
+                                        <p:strVal val="visible"/>
+                                      </p:to>
+                                    </p:set>
+                                    <p:animEffect transition="in" filter="fade">
+                                      <p:cBhvr>
+                                        <p:cTn id="7" dur="500"/>
+                                        <p:tgtEl>
+                                          <p:spTgt spid="14"/>
+                                        </p:tgtEl>
+                                      </p:cBhvr>
+                                    </p:animEffect>
+                                  </p:childTnLst>
+                                </p:cTn>
+                              </p:par>
+                            </p:childTnLst>
+                          </p:cTn>
+                        </p:par>
+                      </p:childTnLst>
+                    </p:cTn>
+                  </p:par>
+                </p:childTnLst>
+              </p:cTn>
+              <p:prevCondLst>
+                <p:cond evt="onPrev" delay="0">
+                  <p:tgtEl>
+                    <p:sldTgt/>
+                  </p:tgtEl>
+                </p:cond>
+              </p:prevCondLst>
+              <p:nextCondLst>
+                <p:cond evt="onNext" delay="0">
+                  <p:tgtEl>
+                    <p:sldTgt/>
+                  </p:tgtEl>
+                </p:cond>
+              </p:nextCondLst>
+            </p:seq>
+          </p:childTnLst>
+        </p:cTn>
+      </p:par>
+    </p:tnLst>
+    <p:bldLst>
+      <p:bldP spid="14" grpId="0"/>
+    </p:bldLst>
+  </p:timing>
+</p:sld>
+</file>
+
+<file path=ppt/slides/slide8.xml><?xml version="1.0" encoding="utf-8"?>
+<p:sld xmlns:a="http://schemas.openxmlformats.org/drawingml/2006/main" xmlns:r="http://schemas.openxmlformats.org/officeDocument/2006/relationships" xmlns:p="http://schemas.openxmlformats.org/presentationml/2006/main">
+  <p:cSld>
+    <p:bg>
+      <p:bgPr>
+        <a:blipFill dpi="0" rotWithShape="1">
+          <a:blip r:embed="rId2">
+            <a:lum/>
+          </a:blip>
+          <a:srcRect/>
+          <a:stretch>
+            <a:fillRect/>
+          </a:stretch>
+        </a:blipFill>
+        <a:effectLst/>
+      </p:bgPr>
+    </p:bg>
+    <p:spTree>
+      <p:nvGrpSpPr>
+        <p:cNvPr id="1" name="">
+          <a:extLst>
+            <a:ext uri="{FF2B5EF4-FFF2-40B4-BE49-F238E27FC236}">
+              <a16:creationId xmlns:a16="http://schemas.microsoft.com/office/drawing/2014/main" id="{F2A6DDC7-E763-9774-1643-FDE0A5718B3A}"/>
+            </a:ext>
+          </a:extLst>
+        </p:cNvPr>
+        <p:cNvGrpSpPr/>
+        <p:nvPr/>
+      </p:nvGrpSpPr>
+      <p:grpSpPr>
+        <a:xfrm>
+          <a:off x="0" y="0"/>
+          <a:ext cx="0" cy="0"/>
+          <a:chOff x="0" y="0"/>
+          <a:chExt cx="0" cy="0"/>
+        </a:xfrm>
+      </p:grpSpPr>
+      <p:sp>
+        <p:nvSpPr>
+          <p:cNvPr id="4" name="Metin kutusu 3">
+            <a:extLst>
+              <a:ext uri="{FF2B5EF4-FFF2-40B4-BE49-F238E27FC236}">
+                <a16:creationId xmlns:a16="http://schemas.microsoft.com/office/drawing/2014/main" id="{F3AAEF94-1DD9-15F6-8DD8-55BD34CDD808}"/>
+              </a:ext>
+            </a:extLst>
+          </p:cNvPr>
+          <p:cNvSpPr txBox="1">
+            <a:spLocks/>
+          </p:cNvSpPr>
+          <p:nvPr/>
+        </p:nvSpPr>
+        <p:spPr>
+          <a:xfrm>
+            <a:off x="455849" y="407657"/>
+            <a:ext cx="11239965" cy="708763"/>
+          </a:xfrm>
+          <a:prstGeom prst="rect">
+            <a:avLst/>
+          </a:prstGeom>
+          <a:noFill/>
+        </p:spPr>
+        <p:txBody>
+          <a:bodyPr wrap="square" rtlCol="0">
+            <a:normAutofit/>
           </a:bodyPr>
           <a:lstStyle/>
           <a:p>
@@ -5127,35 +8578,35 @@
               <a:buNone/>
             </a:pPr>
             <a:r>
-              <a:rPr lang="tr" sz="1500" dirty="0">
+              <a:rPr lang="tr-TR" sz="3600" b="1" dirty="0">
                 <a:solidFill>
                   <a:srgbClr val="292D33"/>
                 </a:solidFill>
-                <a:latin typeface="Poppins"/>
-                <a:ea typeface="Poppins"/>
-                <a:cs typeface="Poppins"/>
-                <a:sym typeface="Poppins"/>
+                <a:latin typeface="Lexend"/>
+                <a:ea typeface="Lexend"/>
+                <a:cs typeface="Lexend"/>
+                <a:sym typeface="Lexend"/>
               </a:rPr>
-              <a:t>username</a:t>
-            </a:r>
-            <a:endParaRPr sz="1500" dirty="0">
+              <a:t>TITLE</a:t>
+            </a:r>
+            <a:endParaRPr lang="tr-TR" sz="3600" dirty="0">
               <a:solidFill>
                 <a:srgbClr val="292D33"/>
               </a:solidFill>
-              <a:latin typeface="Poppins"/>
-              <a:ea typeface="Poppins"/>
-              <a:cs typeface="Poppins"/>
-              <a:sym typeface="Poppins"/>
+              <a:latin typeface="Lexend"/>
+              <a:ea typeface="Lexend"/>
+              <a:cs typeface="Lexend"/>
+              <a:sym typeface="Lexend"/>
             </a:endParaRPr>
           </a:p>
         </p:txBody>
       </p:sp>
       <p:sp>
         <p:nvSpPr>
-          <p:cNvPr id="14" name="Google Shape;57;p1">
-            <a:extLst>
-              <a:ext uri="{FF2B5EF4-FFF2-40B4-BE49-F238E27FC236}">
-                <a16:creationId xmlns:a16="http://schemas.microsoft.com/office/drawing/2014/main" id="{81015AE8-63CA-36EE-ADCC-EF8B6E674414}"/>
+          <p:cNvPr id="14" name="Metin kutusu 13">
+            <a:extLst>
+              <a:ext uri="{FF2B5EF4-FFF2-40B4-BE49-F238E27FC236}">
+                <a16:creationId xmlns:a16="http://schemas.microsoft.com/office/drawing/2014/main" id="{4084FA07-5E5F-1384-B00F-78969A7DA63F}"/>
               </a:ext>
             </a:extLst>
           </p:cNvPr>
@@ -5164,20 +8615,211 @@
         </p:nvSpPr>
         <p:spPr>
           <a:xfrm>
-            <a:off x="8284572" y="1669688"/>
-            <a:ext cx="3038415" cy="400200"/>
+            <a:off x="455846" y="1250909"/>
+            <a:ext cx="11239964" cy="4746130"/>
           </a:xfrm>
           <a:prstGeom prst="rect">
             <a:avLst/>
           </a:prstGeom>
           <a:noFill/>
-          <a:ln>
-            <a:noFill/>
-          </a:ln>
         </p:spPr>
         <p:txBody>
-          <a:bodyPr spcFirstLastPara="1" wrap="square" lIns="91425" tIns="91425" rIns="91425" bIns="91425" anchor="t" anchorCtr="0">
-            <a:noAutofit/>
+          <a:bodyPr wrap="square" rtlCol="0">
+            <a:normAutofit/>
+          </a:bodyPr>
+          <a:lstStyle/>
+          <a:p>
+            <a:pPr marL="285750" indent="-285750">
+              <a:buFont typeface="Arial" panose="020B0604020202020204" pitchFamily="34" charset="0"/>
+              <a:buChar char="•"/>
+            </a:pPr>
+            <a:r>
+              <a:rPr lang="tr-TR" dirty="0">
+                <a:solidFill>
+                  <a:srgbClr val="5C6571"/>
+                </a:solidFill>
+                <a:latin typeface="Poppins" pitchFamily="2" charset="0"/>
+                <a:ea typeface="Poppins"/>
+                <a:cs typeface="Poppins" pitchFamily="2" charset="0"/>
+                <a:sym typeface="Poppins"/>
+              </a:rPr>
+              <a:t>.</a:t>
+            </a:r>
+            <a:endParaRPr lang="en-US" dirty="0">
+              <a:solidFill>
+                <a:srgbClr val="5C6571"/>
+              </a:solidFill>
+              <a:latin typeface="Poppins SemiBold" pitchFamily="2" charset="0"/>
+              <a:ea typeface="Poppins"/>
+              <a:cs typeface="Poppins SemiBold" pitchFamily="2" charset="0"/>
+              <a:sym typeface="Poppins"/>
+            </a:endParaRPr>
+          </a:p>
+        </p:txBody>
+      </p:sp>
+    </p:spTree>
+    <p:extLst>
+      <p:ext uri="{BB962C8B-B14F-4D97-AF65-F5344CB8AC3E}">
+        <p14:creationId xmlns:p14="http://schemas.microsoft.com/office/powerpoint/2010/main" val="3848028160"/>
+      </p:ext>
+    </p:extLst>
+  </p:cSld>
+  <p:clrMapOvr>
+    <a:masterClrMapping/>
+  </p:clrMapOvr>
+  <p:timing>
+    <p:tnLst>
+      <p:par>
+        <p:cTn id="1" dur="indefinite" restart="never" nodeType="tmRoot">
+          <p:childTnLst>
+            <p:seq concurrent="1" nextAc="seek">
+              <p:cTn id="2" dur="indefinite" nodeType="mainSeq">
+                <p:childTnLst>
+                  <p:par>
+                    <p:cTn id="3" fill="hold">
+                      <p:stCondLst>
+                        <p:cond delay="indefinite"/>
+                      </p:stCondLst>
+                      <p:childTnLst>
+                        <p:par>
+                          <p:cTn id="4" fill="hold">
+                            <p:stCondLst>
+                              <p:cond delay="0"/>
+                            </p:stCondLst>
+                            <p:childTnLst>
+                              <p:par>
+                                <p:cTn id="5" presetID="10" presetClass="entr" presetSubtype="0" fill="hold" grpId="0" nodeType="clickEffect">
+                                  <p:stCondLst>
+                                    <p:cond delay="0"/>
+                                  </p:stCondLst>
+                                  <p:childTnLst>
+                                    <p:set>
+                                      <p:cBhvr>
+                                        <p:cTn id="6" dur="1" fill="hold">
+                                          <p:stCondLst>
+                                            <p:cond delay="0"/>
+                                          </p:stCondLst>
+                                        </p:cTn>
+                                        <p:tgtEl>
+                                          <p:spTgt spid="14"/>
+                                        </p:tgtEl>
+                                        <p:attrNameLst>
+                                          <p:attrName>style.visibility</p:attrName>
+                                        </p:attrNameLst>
+                                      </p:cBhvr>
+                                      <p:to>
+                                        <p:strVal val="visible"/>
+                                      </p:to>
+                                    </p:set>
+                                    <p:animEffect transition="in" filter="fade">
+                                      <p:cBhvr>
+                                        <p:cTn id="7" dur="500"/>
+                                        <p:tgtEl>
+                                          <p:spTgt spid="14"/>
+                                        </p:tgtEl>
+                                      </p:cBhvr>
+                                    </p:animEffect>
+                                  </p:childTnLst>
+                                </p:cTn>
+                              </p:par>
+                            </p:childTnLst>
+                          </p:cTn>
+                        </p:par>
+                      </p:childTnLst>
+                    </p:cTn>
+                  </p:par>
+                </p:childTnLst>
+              </p:cTn>
+              <p:prevCondLst>
+                <p:cond evt="onPrev" delay="0">
+                  <p:tgtEl>
+                    <p:sldTgt/>
+                  </p:tgtEl>
+                </p:cond>
+              </p:prevCondLst>
+              <p:nextCondLst>
+                <p:cond evt="onNext" delay="0">
+                  <p:tgtEl>
+                    <p:sldTgt/>
+                  </p:tgtEl>
+                </p:cond>
+              </p:nextCondLst>
+            </p:seq>
+          </p:childTnLst>
+        </p:cTn>
+      </p:par>
+    </p:tnLst>
+    <p:bldLst>
+      <p:bldP spid="14" grpId="0"/>
+    </p:bldLst>
+  </p:timing>
+</p:sld>
+</file>
+
+<file path=ppt/slides/slide9.xml><?xml version="1.0" encoding="utf-8"?>
+<p:sld xmlns:a="http://schemas.openxmlformats.org/drawingml/2006/main" xmlns:r="http://schemas.openxmlformats.org/officeDocument/2006/relationships" xmlns:p="http://schemas.openxmlformats.org/presentationml/2006/main">
+  <p:cSld>
+    <p:bg>
+      <p:bgPr>
+        <a:blipFill dpi="0" rotWithShape="1">
+          <a:blip r:embed="rId2">
+            <a:lum/>
+          </a:blip>
+          <a:srcRect/>
+          <a:stretch>
+            <a:fillRect/>
+          </a:stretch>
+        </a:blipFill>
+        <a:effectLst/>
+      </p:bgPr>
+    </p:bg>
+    <p:spTree>
+      <p:nvGrpSpPr>
+        <p:cNvPr id="1" name="">
+          <a:extLst>
+            <a:ext uri="{FF2B5EF4-FFF2-40B4-BE49-F238E27FC236}">
+              <a16:creationId xmlns:a16="http://schemas.microsoft.com/office/drawing/2014/main" id="{E3B8D3AD-4879-44FD-9BD8-135A34D2841F}"/>
+            </a:ext>
+          </a:extLst>
+        </p:cNvPr>
+        <p:cNvGrpSpPr/>
+        <p:nvPr/>
+      </p:nvGrpSpPr>
+      <p:grpSpPr>
+        <a:xfrm>
+          <a:off x="0" y="0"/>
+          <a:ext cx="0" cy="0"/>
+          <a:chOff x="0" y="0"/>
+          <a:chExt cx="0" cy="0"/>
+        </a:xfrm>
+      </p:grpSpPr>
+      <p:sp>
+        <p:nvSpPr>
+          <p:cNvPr id="4" name="Metin kutusu 3">
+            <a:extLst>
+              <a:ext uri="{FF2B5EF4-FFF2-40B4-BE49-F238E27FC236}">
+                <a16:creationId xmlns:a16="http://schemas.microsoft.com/office/drawing/2014/main" id="{AA51CC8B-2AD2-2435-ECC2-BD4295344C80}"/>
+              </a:ext>
+            </a:extLst>
+          </p:cNvPr>
+          <p:cNvSpPr txBox="1">
+            <a:spLocks/>
+          </p:cNvSpPr>
+          <p:nvPr/>
+        </p:nvSpPr>
+        <p:spPr>
+          <a:xfrm>
+            <a:off x="455849" y="407657"/>
+            <a:ext cx="11239965" cy="708763"/>
+          </a:xfrm>
+          <a:prstGeom prst="rect">
+            <a:avLst/>
+          </a:prstGeom>
+          <a:noFill/>
+        </p:spPr>
+        <p:txBody>
+          <a:bodyPr wrap="square" rtlCol="0">
+            <a:normAutofit/>
           </a:bodyPr>
           <a:lstStyle/>
           <a:p>
@@ -5191,102 +8833,181 @@
               <a:buNone/>
             </a:pPr>
             <a:r>
-              <a:rPr lang="tr" sz="1600" dirty="0">
+              <a:rPr lang="tr-TR" sz="3600" b="1" dirty="0">
                 <a:solidFill>
-                  <a:srgbClr val="292D32"/>
+                  <a:srgbClr val="292D33"/>
                 </a:solidFill>
-                <a:latin typeface="Poppins"/>
-                <a:ea typeface="Poppins"/>
-                <a:cs typeface="Poppins"/>
-                <a:sym typeface="Poppins"/>
+                <a:latin typeface="Lexend"/>
+                <a:ea typeface="Lexend"/>
+                <a:cs typeface="Lexend"/>
+                <a:sym typeface="Lexend"/>
               </a:rPr>
-              <a:t>QR (Optional)</a:t>
-            </a:r>
-            <a:endParaRPr sz="1600" dirty="0">
+              <a:t>TITLE</a:t>
+            </a:r>
+            <a:endParaRPr lang="tr-TR" sz="3600" dirty="0">
               <a:solidFill>
-                <a:srgbClr val="292D32"/>
+                <a:srgbClr val="292D33"/>
               </a:solidFill>
-              <a:latin typeface="Poppins"/>
-              <a:ea typeface="Poppins"/>
-              <a:cs typeface="Poppins"/>
-              <a:sym typeface="Poppins"/>
+              <a:latin typeface="Lexend"/>
+              <a:ea typeface="Lexend"/>
+              <a:cs typeface="Lexend"/>
+              <a:sym typeface="Lexend"/>
             </a:endParaRPr>
           </a:p>
         </p:txBody>
       </p:sp>
-      <p:pic>
-        <p:nvPicPr>
-          <p:cNvPr id="15" name="Google Shape;82;p3">
-            <a:extLst>
-              <a:ext uri="{FF2B5EF4-FFF2-40B4-BE49-F238E27FC236}">
-                <a16:creationId xmlns:a16="http://schemas.microsoft.com/office/drawing/2014/main" id="{1426F76E-6AC9-EDDC-E0CD-0D342276275D}"/>
-              </a:ext>
-            </a:extLst>
-          </p:cNvPr>
-          <p:cNvPicPr preferRelativeResize="0"/>
+      <p:sp>
+        <p:nvSpPr>
+          <p:cNvPr id="14" name="Metin kutusu 13">
+            <a:extLst>
+              <a:ext uri="{FF2B5EF4-FFF2-40B4-BE49-F238E27FC236}">
+                <a16:creationId xmlns:a16="http://schemas.microsoft.com/office/drawing/2014/main" id="{1C2DAFAB-8FAC-D3DA-E9FB-AFC36D660F68}"/>
+              </a:ext>
+            </a:extLst>
+          </p:cNvPr>
+          <p:cNvSpPr txBox="1"/>
           <p:nvPr/>
-        </p:nvPicPr>
-        <p:blipFill>
-          <a:blip r:embed="rId6">
-            <a:alphaModFix/>
-          </a:blip>
-          <a:stretch>
-            <a:fillRect/>
-          </a:stretch>
-        </p:blipFill>
+        </p:nvSpPr>
         <p:spPr>
           <a:xfrm>
-            <a:off x="7784842" y="2136322"/>
-            <a:ext cx="2957700" cy="2957700"/>
+            <a:off x="455846" y="1250909"/>
+            <a:ext cx="11239964" cy="4746130"/>
           </a:xfrm>
           <a:prstGeom prst="rect">
             <a:avLst/>
           </a:prstGeom>
           <a:noFill/>
-          <a:ln>
-            <a:noFill/>
-          </a:ln>
         </p:spPr>
-      </p:pic>
-      <p:pic>
-        <p:nvPicPr>
-          <p:cNvPr id="19" name="Resim 18">
-            <a:extLst>
-              <a:ext uri="{FF2B5EF4-FFF2-40B4-BE49-F238E27FC236}">
-                <a16:creationId xmlns:a16="http://schemas.microsoft.com/office/drawing/2014/main" id="{4218E060-07EA-7373-3D5F-7B40C5E3C1C1}"/>
-              </a:ext>
-            </a:extLst>
-          </p:cNvPr>
-          <p:cNvPicPr>
-            <a:picLocks noChangeAspect="1"/>
-          </p:cNvPicPr>
-          <p:nvPr/>
-        </p:nvPicPr>
-        <p:blipFill>
-          <a:blip r:embed="rId7"/>
-          <a:srcRect/>
-          <a:stretch/>
-        </p:blipFill>
-        <p:spPr>
-          <a:xfrm>
-            <a:off x="8003782" y="2355263"/>
-            <a:ext cx="2519817" cy="2519817"/>
-          </a:xfrm>
-          <a:prstGeom prst="rect">
-            <a:avLst/>
-          </a:prstGeom>
-        </p:spPr>
-      </p:pic>
+        <p:txBody>
+          <a:bodyPr wrap="square" rtlCol="0">
+            <a:normAutofit/>
+          </a:bodyPr>
+          <a:lstStyle/>
+          <a:p>
+            <a:pPr marL="285750" indent="-285750">
+              <a:buFont typeface="Arial" panose="020B0604020202020204" pitchFamily="34" charset="0"/>
+              <a:buChar char="•"/>
+            </a:pPr>
+            <a:r>
+              <a:rPr lang="tr-TR" dirty="0">
+                <a:solidFill>
+                  <a:srgbClr val="5C6571"/>
+                </a:solidFill>
+                <a:latin typeface="Poppins" pitchFamily="2" charset="0"/>
+                <a:ea typeface="Poppins"/>
+                <a:cs typeface="Poppins" pitchFamily="2" charset="0"/>
+                <a:sym typeface="Poppins"/>
+              </a:rPr>
+              <a:t>.</a:t>
+            </a:r>
+            <a:endParaRPr lang="en-US" dirty="0">
+              <a:solidFill>
+                <a:srgbClr val="5C6571"/>
+              </a:solidFill>
+              <a:latin typeface="Poppins SemiBold" pitchFamily="2" charset="0"/>
+              <a:ea typeface="Poppins"/>
+              <a:cs typeface="Poppins SemiBold" pitchFamily="2" charset="0"/>
+              <a:sym typeface="Poppins"/>
+            </a:endParaRPr>
+          </a:p>
+        </p:txBody>
+      </p:sp>
     </p:spTree>
     <p:extLst>
       <p:ext uri="{BB962C8B-B14F-4D97-AF65-F5344CB8AC3E}">
-        <p14:creationId xmlns:p14="http://schemas.microsoft.com/office/powerpoint/2010/main" val="1019990287"/>
+        <p14:creationId xmlns:p14="http://schemas.microsoft.com/office/powerpoint/2010/main" val="4068098061"/>
       </p:ext>
     </p:extLst>
   </p:cSld>
   <p:clrMapOvr>
     <a:masterClrMapping/>
   </p:clrMapOvr>
+  <p:timing>
+    <p:tnLst>
+      <p:par>
+        <p:cTn id="1" dur="indefinite" restart="never" nodeType="tmRoot">
+          <p:childTnLst>
+            <p:seq concurrent="1" nextAc="seek">
+              <p:cTn id="2" dur="indefinite" nodeType="mainSeq">
+                <p:childTnLst>
+                  <p:par>
+                    <p:cTn id="3" fill="hold">
+                      <p:stCondLst>
+                        <p:cond delay="indefinite"/>
+                      </p:stCondLst>
+                      <p:childTnLst>
+                        <p:par>
+                          <p:cTn id="4" fill="hold">
+                            <p:stCondLst>
+                              <p:cond delay="0"/>
+                            </p:stCondLst>
+                            <p:childTnLst>
+                              <p:par>
+                                <p:cTn id="5" presetID="10" presetClass="entr" presetSubtype="0" fill="hold" grpId="0" nodeType="clickEffect">
+                                  <p:stCondLst>
+                                    <p:cond delay="0"/>
+                                  </p:stCondLst>
+                                  <p:childTnLst>
+                                    <p:set>
+                                      <p:cBhvr>
+                                        <p:cTn id="6" dur="1" fill="hold">
+                                          <p:stCondLst>
+                                            <p:cond delay="0"/>
+                                          </p:stCondLst>
+                                        </p:cTn>
+                                        <p:tgtEl>
+                                          <p:spTgt spid="14"/>
+                                        </p:tgtEl>
+                                        <p:attrNameLst>
+                                          <p:attrName>style.visibility</p:attrName>
+                                        </p:attrNameLst>
+                                      </p:cBhvr>
+                                      <p:to>
+                                        <p:strVal val="visible"/>
+                                      </p:to>
+                                    </p:set>
+                                    <p:animEffect transition="in" filter="fade">
+                                      <p:cBhvr>
+                                        <p:cTn id="7" dur="500"/>
+                                        <p:tgtEl>
+                                          <p:spTgt spid="14"/>
+                                        </p:tgtEl>
+                                      </p:cBhvr>
+                                    </p:animEffect>
+                                  </p:childTnLst>
+                                </p:cTn>
+                              </p:par>
+                            </p:childTnLst>
+                          </p:cTn>
+                        </p:par>
+                      </p:childTnLst>
+                    </p:cTn>
+                  </p:par>
+                </p:childTnLst>
+              </p:cTn>
+              <p:prevCondLst>
+                <p:cond evt="onPrev" delay="0">
+                  <p:tgtEl>
+                    <p:sldTgt/>
+                  </p:tgtEl>
+                </p:cond>
+              </p:prevCondLst>
+              <p:nextCondLst>
+                <p:cond evt="onNext" delay="0">
+                  <p:tgtEl>
+                    <p:sldTgt/>
+                  </p:tgtEl>
+                </p:cond>
+              </p:nextCondLst>
+            </p:seq>
+          </p:childTnLst>
+        </p:cTn>
+      </p:par>
+    </p:tnLst>
+    <p:bldLst>
+      <p:bldP spid="14" grpId="0"/>
+    </p:bldLst>
+  </p:timing>
 </p:sld>
 </file>
 

--- a/2024-12-16 Dotnet Conference Italy/Multi-Tenancy-Dotnet-ABP.pptx
+++ b/2024-12-16 Dotnet Conference Italy/Multi-Tenancy-Dotnet-ABP.pptx
@@ -3820,7 +3820,37 @@
                 <a:cs typeface="Lexend"/>
                 <a:sym typeface="Lexend"/>
               </a:rPr>
-              <a:t>WITH .NET AND ABP FRAMEWORK</a:t>
+              <a:t>WITH .</a:t>
+            </a:r>
+            <a:r>
+              <a:rPr lang="tr-TR" sz="2800" b="1">
+                <a:solidFill>
+                  <a:schemeClr val="tx1">
+                    <a:lumMod val="95000"/>
+                    <a:lumOff val="5000"/>
+                  </a:schemeClr>
+                </a:solidFill>
+                <a:latin typeface="Lexend"/>
+                <a:ea typeface="Lexend"/>
+                <a:cs typeface="Lexend"/>
+                <a:sym typeface="Lexend"/>
+              </a:rPr>
+              <a:t>NET &amp; </a:t>
+            </a:r>
+            <a:r>
+              <a:rPr lang="tr-TR" sz="2800" b="1" dirty="0">
+                <a:solidFill>
+                  <a:schemeClr val="tx1">
+                    <a:lumMod val="95000"/>
+                    <a:lumOff val="5000"/>
+                  </a:schemeClr>
+                </a:solidFill>
+                <a:latin typeface="Lexend"/>
+                <a:ea typeface="Lexend"/>
+                <a:cs typeface="Lexend"/>
+                <a:sym typeface="Lexend"/>
+              </a:rPr>
+              <a:t>ABP FRAMEWORK</a:t>
             </a:r>
           </a:p>
         </p:txBody>

--- a/2024-12-16 Dotnet Conference Italy/Multi-Tenancy-Dotnet-ABP.pptx
+++ b/2024-12-16 Dotnet Conference Italy/Multi-Tenancy-Dotnet-ABP.pptx
@@ -3820,37 +3820,7 @@
                 <a:cs typeface="Lexend"/>
                 <a:sym typeface="Lexend"/>
               </a:rPr>
-              <a:t>WITH .</a:t>
-            </a:r>
-            <a:r>
-              <a:rPr lang="tr-TR" sz="2800" b="1">
-                <a:solidFill>
-                  <a:schemeClr val="tx1">
-                    <a:lumMod val="95000"/>
-                    <a:lumOff val="5000"/>
-                  </a:schemeClr>
-                </a:solidFill>
-                <a:latin typeface="Lexend"/>
-                <a:ea typeface="Lexend"/>
-                <a:cs typeface="Lexend"/>
-                <a:sym typeface="Lexend"/>
-              </a:rPr>
-              <a:t>NET &amp; </a:t>
-            </a:r>
-            <a:r>
-              <a:rPr lang="tr-TR" sz="2800" b="1" dirty="0">
-                <a:solidFill>
-                  <a:schemeClr val="tx1">
-                    <a:lumMod val="95000"/>
-                    <a:lumOff val="5000"/>
-                  </a:schemeClr>
-                </a:solidFill>
-                <a:latin typeface="Lexend"/>
-                <a:ea typeface="Lexend"/>
-                <a:cs typeface="Lexend"/>
-                <a:sym typeface="Lexend"/>
-              </a:rPr>
-              <a:t>ABP FRAMEWORK</a:t>
+              <a:t>WITH .NET &amp; ABP FRAMEWORK</a:t>
             </a:r>
           </a:p>
         </p:txBody>
@@ -4437,7 +4407,7 @@
                 <a:cs typeface="Lexend"/>
                 <a:sym typeface="Lexend"/>
               </a:rPr>
-              <a:t>TITLE</a:t>
+              <a:t>DATA ISOLATION</a:t>
             </a:r>
             <a:endParaRPr lang="tr-TR" sz="3600" dirty="0">
               <a:solidFill>
@@ -7087,26 +7057,203 @@
                 <a:cs typeface="Lexend"/>
                 <a:sym typeface="Lexend"/>
               </a:rPr>
-              <a:t>TITLE</a:t>
-            </a:r>
-            <a:endParaRPr lang="tr-TR" sz="3600" dirty="0">
-              <a:solidFill>
-                <a:srgbClr val="292D33"/>
-              </a:solidFill>
-              <a:latin typeface="Lexend"/>
-              <a:ea typeface="Lexend"/>
-              <a:cs typeface="Lexend"/>
-              <a:sym typeface="Lexend"/>
-            </a:endParaRPr>
-          </a:p>
-        </p:txBody>
-      </p:sp>
-      <p:sp>
-        <p:nvSpPr>
-          <p:cNvPr id="14" name="Metin kutusu 13">
-            <a:extLst>
-              <a:ext uri="{FF2B5EF4-FFF2-40B4-BE49-F238E27FC236}">
-                <a16:creationId xmlns:a16="http://schemas.microsoft.com/office/drawing/2014/main" id="{9E68AE78-0DC6-55E3-D23B-0DDA53B29FF4}"/>
+              <a:t>ABOUT ME</a:t>
+            </a:r>
+            <a:r>
+              <a:rPr lang="tr-TR" sz="3600" dirty="0">
+                <a:solidFill>
+                  <a:srgbClr val="292D33"/>
+                </a:solidFill>
+                <a:latin typeface="Lexend"/>
+                <a:ea typeface="Lexend"/>
+                <a:cs typeface="Lexend"/>
+                <a:sym typeface="Lexend"/>
+              </a:rPr>
+              <a:t>: HALİL İBRAHİM KALKAN</a:t>
+            </a:r>
+          </a:p>
+        </p:txBody>
+      </p:sp>
+      <p:pic>
+        <p:nvPicPr>
+          <p:cNvPr id="2" name="Picture 1">
+            <a:extLst>
+              <a:ext uri="{FF2B5EF4-FFF2-40B4-BE49-F238E27FC236}">
+                <a16:creationId xmlns:a16="http://schemas.microsoft.com/office/drawing/2014/main" id="{E2584304-3D54-7771-935B-A9B9D71213EC}"/>
+              </a:ext>
+            </a:extLst>
+          </p:cNvPr>
+          <p:cNvPicPr>
+            <a:picLocks noChangeAspect="1"/>
+          </p:cNvPicPr>
+          <p:nvPr/>
+        </p:nvPicPr>
+        <p:blipFill>
+          <a:blip r:embed="rId3"/>
+          <a:stretch>
+            <a:fillRect/>
+          </a:stretch>
+        </p:blipFill>
+        <p:spPr>
+          <a:xfrm>
+            <a:off x="9462052" y="407656"/>
+            <a:ext cx="2432952" cy="5438149"/>
+          </a:xfrm>
+          <a:prstGeom prst="rect">
+            <a:avLst/>
+          </a:prstGeom>
+        </p:spPr>
+      </p:pic>
+      <p:pic>
+        <p:nvPicPr>
+          <p:cNvPr id="3" name="Picture 2" descr="Logo&#10;&#10;Description automatically generated">
+            <a:extLst>
+              <a:ext uri="{FF2B5EF4-FFF2-40B4-BE49-F238E27FC236}">
+                <a16:creationId xmlns:a16="http://schemas.microsoft.com/office/drawing/2014/main" id="{5DFAB281-97F0-CC4F-4D28-83825942EEC4}"/>
+              </a:ext>
+            </a:extLst>
+          </p:cNvPr>
+          <p:cNvPicPr>
+            <a:picLocks noChangeAspect="1"/>
+          </p:cNvPicPr>
+          <p:nvPr/>
+        </p:nvPicPr>
+        <p:blipFill>
+          <a:blip r:embed="rId4">
+            <a:extLst>
+              <a:ext uri="{28A0092B-C50C-407E-A947-70E740481C1C}">
+                <a14:useLocalDpi xmlns:a14="http://schemas.microsoft.com/office/drawing/2010/main" val="0"/>
+              </a:ext>
+            </a:extLst>
+          </a:blip>
+          <a:stretch>
+            <a:fillRect/>
+          </a:stretch>
+        </p:blipFill>
+        <p:spPr>
+          <a:xfrm>
+            <a:off x="459458" y="3833164"/>
+            <a:ext cx="1962431" cy="480059"/>
+          </a:xfrm>
+          <a:prstGeom prst="rect">
+            <a:avLst/>
+          </a:prstGeom>
+        </p:spPr>
+      </p:pic>
+      <p:pic>
+        <p:nvPicPr>
+          <p:cNvPr id="5" name="Picture 4" descr="Logo&#10;&#10;Description automatically generated with low confidence">
+            <a:extLst>
+              <a:ext uri="{FF2B5EF4-FFF2-40B4-BE49-F238E27FC236}">
+                <a16:creationId xmlns:a16="http://schemas.microsoft.com/office/drawing/2014/main" id="{A5BB9FA1-3C02-2335-4799-88E800A56DC8}"/>
+              </a:ext>
+            </a:extLst>
+          </p:cNvPr>
+          <p:cNvPicPr>
+            <a:picLocks noChangeAspect="1"/>
+          </p:cNvPicPr>
+          <p:nvPr/>
+        </p:nvPicPr>
+        <p:blipFill>
+          <a:blip r:embed="rId5">
+            <a:extLst>
+              <a:ext uri="{28A0092B-C50C-407E-A947-70E740481C1C}">
+                <a14:useLocalDpi xmlns:a14="http://schemas.microsoft.com/office/drawing/2010/main" val="0"/>
+              </a:ext>
+            </a:extLst>
+          </a:blip>
+          <a:stretch>
+            <a:fillRect/>
+          </a:stretch>
+        </p:blipFill>
+        <p:spPr>
+          <a:xfrm>
+            <a:off x="459458" y="3182215"/>
+            <a:ext cx="1394484" cy="480059"/>
+          </a:xfrm>
+          <a:prstGeom prst="rect">
+            <a:avLst/>
+          </a:prstGeom>
+        </p:spPr>
+      </p:pic>
+      <p:pic>
+        <p:nvPicPr>
+          <p:cNvPr id="6" name="Picture 5" descr="Shape&#10;&#10;Description automatically generated with low confidence">
+            <a:extLst>
+              <a:ext uri="{FF2B5EF4-FFF2-40B4-BE49-F238E27FC236}">
+                <a16:creationId xmlns:a16="http://schemas.microsoft.com/office/drawing/2014/main" id="{0F7CB610-382B-8FD5-BA1A-C20AFEF4F1DB}"/>
+              </a:ext>
+            </a:extLst>
+          </p:cNvPr>
+          <p:cNvPicPr>
+            <a:picLocks noChangeAspect="1"/>
+          </p:cNvPicPr>
+          <p:nvPr/>
+        </p:nvPicPr>
+        <p:blipFill>
+          <a:blip r:embed="rId6">
+            <a:extLst>
+              <a:ext uri="{28A0092B-C50C-407E-A947-70E740481C1C}">
+                <a14:useLocalDpi xmlns:a14="http://schemas.microsoft.com/office/drawing/2010/main" val="0"/>
+              </a:ext>
+            </a:extLst>
+          </a:blip>
+          <a:stretch>
+            <a:fillRect/>
+          </a:stretch>
+        </p:blipFill>
+        <p:spPr>
+          <a:xfrm>
+            <a:off x="459457" y="1897025"/>
+            <a:ext cx="480059" cy="480059"/>
+          </a:xfrm>
+          <a:prstGeom prst="rect">
+            <a:avLst/>
+          </a:prstGeom>
+        </p:spPr>
+      </p:pic>
+      <p:pic>
+        <p:nvPicPr>
+          <p:cNvPr id="7" name="Picture 6" descr="Graphical user interface&#10;&#10;Description automatically generated">
+            <a:extLst>
+              <a:ext uri="{FF2B5EF4-FFF2-40B4-BE49-F238E27FC236}">
+                <a16:creationId xmlns:a16="http://schemas.microsoft.com/office/drawing/2014/main" id="{D8C6ED40-4B21-C5A6-D057-1CF3E1880BFE}"/>
+              </a:ext>
+            </a:extLst>
+          </p:cNvPr>
+          <p:cNvPicPr>
+            <a:picLocks noChangeAspect="1"/>
+          </p:cNvPicPr>
+          <p:nvPr/>
+        </p:nvPicPr>
+        <p:blipFill>
+          <a:blip r:embed="rId7">
+            <a:extLst>
+              <a:ext uri="{28A0092B-C50C-407E-A947-70E740481C1C}">
+                <a14:useLocalDpi xmlns:a14="http://schemas.microsoft.com/office/drawing/2010/main" val="0"/>
+              </a:ext>
+            </a:extLst>
+          </a:blip>
+          <a:stretch>
+            <a:fillRect/>
+          </a:stretch>
+        </p:blipFill>
+        <p:spPr>
+          <a:xfrm>
+            <a:off x="459457" y="2499328"/>
+            <a:ext cx="476451" cy="476451"/>
+          </a:xfrm>
+          <a:prstGeom prst="rect">
+            <a:avLst/>
+          </a:prstGeom>
+        </p:spPr>
+      </p:pic>
+      <p:sp>
+        <p:nvSpPr>
+          <p:cNvPr id="8" name="TextBox 7">
+            <a:extLst>
+              <a:ext uri="{FF2B5EF4-FFF2-40B4-BE49-F238E27FC236}">
+                <a16:creationId xmlns:a16="http://schemas.microsoft.com/office/drawing/2014/main" id="{046205C7-CD8A-FD21-5E07-0E22756FF9C9}"/>
               </a:ext>
             </a:extLst>
           </p:cNvPr>
@@ -7115,8 +7262,8 @@
         </p:nvSpPr>
         <p:spPr>
           <a:xfrm>
-            <a:off x="455846" y="1250909"/>
-            <a:ext cx="11239964" cy="4746130"/>
+            <a:off x="1073659" y="1966365"/>
+            <a:ext cx="8278180" cy="369332"/>
           </a:xfrm>
           <a:prstGeom prst="rect">
             <a:avLst/>
@@ -7125,38 +7272,454 @@
         </p:spPr>
         <p:txBody>
           <a:bodyPr wrap="square" rtlCol="0">
-            <a:normAutofit/>
+            <a:spAutoFit/>
           </a:bodyPr>
           <a:lstStyle/>
           <a:p>
-            <a:pPr marL="285750" indent="-285750">
-              <a:buFont typeface="Arial" panose="020B0604020202020204" pitchFamily="34" charset="0"/>
-              <a:buChar char="•"/>
-            </a:pPr>
             <a:r>
               <a:rPr lang="tr-TR" dirty="0">
+                <a:latin typeface="Poppins" panose="00000500000000000000" pitchFamily="2" charset="-94"/>
+                <a:cs typeface="Poppins" panose="00000500000000000000" pitchFamily="2" charset="-94"/>
+              </a:rPr>
+              <a:t>2003-</a:t>
+            </a:r>
+            <a:r>
+              <a:rPr lang="en-US" dirty="0">
+                <a:latin typeface="Poppins" panose="00000500000000000000" pitchFamily="2" charset="-94"/>
+                <a:cs typeface="Poppins" panose="00000500000000000000" pitchFamily="2" charset="-94"/>
+              </a:rPr>
+              <a:t>2007, Computer Engineering</a:t>
+            </a:r>
+          </a:p>
+        </p:txBody>
+      </p:sp>
+      <p:sp>
+        <p:nvSpPr>
+          <p:cNvPr id="9" name="TextBox 8">
+            <a:extLst>
+              <a:ext uri="{FF2B5EF4-FFF2-40B4-BE49-F238E27FC236}">
+                <a16:creationId xmlns:a16="http://schemas.microsoft.com/office/drawing/2014/main" id="{3B5212F6-7185-CA39-4440-B4706ADE404B}"/>
+              </a:ext>
+            </a:extLst>
+          </p:cNvPr>
+          <p:cNvSpPr txBox="1"/>
+          <p:nvPr/>
+        </p:nvSpPr>
+        <p:spPr>
+          <a:xfrm>
+            <a:off x="1073659" y="2587315"/>
+            <a:ext cx="8278180" cy="369332"/>
+          </a:xfrm>
+          <a:prstGeom prst="rect">
+            <a:avLst/>
+          </a:prstGeom>
+          <a:noFill/>
+        </p:spPr>
+        <p:txBody>
+          <a:bodyPr wrap="square" rtlCol="0">
+            <a:spAutoFit/>
+          </a:bodyPr>
+          <a:lstStyle/>
+          <a:p>
+            <a:r>
+              <a:rPr lang="en-US" dirty="0">
+                <a:latin typeface="Poppins" panose="00000500000000000000" pitchFamily="2" charset="-94"/>
+                <a:cs typeface="Poppins" panose="00000500000000000000" pitchFamily="2" charset="-94"/>
+              </a:rPr>
+              <a:t>2007 - 2015: Software developer, software architect, team leader</a:t>
+            </a:r>
+          </a:p>
+        </p:txBody>
+      </p:sp>
+      <p:sp>
+        <p:nvSpPr>
+          <p:cNvPr id="10" name="TextBox 9">
+            <a:extLst>
+              <a:ext uri="{FF2B5EF4-FFF2-40B4-BE49-F238E27FC236}">
+                <a16:creationId xmlns:a16="http://schemas.microsoft.com/office/drawing/2014/main" id="{72DA4D4E-BD92-20F7-4789-6EDB36CCA4C5}"/>
+              </a:ext>
+            </a:extLst>
+          </p:cNvPr>
+          <p:cNvSpPr txBox="1"/>
+          <p:nvPr/>
+        </p:nvSpPr>
+        <p:spPr>
+          <a:xfrm>
+            <a:off x="2624038" y="3917248"/>
+            <a:ext cx="6727801" cy="369332"/>
+          </a:xfrm>
+          <a:prstGeom prst="rect">
+            <a:avLst/>
+          </a:prstGeom>
+          <a:noFill/>
+        </p:spPr>
+        <p:txBody>
+          <a:bodyPr wrap="square" rtlCol="0">
+            <a:spAutoFit/>
+          </a:bodyPr>
+          <a:lstStyle/>
+          <a:p>
+            <a:r>
+              <a:rPr lang="en-US" dirty="0">
+                <a:latin typeface="Poppins" panose="00000500000000000000" pitchFamily="2" charset="-94"/>
+                <a:cs typeface="Poppins" panose="00000500000000000000" pitchFamily="2" charset="-94"/>
+              </a:rPr>
+              <a:t>2016 - ∞: Co-founder, software architect</a:t>
+            </a:r>
+          </a:p>
+        </p:txBody>
+      </p:sp>
+      <p:sp>
+        <p:nvSpPr>
+          <p:cNvPr id="11" name="TextBox 10">
+            <a:extLst>
+              <a:ext uri="{FF2B5EF4-FFF2-40B4-BE49-F238E27FC236}">
+                <a16:creationId xmlns:a16="http://schemas.microsoft.com/office/drawing/2014/main" id="{AB3C30C7-7694-2DAA-A8FD-3D589AEA0DC5}"/>
+              </a:ext>
+            </a:extLst>
+          </p:cNvPr>
+          <p:cNvSpPr txBox="1"/>
+          <p:nvPr/>
+        </p:nvSpPr>
+        <p:spPr>
+          <a:xfrm>
+            <a:off x="2000074" y="3237578"/>
+            <a:ext cx="7351765" cy="369332"/>
+          </a:xfrm>
+          <a:prstGeom prst="rect">
+            <a:avLst/>
+          </a:prstGeom>
+          <a:noFill/>
+        </p:spPr>
+        <p:txBody>
+          <a:bodyPr wrap="square" rtlCol="0">
+            <a:spAutoFit/>
+          </a:bodyPr>
+          <a:lstStyle/>
+          <a:p>
+            <a:r>
+              <a:rPr lang="en-US" dirty="0">
+                <a:latin typeface="Poppins" panose="00000500000000000000" pitchFamily="2" charset="-94"/>
+                <a:cs typeface="Poppins" panose="00000500000000000000" pitchFamily="2" charset="-94"/>
+              </a:rPr>
+              <a:t>2013 - ∞: Lead developer of the open source ABP Framework</a:t>
+            </a:r>
+          </a:p>
+        </p:txBody>
+      </p:sp>
+      <p:pic>
+        <p:nvPicPr>
+          <p:cNvPr id="12" name="Picture 11">
+            <a:extLst>
+              <a:ext uri="{FF2B5EF4-FFF2-40B4-BE49-F238E27FC236}">
+                <a16:creationId xmlns:a16="http://schemas.microsoft.com/office/drawing/2014/main" id="{3312B059-B97F-6F22-F5D5-A9D878ACD14A}"/>
+              </a:ext>
+            </a:extLst>
+          </p:cNvPr>
+          <p:cNvPicPr>
+            <a:picLocks noChangeAspect="1"/>
+          </p:cNvPicPr>
+          <p:nvPr/>
+        </p:nvPicPr>
+        <p:blipFill>
+          <a:blip r:embed="rId8">
+            <a:extLst>
+              <a:ext uri="{28A0092B-C50C-407E-A947-70E740481C1C}">
+                <a14:useLocalDpi xmlns:a14="http://schemas.microsoft.com/office/drawing/2010/main" val="0"/>
+              </a:ext>
+            </a:extLst>
+          </a:blip>
+          <a:stretch>
+            <a:fillRect/>
+          </a:stretch>
+        </p:blipFill>
+        <p:spPr>
+          <a:xfrm>
+            <a:off x="459457" y="4484113"/>
+            <a:ext cx="476451" cy="476451"/>
+          </a:xfrm>
+          <a:prstGeom prst="rect">
+            <a:avLst/>
+          </a:prstGeom>
+        </p:spPr>
+      </p:pic>
+      <p:sp>
+        <p:nvSpPr>
+          <p:cNvPr id="13" name="TextBox 12">
+            <a:extLst>
+              <a:ext uri="{FF2B5EF4-FFF2-40B4-BE49-F238E27FC236}">
+                <a16:creationId xmlns:a16="http://schemas.microsoft.com/office/drawing/2014/main" id="{3D377050-1E06-6876-0850-DAFB85F8875E}"/>
+              </a:ext>
+            </a:extLst>
+          </p:cNvPr>
+          <p:cNvSpPr txBox="1"/>
+          <p:nvPr/>
+        </p:nvSpPr>
+        <p:spPr>
+          <a:xfrm>
+            <a:off x="935908" y="4433183"/>
+            <a:ext cx="8415931" cy="646331"/>
+          </a:xfrm>
+          <a:prstGeom prst="rect">
+            <a:avLst/>
+          </a:prstGeom>
+          <a:noFill/>
+        </p:spPr>
+        <p:txBody>
+          <a:bodyPr wrap="square" rtlCol="0">
+            <a:spAutoFit/>
+          </a:bodyPr>
+          <a:lstStyle/>
+          <a:p>
+            <a:r>
+              <a:rPr lang="en-US" dirty="0">
+                <a:latin typeface="Poppins" panose="00000500000000000000" pitchFamily="2" charset="-94"/>
+                <a:cs typeface="Poppins" panose="00000500000000000000" pitchFamily="2" charset="-94"/>
+              </a:rPr>
+              <a:t>Multi-threading, distributed</a:t>
+            </a:r>
+            <a:r>
+              <a:rPr lang="tr-TR" dirty="0">
+                <a:latin typeface="Poppins" panose="00000500000000000000" pitchFamily="2" charset="-94"/>
+                <a:cs typeface="Poppins" panose="00000500000000000000" pitchFamily="2" charset="-94"/>
+              </a:rPr>
+              <a:t>/microservice</a:t>
+            </a:r>
+            <a:r>
+              <a:rPr lang="en-US" dirty="0">
+                <a:latin typeface="Poppins" panose="00000500000000000000" pitchFamily="2" charset="-94"/>
+                <a:cs typeface="Poppins" panose="00000500000000000000" pitchFamily="2" charset="-94"/>
+              </a:rPr>
+              <a:t> systems, OOP, DDD, software architectures.. etc.</a:t>
+            </a:r>
+          </a:p>
+        </p:txBody>
+      </p:sp>
+      <p:pic>
+        <p:nvPicPr>
+          <p:cNvPr id="15" name="Picture 14" descr="Shape&#10;&#10;Description automatically generated with low confidence">
+            <a:extLst>
+              <a:ext uri="{FF2B5EF4-FFF2-40B4-BE49-F238E27FC236}">
+                <a16:creationId xmlns:a16="http://schemas.microsoft.com/office/drawing/2014/main" id="{ACA7E1FD-ED1B-96AD-5B7A-2505CCAB57AC}"/>
+              </a:ext>
+            </a:extLst>
+          </p:cNvPr>
+          <p:cNvPicPr>
+            <a:picLocks noChangeAspect="1"/>
+          </p:cNvPicPr>
+          <p:nvPr/>
+        </p:nvPicPr>
+        <p:blipFill>
+          <a:blip r:embed="rId9">
+            <a:extLst>
+              <a:ext uri="{28A0092B-C50C-407E-A947-70E740481C1C}">
+                <a14:useLocalDpi xmlns:a14="http://schemas.microsoft.com/office/drawing/2010/main" val="0"/>
+              </a:ext>
+            </a:extLst>
+          </a:blip>
+          <a:stretch>
+            <a:fillRect/>
+          </a:stretch>
+        </p:blipFill>
+        <p:spPr>
+          <a:xfrm>
+            <a:off x="459457" y="5247820"/>
+            <a:ext cx="476451" cy="476451"/>
+          </a:xfrm>
+          <a:prstGeom prst="rect">
+            <a:avLst/>
+          </a:prstGeom>
+        </p:spPr>
+      </p:pic>
+      <p:sp>
+        <p:nvSpPr>
+          <p:cNvPr id="16" name="TextBox 15">
+            <a:extLst>
+              <a:ext uri="{FF2B5EF4-FFF2-40B4-BE49-F238E27FC236}">
+                <a16:creationId xmlns:a16="http://schemas.microsoft.com/office/drawing/2014/main" id="{3148F5D5-1C3C-4581-9A12-F25CCC87094C}"/>
+              </a:ext>
+            </a:extLst>
+          </p:cNvPr>
+          <p:cNvSpPr txBox="1"/>
+          <p:nvPr/>
+        </p:nvSpPr>
+        <p:spPr>
+          <a:xfrm>
+            <a:off x="935908" y="5199474"/>
+            <a:ext cx="8415931" cy="646331"/>
+          </a:xfrm>
+          <a:prstGeom prst="rect">
+            <a:avLst/>
+          </a:prstGeom>
+          <a:noFill/>
+        </p:spPr>
+        <p:txBody>
+          <a:bodyPr wrap="square" rtlCol="0">
+            <a:spAutoFit/>
+          </a:bodyPr>
+          <a:lstStyle/>
+          <a:p>
+            <a:r>
+              <a:rPr lang="tr-TR" dirty="0">
+                <a:latin typeface="Poppins" panose="00000500000000000000" pitchFamily="2" charset="-94"/>
+                <a:cs typeface="Poppins" panose="00000500000000000000" pitchFamily="2" charset="-94"/>
+              </a:rPr>
+              <a:t>Still a</a:t>
+            </a:r>
+            <a:r>
+              <a:rPr lang="en-US" dirty="0" err="1">
+                <a:latin typeface="Poppins" panose="00000500000000000000" pitchFamily="2" charset="-94"/>
+                <a:cs typeface="Poppins" panose="00000500000000000000" pitchFamily="2" charset="-94"/>
+              </a:rPr>
+              <a:t>ctive</a:t>
+            </a:r>
+            <a:r>
+              <a:rPr lang="en-US" dirty="0">
+                <a:latin typeface="Poppins" panose="00000500000000000000" pitchFamily="2" charset="-94"/>
+                <a:cs typeface="Poppins" panose="00000500000000000000" pitchFamily="2" charset="-94"/>
+              </a:rPr>
+              <a:t> coder, open</a:t>
+            </a:r>
+            <a:r>
+              <a:rPr lang="tr-TR" dirty="0">
+                <a:latin typeface="Poppins" panose="00000500000000000000" pitchFamily="2" charset="-94"/>
+                <a:cs typeface="Poppins" panose="00000500000000000000" pitchFamily="2" charset="-94"/>
+              </a:rPr>
+              <a:t>-</a:t>
+            </a:r>
+            <a:r>
+              <a:rPr lang="en-US" dirty="0">
+                <a:latin typeface="Poppins" panose="00000500000000000000" pitchFamily="2" charset="-94"/>
+                <a:cs typeface="Poppins" panose="00000500000000000000" pitchFamily="2" charset="-94"/>
+              </a:rPr>
+              <a:t>source</a:t>
+            </a:r>
+            <a:r>
+              <a:rPr lang="tr-TR" dirty="0">
+                <a:latin typeface="Poppins" panose="00000500000000000000" pitchFamily="2" charset="-94"/>
+                <a:cs typeface="Poppins" panose="00000500000000000000" pitchFamily="2" charset="-94"/>
+              </a:rPr>
+              <a:t> contributor</a:t>
+            </a:r>
+          </a:p>
+          <a:p>
+            <a:r>
+              <a:rPr lang="tr-TR" b="1" i="1" dirty="0">
+                <a:latin typeface="Poppins" panose="00000500000000000000" pitchFamily="2" charset="-94"/>
+                <a:cs typeface="Poppins" panose="00000500000000000000" pitchFamily="2" charset="-94"/>
+              </a:rPr>
+              <a:t>30,000+ total contributions on GitHub</a:t>
+            </a:r>
+            <a:endParaRPr lang="en-US" b="1" i="1" dirty="0">
+              <a:latin typeface="Poppins" panose="00000500000000000000" pitchFamily="2" charset="-94"/>
+              <a:cs typeface="Poppins" panose="00000500000000000000" pitchFamily="2" charset="-94"/>
+            </a:endParaRPr>
+          </a:p>
+        </p:txBody>
+      </p:sp>
+      <p:sp>
+        <p:nvSpPr>
+          <p:cNvPr id="17" name="TextBox 16">
+            <a:extLst>
+              <a:ext uri="{FF2B5EF4-FFF2-40B4-BE49-F238E27FC236}">
+                <a16:creationId xmlns:a16="http://schemas.microsoft.com/office/drawing/2014/main" id="{D97B185C-01F0-F2E4-E7F9-A3AFFDEBFD8D}"/>
+              </a:ext>
+            </a:extLst>
+          </p:cNvPr>
+          <p:cNvSpPr txBox="1"/>
+          <p:nvPr/>
+        </p:nvSpPr>
+        <p:spPr>
+          <a:xfrm>
+            <a:off x="1073659" y="1441864"/>
+            <a:ext cx="8278180" cy="369332"/>
+          </a:xfrm>
+          <a:prstGeom prst="rect">
+            <a:avLst/>
+          </a:prstGeom>
+          <a:noFill/>
+        </p:spPr>
+        <p:txBody>
+          <a:bodyPr wrap="square" rtlCol="0">
+            <a:spAutoFit/>
+          </a:bodyPr>
+          <a:lstStyle/>
+          <a:p>
+            <a:r>
+              <a:rPr lang="tr-TR" dirty="0">
+                <a:latin typeface="Poppins" panose="00000500000000000000" pitchFamily="2" charset="-94"/>
+                <a:cs typeface="Poppins" panose="00000500000000000000" pitchFamily="2" charset="-94"/>
+              </a:rPr>
+              <a:t>1997</a:t>
+            </a:r>
+            <a:r>
+              <a:rPr lang="en-US" dirty="0">
+                <a:latin typeface="Poppins" panose="00000500000000000000" pitchFamily="2" charset="-94"/>
+                <a:cs typeface="Poppins" panose="00000500000000000000" pitchFamily="2" charset="-94"/>
+              </a:rPr>
+              <a:t>, </a:t>
+            </a:r>
+            <a:r>
+              <a:rPr lang="tr-TR" dirty="0">
+                <a:latin typeface="Poppins" panose="00000500000000000000" pitchFamily="2" charset="-94"/>
+                <a:cs typeface="Poppins" panose="00000500000000000000" pitchFamily="2" charset="-94"/>
+              </a:rPr>
+              <a:t>Started programming (at 14 years old, with Turbo Pascal)</a:t>
+            </a:r>
+            <a:endParaRPr lang="en-US" dirty="0">
+              <a:latin typeface="Poppins" panose="00000500000000000000" pitchFamily="2" charset="-94"/>
+              <a:cs typeface="Poppins" panose="00000500000000000000" pitchFamily="2" charset="-94"/>
+            </a:endParaRPr>
+          </a:p>
+        </p:txBody>
+      </p:sp>
+      <p:pic>
+        <p:nvPicPr>
+          <p:cNvPr id="18" name="Picture 4" descr="Div Coding icon PNG and SVG Vector Free Download">
+            <a:extLst>
+              <a:ext uri="{FF2B5EF4-FFF2-40B4-BE49-F238E27FC236}">
+                <a16:creationId xmlns:a16="http://schemas.microsoft.com/office/drawing/2014/main" id="{B87441B8-E51B-D92A-0EED-4C0147F4ADCA}"/>
+              </a:ext>
+            </a:extLst>
+          </p:cNvPr>
+          <p:cNvPicPr>
+            <a:picLocks noChangeAspect="1" noChangeArrowheads="1"/>
+          </p:cNvPicPr>
+          <p:nvPr/>
+        </p:nvPicPr>
+        <p:blipFill>
+          <a:blip r:embed="rId10">
+            <a:extLst>
+              <a:ext uri="{28A0092B-C50C-407E-A947-70E740481C1C}">
+                <a14:useLocalDpi xmlns:a14="http://schemas.microsoft.com/office/drawing/2010/main" val="0"/>
+              </a:ext>
+            </a:extLst>
+          </a:blip>
+          <a:srcRect/>
+          <a:stretch>
+            <a:fillRect/>
+          </a:stretch>
+        </p:blipFill>
+        <p:spPr bwMode="auto">
+          <a:xfrm>
+            <a:off x="455849" y="1350896"/>
+            <a:ext cx="517747" cy="517747"/>
+          </a:xfrm>
+          <a:prstGeom prst="rect">
+            <a:avLst/>
+          </a:prstGeom>
+          <a:noFill/>
+          <a:extLst>
+            <a:ext uri="{909E8E84-426E-40DD-AFC4-6F175D3DCCD1}">
+              <a14:hiddenFill xmlns:a14="http://schemas.microsoft.com/office/drawing/2010/main">
                 <a:solidFill>
-                  <a:srgbClr val="5C6571"/>
+                  <a:srgbClr val="FFFFFF"/>
                 </a:solidFill>
-                <a:latin typeface="Poppins" pitchFamily="2" charset="0"/>
-                <a:ea typeface="Poppins"/>
-                <a:cs typeface="Poppins" pitchFamily="2" charset="0"/>
-                <a:sym typeface="Poppins"/>
-              </a:rPr>
-              <a:t>.</a:t>
-            </a:r>
-            <a:endParaRPr lang="en-US" dirty="0">
-              <a:solidFill>
-                <a:srgbClr val="5C6571"/>
-              </a:solidFill>
-              <a:latin typeface="Poppins SemiBold" pitchFamily="2" charset="0"/>
-              <a:ea typeface="Poppins"/>
-              <a:cs typeface="Poppins SemiBold" pitchFamily="2" charset="0"/>
-              <a:sym typeface="Poppins"/>
-            </a:endParaRPr>
-          </a:p>
-        </p:txBody>
-      </p:sp>
+              </a14:hiddenFill>
+            </a:ext>
+          </a:extLst>
+        </p:spPr>
+      </p:pic>
     </p:spTree>
     <p:extLst>
       <p:ext uri="{BB962C8B-B14F-4D97-AF65-F5344CB8AC3E}">
@@ -7179,6 +7742,9 @@
                     <p:cTn id="3" fill="hold">
                       <p:stCondLst>
                         <p:cond delay="indefinite"/>
+                        <p:cond evt="onBegin" delay="0">
+                          <p:tn val="2"/>
+                        </p:cond>
                       </p:stCondLst>
                       <p:childTnLst>
                         <p:par>
@@ -7188,7 +7754,7 @@
                             </p:stCondLst>
                             <p:childTnLst>
                               <p:par>
-                                <p:cTn id="5" presetID="10" presetClass="entr" presetSubtype="0" fill="hold" grpId="0" nodeType="clickEffect">
+                                <p:cTn id="5" presetID="10" presetClass="entr" presetSubtype="0" fill="hold" nodeType="withEffect">
                                   <p:stCondLst>
                                     <p:cond delay="0"/>
                                   </p:stCondLst>
@@ -7201,7 +7767,7 @@
                                           </p:stCondLst>
                                         </p:cTn>
                                         <p:tgtEl>
-                                          <p:spTgt spid="14"/>
+                                          <p:spTgt spid="2"/>
                                         </p:tgtEl>
                                         <p:attrNameLst>
                                           <p:attrName>style.visibility</p:attrName>
@@ -7215,7 +7781,623 @@
                                       <p:cBhvr>
                                         <p:cTn id="7" dur="500"/>
                                         <p:tgtEl>
-                                          <p:spTgt spid="14"/>
+                                          <p:spTgt spid="2"/>
+                                        </p:tgtEl>
+                                      </p:cBhvr>
+                                    </p:animEffect>
+                                  </p:childTnLst>
+                                </p:cTn>
+                              </p:par>
+                            </p:childTnLst>
+                          </p:cTn>
+                        </p:par>
+                      </p:childTnLst>
+                    </p:cTn>
+                  </p:par>
+                  <p:par>
+                    <p:cTn id="8" fill="hold">
+                      <p:stCondLst>
+                        <p:cond delay="indefinite"/>
+                      </p:stCondLst>
+                      <p:childTnLst>
+                        <p:par>
+                          <p:cTn id="9" fill="hold">
+                            <p:stCondLst>
+                              <p:cond delay="0"/>
+                            </p:stCondLst>
+                            <p:childTnLst>
+                              <p:par>
+                                <p:cTn id="10" presetID="10" presetClass="entr" presetSubtype="0" fill="hold" nodeType="clickEffect">
+                                  <p:stCondLst>
+                                    <p:cond delay="0"/>
+                                  </p:stCondLst>
+                                  <p:childTnLst>
+                                    <p:set>
+                                      <p:cBhvr>
+                                        <p:cTn id="11" dur="1" fill="hold">
+                                          <p:stCondLst>
+                                            <p:cond delay="0"/>
+                                          </p:stCondLst>
+                                        </p:cTn>
+                                        <p:tgtEl>
+                                          <p:spTgt spid="18"/>
+                                        </p:tgtEl>
+                                        <p:attrNameLst>
+                                          <p:attrName>style.visibility</p:attrName>
+                                        </p:attrNameLst>
+                                      </p:cBhvr>
+                                      <p:to>
+                                        <p:strVal val="visible"/>
+                                      </p:to>
+                                    </p:set>
+                                    <p:animEffect transition="in" filter="fade">
+                                      <p:cBhvr>
+                                        <p:cTn id="12" dur="500"/>
+                                        <p:tgtEl>
+                                          <p:spTgt spid="18"/>
+                                        </p:tgtEl>
+                                      </p:cBhvr>
+                                    </p:animEffect>
+                                  </p:childTnLst>
+                                </p:cTn>
+                              </p:par>
+                              <p:par>
+                                <p:cTn id="13" presetID="10" presetClass="entr" presetSubtype="0" fill="hold" grpId="0" nodeType="withEffect">
+                                  <p:stCondLst>
+                                    <p:cond delay="0"/>
+                                  </p:stCondLst>
+                                  <p:childTnLst>
+                                    <p:set>
+                                      <p:cBhvr>
+                                        <p:cTn id="14" dur="1" fill="hold">
+                                          <p:stCondLst>
+                                            <p:cond delay="0"/>
+                                          </p:stCondLst>
+                                        </p:cTn>
+                                        <p:tgtEl>
+                                          <p:spTgt spid="17"/>
+                                        </p:tgtEl>
+                                        <p:attrNameLst>
+                                          <p:attrName>style.visibility</p:attrName>
+                                        </p:attrNameLst>
+                                      </p:cBhvr>
+                                      <p:to>
+                                        <p:strVal val="visible"/>
+                                      </p:to>
+                                    </p:set>
+                                    <p:animEffect transition="in" filter="fade">
+                                      <p:cBhvr>
+                                        <p:cTn id="15" dur="500"/>
+                                        <p:tgtEl>
+                                          <p:spTgt spid="17"/>
+                                        </p:tgtEl>
+                                      </p:cBhvr>
+                                    </p:animEffect>
+                                  </p:childTnLst>
+                                </p:cTn>
+                              </p:par>
+                            </p:childTnLst>
+                          </p:cTn>
+                        </p:par>
+                      </p:childTnLst>
+                    </p:cTn>
+                  </p:par>
+                  <p:par>
+                    <p:cTn id="16" fill="hold">
+                      <p:stCondLst>
+                        <p:cond delay="indefinite"/>
+                      </p:stCondLst>
+                      <p:childTnLst>
+                        <p:par>
+                          <p:cTn id="17" fill="hold">
+                            <p:stCondLst>
+                              <p:cond delay="0"/>
+                            </p:stCondLst>
+                            <p:childTnLst>
+                              <p:par>
+                                <p:cTn id="18" presetID="10" presetClass="entr" presetSubtype="0" fill="hold" nodeType="clickEffect">
+                                  <p:stCondLst>
+                                    <p:cond delay="0"/>
+                                  </p:stCondLst>
+                                  <p:childTnLst>
+                                    <p:set>
+                                      <p:cBhvr>
+                                        <p:cTn id="19" dur="1" fill="hold">
+                                          <p:stCondLst>
+                                            <p:cond delay="0"/>
+                                          </p:stCondLst>
+                                        </p:cTn>
+                                        <p:tgtEl>
+                                          <p:spTgt spid="6"/>
+                                        </p:tgtEl>
+                                        <p:attrNameLst>
+                                          <p:attrName>style.visibility</p:attrName>
+                                        </p:attrNameLst>
+                                      </p:cBhvr>
+                                      <p:to>
+                                        <p:strVal val="visible"/>
+                                      </p:to>
+                                    </p:set>
+                                    <p:animEffect transition="in" filter="fade">
+                                      <p:cBhvr>
+                                        <p:cTn id="20" dur="500"/>
+                                        <p:tgtEl>
+                                          <p:spTgt spid="6"/>
+                                        </p:tgtEl>
+                                      </p:cBhvr>
+                                    </p:animEffect>
+                                  </p:childTnLst>
+                                </p:cTn>
+                              </p:par>
+                              <p:par>
+                                <p:cTn id="21" presetID="10" presetClass="entr" presetSubtype="0" fill="hold" grpId="0" nodeType="withEffect">
+                                  <p:stCondLst>
+                                    <p:cond delay="0"/>
+                                  </p:stCondLst>
+                                  <p:childTnLst>
+                                    <p:set>
+                                      <p:cBhvr>
+                                        <p:cTn id="22" dur="1" fill="hold">
+                                          <p:stCondLst>
+                                            <p:cond delay="0"/>
+                                          </p:stCondLst>
+                                        </p:cTn>
+                                        <p:tgtEl>
+                                          <p:spTgt spid="8"/>
+                                        </p:tgtEl>
+                                        <p:attrNameLst>
+                                          <p:attrName>style.visibility</p:attrName>
+                                        </p:attrNameLst>
+                                      </p:cBhvr>
+                                      <p:to>
+                                        <p:strVal val="visible"/>
+                                      </p:to>
+                                    </p:set>
+                                    <p:animEffect transition="in" filter="fade">
+                                      <p:cBhvr>
+                                        <p:cTn id="23" dur="500"/>
+                                        <p:tgtEl>
+                                          <p:spTgt spid="8"/>
+                                        </p:tgtEl>
+                                      </p:cBhvr>
+                                    </p:animEffect>
+                                  </p:childTnLst>
+                                </p:cTn>
+                              </p:par>
+                            </p:childTnLst>
+                          </p:cTn>
+                        </p:par>
+                      </p:childTnLst>
+                    </p:cTn>
+                  </p:par>
+                  <p:par>
+                    <p:cTn id="24" fill="hold">
+                      <p:stCondLst>
+                        <p:cond delay="indefinite"/>
+                      </p:stCondLst>
+                      <p:childTnLst>
+                        <p:par>
+                          <p:cTn id="25" fill="hold">
+                            <p:stCondLst>
+                              <p:cond delay="0"/>
+                            </p:stCondLst>
+                            <p:childTnLst>
+                              <p:par>
+                                <p:cTn id="26" presetID="10" presetClass="entr" presetSubtype="0" fill="hold" nodeType="clickEffect">
+                                  <p:stCondLst>
+                                    <p:cond delay="0"/>
+                                  </p:stCondLst>
+                                  <p:childTnLst>
+                                    <p:set>
+                                      <p:cBhvr>
+                                        <p:cTn id="27" dur="1" fill="hold">
+                                          <p:stCondLst>
+                                            <p:cond delay="0"/>
+                                          </p:stCondLst>
+                                        </p:cTn>
+                                        <p:tgtEl>
+                                          <p:spTgt spid="7"/>
+                                        </p:tgtEl>
+                                        <p:attrNameLst>
+                                          <p:attrName>style.visibility</p:attrName>
+                                        </p:attrNameLst>
+                                      </p:cBhvr>
+                                      <p:to>
+                                        <p:strVal val="visible"/>
+                                      </p:to>
+                                    </p:set>
+                                    <p:animEffect transition="in" filter="fade">
+                                      <p:cBhvr>
+                                        <p:cTn id="28" dur="500"/>
+                                        <p:tgtEl>
+                                          <p:spTgt spid="7"/>
+                                        </p:tgtEl>
+                                      </p:cBhvr>
+                                    </p:animEffect>
+                                  </p:childTnLst>
+                                </p:cTn>
+                              </p:par>
+                              <p:par>
+                                <p:cTn id="29" presetID="10" presetClass="entr" presetSubtype="0" fill="hold" grpId="0" nodeType="withEffect">
+                                  <p:stCondLst>
+                                    <p:cond delay="0"/>
+                                  </p:stCondLst>
+                                  <p:childTnLst>
+                                    <p:set>
+                                      <p:cBhvr>
+                                        <p:cTn id="30" dur="1" fill="hold">
+                                          <p:stCondLst>
+                                            <p:cond delay="0"/>
+                                          </p:stCondLst>
+                                        </p:cTn>
+                                        <p:tgtEl>
+                                          <p:spTgt spid="9"/>
+                                        </p:tgtEl>
+                                        <p:attrNameLst>
+                                          <p:attrName>style.visibility</p:attrName>
+                                        </p:attrNameLst>
+                                      </p:cBhvr>
+                                      <p:to>
+                                        <p:strVal val="visible"/>
+                                      </p:to>
+                                    </p:set>
+                                    <p:animEffect transition="in" filter="fade">
+                                      <p:cBhvr>
+                                        <p:cTn id="31" dur="500"/>
+                                        <p:tgtEl>
+                                          <p:spTgt spid="9"/>
+                                        </p:tgtEl>
+                                      </p:cBhvr>
+                                    </p:animEffect>
+                                  </p:childTnLst>
+                                </p:cTn>
+                              </p:par>
+                            </p:childTnLst>
+                          </p:cTn>
+                        </p:par>
+                      </p:childTnLst>
+                    </p:cTn>
+                  </p:par>
+                  <p:par>
+                    <p:cTn id="32" fill="hold">
+                      <p:stCondLst>
+                        <p:cond delay="indefinite"/>
+                      </p:stCondLst>
+                      <p:childTnLst>
+                        <p:par>
+                          <p:cTn id="33" fill="hold">
+                            <p:stCondLst>
+                              <p:cond delay="0"/>
+                            </p:stCondLst>
+                            <p:childTnLst>
+                              <p:par>
+                                <p:cTn id="34" presetID="10" presetClass="entr" presetSubtype="0" fill="hold" nodeType="clickEffect">
+                                  <p:stCondLst>
+                                    <p:cond delay="0"/>
+                                  </p:stCondLst>
+                                  <p:childTnLst>
+                                    <p:set>
+                                      <p:cBhvr>
+                                        <p:cTn id="35" dur="1" fill="hold">
+                                          <p:stCondLst>
+                                            <p:cond delay="0"/>
+                                          </p:stCondLst>
+                                        </p:cTn>
+                                        <p:tgtEl>
+                                          <p:spTgt spid="5"/>
+                                        </p:tgtEl>
+                                        <p:attrNameLst>
+                                          <p:attrName>style.visibility</p:attrName>
+                                        </p:attrNameLst>
+                                      </p:cBhvr>
+                                      <p:to>
+                                        <p:strVal val="visible"/>
+                                      </p:to>
+                                    </p:set>
+                                    <p:animEffect transition="in" filter="fade">
+                                      <p:cBhvr>
+                                        <p:cTn id="36" dur="500"/>
+                                        <p:tgtEl>
+                                          <p:spTgt spid="5"/>
+                                        </p:tgtEl>
+                                      </p:cBhvr>
+                                    </p:animEffect>
+                                  </p:childTnLst>
+                                </p:cTn>
+                              </p:par>
+                              <p:par>
+                                <p:cTn id="37" presetID="10" presetClass="entr" presetSubtype="0" fill="hold" grpId="0" nodeType="withEffect">
+                                  <p:stCondLst>
+                                    <p:cond delay="0"/>
+                                  </p:stCondLst>
+                                  <p:childTnLst>
+                                    <p:set>
+                                      <p:cBhvr>
+                                        <p:cTn id="38" dur="1" fill="hold">
+                                          <p:stCondLst>
+                                            <p:cond delay="0"/>
+                                          </p:stCondLst>
+                                        </p:cTn>
+                                        <p:tgtEl>
+                                          <p:spTgt spid="11"/>
+                                        </p:tgtEl>
+                                        <p:attrNameLst>
+                                          <p:attrName>style.visibility</p:attrName>
+                                        </p:attrNameLst>
+                                      </p:cBhvr>
+                                      <p:to>
+                                        <p:strVal val="visible"/>
+                                      </p:to>
+                                    </p:set>
+                                    <p:animEffect transition="in" filter="fade">
+                                      <p:cBhvr>
+                                        <p:cTn id="39" dur="500"/>
+                                        <p:tgtEl>
+                                          <p:spTgt spid="11"/>
+                                        </p:tgtEl>
+                                      </p:cBhvr>
+                                    </p:animEffect>
+                                  </p:childTnLst>
+                                </p:cTn>
+                              </p:par>
+                            </p:childTnLst>
+                          </p:cTn>
+                        </p:par>
+                      </p:childTnLst>
+                    </p:cTn>
+                  </p:par>
+                  <p:par>
+                    <p:cTn id="40" fill="hold">
+                      <p:stCondLst>
+                        <p:cond delay="indefinite"/>
+                      </p:stCondLst>
+                      <p:childTnLst>
+                        <p:par>
+                          <p:cTn id="41" fill="hold">
+                            <p:stCondLst>
+                              <p:cond delay="0"/>
+                            </p:stCondLst>
+                            <p:childTnLst>
+                              <p:par>
+                                <p:cTn id="42" presetID="10" presetClass="entr" presetSubtype="0" fill="hold" nodeType="clickEffect">
+                                  <p:stCondLst>
+                                    <p:cond delay="0"/>
+                                  </p:stCondLst>
+                                  <p:childTnLst>
+                                    <p:set>
+                                      <p:cBhvr>
+                                        <p:cTn id="43" dur="1" fill="hold">
+                                          <p:stCondLst>
+                                            <p:cond delay="0"/>
+                                          </p:stCondLst>
+                                        </p:cTn>
+                                        <p:tgtEl>
+                                          <p:spTgt spid="3"/>
+                                        </p:tgtEl>
+                                        <p:attrNameLst>
+                                          <p:attrName>style.visibility</p:attrName>
+                                        </p:attrNameLst>
+                                      </p:cBhvr>
+                                      <p:to>
+                                        <p:strVal val="visible"/>
+                                      </p:to>
+                                    </p:set>
+                                    <p:animEffect transition="in" filter="fade">
+                                      <p:cBhvr>
+                                        <p:cTn id="44" dur="500"/>
+                                        <p:tgtEl>
+                                          <p:spTgt spid="3"/>
+                                        </p:tgtEl>
+                                      </p:cBhvr>
+                                    </p:animEffect>
+                                  </p:childTnLst>
+                                </p:cTn>
+                              </p:par>
+                              <p:par>
+                                <p:cTn id="45" presetID="10" presetClass="entr" presetSubtype="0" fill="hold" grpId="0" nodeType="withEffect">
+                                  <p:stCondLst>
+                                    <p:cond delay="0"/>
+                                  </p:stCondLst>
+                                  <p:childTnLst>
+                                    <p:set>
+                                      <p:cBhvr>
+                                        <p:cTn id="46" dur="1" fill="hold">
+                                          <p:stCondLst>
+                                            <p:cond delay="0"/>
+                                          </p:stCondLst>
+                                        </p:cTn>
+                                        <p:tgtEl>
+                                          <p:spTgt spid="10"/>
+                                        </p:tgtEl>
+                                        <p:attrNameLst>
+                                          <p:attrName>style.visibility</p:attrName>
+                                        </p:attrNameLst>
+                                      </p:cBhvr>
+                                      <p:to>
+                                        <p:strVal val="visible"/>
+                                      </p:to>
+                                    </p:set>
+                                    <p:animEffect transition="in" filter="fade">
+                                      <p:cBhvr>
+                                        <p:cTn id="47" dur="500"/>
+                                        <p:tgtEl>
+                                          <p:spTgt spid="10"/>
+                                        </p:tgtEl>
+                                      </p:cBhvr>
+                                    </p:animEffect>
+                                  </p:childTnLst>
+                                </p:cTn>
+                              </p:par>
+                            </p:childTnLst>
+                          </p:cTn>
+                        </p:par>
+                      </p:childTnLst>
+                    </p:cTn>
+                  </p:par>
+                  <p:par>
+                    <p:cTn id="48" fill="hold">
+                      <p:stCondLst>
+                        <p:cond delay="indefinite"/>
+                      </p:stCondLst>
+                      <p:childTnLst>
+                        <p:par>
+                          <p:cTn id="49" fill="hold">
+                            <p:stCondLst>
+                              <p:cond delay="0"/>
+                            </p:stCondLst>
+                            <p:childTnLst>
+                              <p:par>
+                                <p:cTn id="50" presetID="10" presetClass="entr" presetSubtype="0" fill="hold" nodeType="clickEffect">
+                                  <p:stCondLst>
+                                    <p:cond delay="0"/>
+                                  </p:stCondLst>
+                                  <p:childTnLst>
+                                    <p:set>
+                                      <p:cBhvr>
+                                        <p:cTn id="51" dur="1" fill="hold">
+                                          <p:stCondLst>
+                                            <p:cond delay="0"/>
+                                          </p:stCondLst>
+                                        </p:cTn>
+                                        <p:tgtEl>
+                                          <p:spTgt spid="12"/>
+                                        </p:tgtEl>
+                                        <p:attrNameLst>
+                                          <p:attrName>style.visibility</p:attrName>
+                                        </p:attrNameLst>
+                                      </p:cBhvr>
+                                      <p:to>
+                                        <p:strVal val="visible"/>
+                                      </p:to>
+                                    </p:set>
+                                    <p:animEffect transition="in" filter="fade">
+                                      <p:cBhvr>
+                                        <p:cTn id="52" dur="500"/>
+                                        <p:tgtEl>
+                                          <p:spTgt spid="12"/>
+                                        </p:tgtEl>
+                                      </p:cBhvr>
+                                    </p:animEffect>
+                                  </p:childTnLst>
+                                </p:cTn>
+                              </p:par>
+                              <p:par>
+                                <p:cTn id="53" presetID="10" presetClass="entr" presetSubtype="0" fill="hold" grpId="0" nodeType="withEffect">
+                                  <p:stCondLst>
+                                    <p:cond delay="0"/>
+                                  </p:stCondLst>
+                                  <p:childTnLst>
+                                    <p:set>
+                                      <p:cBhvr>
+                                        <p:cTn id="54" dur="1" fill="hold">
+                                          <p:stCondLst>
+                                            <p:cond delay="0"/>
+                                          </p:stCondLst>
+                                        </p:cTn>
+                                        <p:tgtEl>
+                                          <p:spTgt spid="13"/>
+                                        </p:tgtEl>
+                                        <p:attrNameLst>
+                                          <p:attrName>style.visibility</p:attrName>
+                                        </p:attrNameLst>
+                                      </p:cBhvr>
+                                      <p:to>
+                                        <p:strVal val="visible"/>
+                                      </p:to>
+                                    </p:set>
+                                    <p:animEffect transition="in" filter="fade">
+                                      <p:cBhvr>
+                                        <p:cTn id="55" dur="500"/>
+                                        <p:tgtEl>
+                                          <p:spTgt spid="13"/>
+                                        </p:tgtEl>
+                                      </p:cBhvr>
+                                    </p:animEffect>
+                                  </p:childTnLst>
+                                </p:cTn>
+                              </p:par>
+                            </p:childTnLst>
+                          </p:cTn>
+                        </p:par>
+                      </p:childTnLst>
+                    </p:cTn>
+                  </p:par>
+                  <p:par>
+                    <p:cTn id="56" fill="hold">
+                      <p:stCondLst>
+                        <p:cond delay="indefinite"/>
+                      </p:stCondLst>
+                      <p:childTnLst>
+                        <p:par>
+                          <p:cTn id="57" fill="hold">
+                            <p:stCondLst>
+                              <p:cond delay="0"/>
+                            </p:stCondLst>
+                            <p:childTnLst>
+                              <p:par>
+                                <p:cTn id="58" presetID="10" presetClass="entr" presetSubtype="0" fill="hold" nodeType="clickEffect">
+                                  <p:stCondLst>
+                                    <p:cond delay="0"/>
+                                  </p:stCondLst>
+                                  <p:childTnLst>
+                                    <p:set>
+                                      <p:cBhvr>
+                                        <p:cTn id="59" dur="1" fill="hold">
+                                          <p:stCondLst>
+                                            <p:cond delay="0"/>
+                                          </p:stCondLst>
+                                        </p:cTn>
+                                        <p:tgtEl>
+                                          <p:spTgt spid="15"/>
+                                        </p:tgtEl>
+                                        <p:attrNameLst>
+                                          <p:attrName>style.visibility</p:attrName>
+                                        </p:attrNameLst>
+                                      </p:cBhvr>
+                                      <p:to>
+                                        <p:strVal val="visible"/>
+                                      </p:to>
+                                    </p:set>
+                                    <p:animEffect transition="in" filter="fade">
+                                      <p:cBhvr>
+                                        <p:cTn id="60" dur="500"/>
+                                        <p:tgtEl>
+                                          <p:spTgt spid="15"/>
+                                        </p:tgtEl>
+                                      </p:cBhvr>
+                                    </p:animEffect>
+                                  </p:childTnLst>
+                                </p:cTn>
+                              </p:par>
+                              <p:par>
+                                <p:cTn id="61" presetID="10" presetClass="entr" presetSubtype="0" fill="hold" grpId="0" nodeType="withEffect">
+                                  <p:stCondLst>
+                                    <p:cond delay="0"/>
+                                  </p:stCondLst>
+                                  <p:childTnLst>
+                                    <p:set>
+                                      <p:cBhvr>
+                                        <p:cTn id="62" dur="1" fill="hold">
+                                          <p:stCondLst>
+                                            <p:cond delay="0"/>
+                                          </p:stCondLst>
+                                        </p:cTn>
+                                        <p:tgtEl>
+                                          <p:spTgt spid="16"/>
+                                        </p:tgtEl>
+                                        <p:attrNameLst>
+                                          <p:attrName>style.visibility</p:attrName>
+                                        </p:attrNameLst>
+                                      </p:cBhvr>
+                                      <p:to>
+                                        <p:strVal val="visible"/>
+                                      </p:to>
+                                    </p:set>
+                                    <p:animEffect transition="in" filter="fade">
+                                      <p:cBhvr>
+                                        <p:cTn id="63" dur="500"/>
+                                        <p:tgtEl>
+                                          <p:spTgt spid="16"/>
                                         </p:tgtEl>
                                       </p:cBhvr>
                                     </p:animEffect>
@@ -7250,7 +8432,13 @@
       </p:par>
     </p:tnLst>
     <p:bldLst>
-      <p:bldP spid="14" grpId="0"/>
+      <p:bldP spid="8" grpId="0"/>
+      <p:bldP spid="9" grpId="0"/>
+      <p:bldP spid="10" grpId="0"/>
+      <p:bldP spid="11" grpId="0"/>
+      <p:bldP spid="13" grpId="0"/>
+      <p:bldP spid="16" grpId="0"/>
+      <p:bldP spid="17" grpId="0"/>
     </p:bldLst>
   </p:timing>
 </p:sld>
@@ -7310,7 +8498,7 @@
         <p:spPr>
           <a:xfrm>
             <a:off x="455849" y="407657"/>
-            <a:ext cx="11239965" cy="708763"/>
+            <a:ext cx="5941461" cy="708763"/>
           </a:xfrm>
           <a:prstGeom prst="rect">
             <a:avLst/>
@@ -7342,7 +8530,7 @@
                 <a:cs typeface="Lexend"/>
                 <a:sym typeface="Lexend"/>
               </a:rPr>
-              <a:t>TITLE</a:t>
+              <a:t>THE ABP PLATFORM</a:t>
             </a:r>
             <a:endParaRPr lang="tr-TR" sz="3600" dirty="0">
               <a:solidFill>
@@ -7356,12 +8544,453 @@
           </a:p>
         </p:txBody>
       </p:sp>
-      <p:sp>
-        <p:nvSpPr>
-          <p:cNvPr id="14" name="Metin kutusu 13">
-            <a:extLst>
-              <a:ext uri="{FF2B5EF4-FFF2-40B4-BE49-F238E27FC236}">
-                <a16:creationId xmlns:a16="http://schemas.microsoft.com/office/drawing/2014/main" id="{BFBC1971-01C1-E233-C730-CF1F2C9F27D0}"/>
+      <p:pic>
+        <p:nvPicPr>
+          <p:cNvPr id="2" name="Picture 1" descr="A screenshot of a computer&#10;&#10;Description automatically generated">
+            <a:extLst>
+              <a:ext uri="{FF2B5EF4-FFF2-40B4-BE49-F238E27FC236}">
+                <a16:creationId xmlns:a16="http://schemas.microsoft.com/office/drawing/2014/main" id="{8F1955AC-65B4-7B95-4B14-2707D759F992}"/>
+              </a:ext>
+            </a:extLst>
+          </p:cNvPr>
+          <p:cNvPicPr>
+            <a:picLocks noChangeAspect="1"/>
+          </p:cNvPicPr>
+          <p:nvPr/>
+        </p:nvPicPr>
+        <p:blipFill>
+          <a:blip r:embed="rId3"/>
+          <a:srcRect t="10084" b="26555"/>
+          <a:stretch/>
+        </p:blipFill>
+        <p:spPr>
+          <a:xfrm>
+            <a:off x="351105" y="1116420"/>
+            <a:ext cx="6046205" cy="5485451"/>
+          </a:xfrm>
+          <a:prstGeom prst="rect">
+            <a:avLst/>
+          </a:prstGeom>
+        </p:spPr>
+      </p:pic>
+      <p:sp>
+        <p:nvSpPr>
+          <p:cNvPr id="3" name="Graphic 123" descr="Desktop Cursor&#10;Keyword: fluent-icon;&#10;Metaphor: monitor, office, tower, pc, large screen, it;&#10;&#10;Used in IT desktop control scenarios.">
+            <a:extLst>
+              <a:ext uri="{FF2B5EF4-FFF2-40B4-BE49-F238E27FC236}">
+                <a16:creationId xmlns:a16="http://schemas.microsoft.com/office/drawing/2014/main" id="{3F0242DA-0562-EC12-F037-1F439CDFE459}"/>
+              </a:ext>
+            </a:extLst>
+          </p:cNvPr>
+          <p:cNvSpPr/>
+          <p:nvPr/>
+        </p:nvSpPr>
+        <p:spPr>
+          <a:xfrm>
+            <a:off x="7162546" y="2583028"/>
+            <a:ext cx="439772" cy="436020"/>
+          </a:xfrm>
+          <a:custGeom>
+            <a:avLst/>
+            <a:gdLst>
+              <a:gd name="connsiteX0" fmla="*/ 563505 w 568497"/>
+              <a:gd name="connsiteY0" fmla="*/ 369872 h 563647"/>
+              <a:gd name="connsiteX1" fmla="*/ 545699 w 568497"/>
+              <a:gd name="connsiteY1" fmla="*/ 409425 h 563647"/>
+              <a:gd name="connsiteX2" fmla="*/ 522109 w 568497"/>
+              <a:gd name="connsiteY2" fmla="*/ 383266 h 563647"/>
+              <a:gd name="connsiteX3" fmla="*/ 528284 w 568497"/>
+              <a:gd name="connsiteY3" fmla="*/ 369872 h 563647"/>
+              <a:gd name="connsiteX4" fmla="*/ 528284 w 568497"/>
+              <a:gd name="connsiteY4" fmla="*/ 52831 h 563647"/>
+              <a:gd name="connsiteX5" fmla="*/ 510673 w 568497"/>
+              <a:gd name="connsiteY5" fmla="*/ 35221 h 563647"/>
+              <a:gd name="connsiteX6" fmla="*/ 52831 w 568497"/>
+              <a:gd name="connsiteY6" fmla="*/ 35221 h 563647"/>
+              <a:gd name="connsiteX7" fmla="*/ 35221 w 568497"/>
+              <a:gd name="connsiteY7" fmla="*/ 52831 h 563647"/>
+              <a:gd name="connsiteX8" fmla="*/ 35221 w 568497"/>
+              <a:gd name="connsiteY8" fmla="*/ 369872 h 563647"/>
+              <a:gd name="connsiteX9" fmla="*/ 52831 w 568497"/>
+              <a:gd name="connsiteY9" fmla="*/ 387483 h 563647"/>
+              <a:gd name="connsiteX10" fmla="*/ 328805 w 568497"/>
+              <a:gd name="connsiteY10" fmla="*/ 387443 h 563647"/>
+              <a:gd name="connsiteX11" fmla="*/ 328789 w 568497"/>
+              <a:gd name="connsiteY11" fmla="*/ 422696 h 563647"/>
+              <a:gd name="connsiteX12" fmla="*/ 223065 w 568497"/>
+              <a:gd name="connsiteY12" fmla="*/ 422696 h 563647"/>
+              <a:gd name="connsiteX13" fmla="*/ 223065 w 568497"/>
+              <a:gd name="connsiteY13" fmla="*/ 481363 h 563647"/>
+              <a:gd name="connsiteX14" fmla="*/ 328760 w 568497"/>
+              <a:gd name="connsiteY14" fmla="*/ 481363 h 563647"/>
+              <a:gd name="connsiteX15" fmla="*/ 328742 w 568497"/>
+              <a:gd name="connsiteY15" fmla="*/ 516583 h 563647"/>
+              <a:gd name="connsiteX16" fmla="*/ 146753 w 568497"/>
+              <a:gd name="connsiteY16" fmla="*/ 516583 h 563647"/>
+              <a:gd name="connsiteX17" fmla="*/ 129143 w 568497"/>
+              <a:gd name="connsiteY17" fmla="*/ 498973 h 563647"/>
+              <a:gd name="connsiteX18" fmla="*/ 144364 w 568497"/>
+              <a:gd name="connsiteY18" fmla="*/ 481522 h 563647"/>
+              <a:gd name="connsiteX19" fmla="*/ 146753 w 568497"/>
+              <a:gd name="connsiteY19" fmla="*/ 481363 h 563647"/>
+              <a:gd name="connsiteX20" fmla="*/ 187844 w 568497"/>
+              <a:gd name="connsiteY20" fmla="*/ 481351 h 563647"/>
+              <a:gd name="connsiteX21" fmla="*/ 187844 w 568497"/>
+              <a:gd name="connsiteY21" fmla="*/ 422696 h 563647"/>
+              <a:gd name="connsiteX22" fmla="*/ 52831 w 568497"/>
+              <a:gd name="connsiteY22" fmla="*/ 422703 h 563647"/>
+              <a:gd name="connsiteX23" fmla="*/ 0 w 568497"/>
+              <a:gd name="connsiteY23" fmla="*/ 369872 h 563647"/>
+              <a:gd name="connsiteX24" fmla="*/ 0 w 568497"/>
+              <a:gd name="connsiteY24" fmla="*/ 52831 h 563647"/>
+              <a:gd name="connsiteX25" fmla="*/ 52831 w 568497"/>
+              <a:gd name="connsiteY25" fmla="*/ 0 h 563647"/>
+              <a:gd name="connsiteX26" fmla="*/ 510673 w 568497"/>
+              <a:gd name="connsiteY26" fmla="*/ 0 h 563647"/>
+              <a:gd name="connsiteX27" fmla="*/ 563505 w 568497"/>
+              <a:gd name="connsiteY27" fmla="*/ 52831 h 563647"/>
+              <a:gd name="connsiteX28" fmla="*/ 563505 w 568497"/>
+              <a:gd name="connsiteY28" fmla="*/ 369872 h 563647"/>
+              <a:gd name="connsiteX29" fmla="*/ 363638 w 568497"/>
+              <a:gd name="connsiteY29" fmla="*/ 259469 h 563647"/>
+              <a:gd name="connsiteX30" fmla="*/ 383029 w 568497"/>
+              <a:gd name="connsiteY30" fmla="*/ 264114 h 563647"/>
+              <a:gd name="connsiteX31" fmla="*/ 563965 w 568497"/>
+              <a:gd name="connsiteY31" fmla="*/ 464736 h 563647"/>
+              <a:gd name="connsiteX32" fmla="*/ 565989 w 568497"/>
+              <a:gd name="connsiteY32" fmla="*/ 485587 h 563647"/>
+              <a:gd name="connsiteX33" fmla="*/ 546643 w 568497"/>
+              <a:gd name="connsiteY33" fmla="*/ 493622 h 563647"/>
+              <a:gd name="connsiteX34" fmla="*/ 443590 w 568497"/>
+              <a:gd name="connsiteY34" fmla="*/ 468030 h 563647"/>
+              <a:gd name="connsiteX35" fmla="*/ 384426 w 568497"/>
+              <a:gd name="connsiteY35" fmla="*/ 555873 h 563647"/>
+              <a:gd name="connsiteX36" fmla="*/ 364672 w 568497"/>
+              <a:gd name="connsiteY36" fmla="*/ 562878 h 563647"/>
+              <a:gd name="connsiteX37" fmla="*/ 352208 w 568497"/>
+              <a:gd name="connsiteY37" fmla="*/ 546028 h 563647"/>
+              <a:gd name="connsiteX38" fmla="*/ 352342 w 568497"/>
+              <a:gd name="connsiteY38" fmla="*/ 275901 h 563647"/>
+              <a:gd name="connsiteX39" fmla="*/ 363638 w 568497"/>
+              <a:gd name="connsiteY39" fmla="*/ 259469 h 563647"/>
+            </a:gdLst>
+            <a:ahLst/>
+            <a:cxnLst>
+              <a:cxn ang="0">
+                <a:pos x="connsiteX0" y="connsiteY0"/>
+              </a:cxn>
+              <a:cxn ang="0">
+                <a:pos x="connsiteX1" y="connsiteY1"/>
+              </a:cxn>
+              <a:cxn ang="0">
+                <a:pos x="connsiteX2" y="connsiteY2"/>
+              </a:cxn>
+              <a:cxn ang="0">
+                <a:pos x="connsiteX3" y="connsiteY3"/>
+              </a:cxn>
+              <a:cxn ang="0">
+                <a:pos x="connsiteX4" y="connsiteY4"/>
+              </a:cxn>
+              <a:cxn ang="0">
+                <a:pos x="connsiteX5" y="connsiteY5"/>
+              </a:cxn>
+              <a:cxn ang="0">
+                <a:pos x="connsiteX6" y="connsiteY6"/>
+              </a:cxn>
+              <a:cxn ang="0">
+                <a:pos x="connsiteX7" y="connsiteY7"/>
+              </a:cxn>
+              <a:cxn ang="0">
+                <a:pos x="connsiteX8" y="connsiteY8"/>
+              </a:cxn>
+              <a:cxn ang="0">
+                <a:pos x="connsiteX9" y="connsiteY9"/>
+              </a:cxn>
+              <a:cxn ang="0">
+                <a:pos x="connsiteX10" y="connsiteY10"/>
+              </a:cxn>
+              <a:cxn ang="0">
+                <a:pos x="connsiteX11" y="connsiteY11"/>
+              </a:cxn>
+              <a:cxn ang="0">
+                <a:pos x="connsiteX12" y="connsiteY12"/>
+              </a:cxn>
+              <a:cxn ang="0">
+                <a:pos x="connsiteX13" y="connsiteY13"/>
+              </a:cxn>
+              <a:cxn ang="0">
+                <a:pos x="connsiteX14" y="connsiteY14"/>
+              </a:cxn>
+              <a:cxn ang="0">
+                <a:pos x="connsiteX15" y="connsiteY15"/>
+              </a:cxn>
+              <a:cxn ang="0">
+                <a:pos x="connsiteX16" y="connsiteY16"/>
+              </a:cxn>
+              <a:cxn ang="0">
+                <a:pos x="connsiteX17" y="connsiteY17"/>
+              </a:cxn>
+              <a:cxn ang="0">
+                <a:pos x="connsiteX18" y="connsiteY18"/>
+              </a:cxn>
+              <a:cxn ang="0">
+                <a:pos x="connsiteX19" y="connsiteY19"/>
+              </a:cxn>
+              <a:cxn ang="0">
+                <a:pos x="connsiteX20" y="connsiteY20"/>
+              </a:cxn>
+              <a:cxn ang="0">
+                <a:pos x="connsiteX21" y="connsiteY21"/>
+              </a:cxn>
+              <a:cxn ang="0">
+                <a:pos x="connsiteX22" y="connsiteY22"/>
+              </a:cxn>
+              <a:cxn ang="0">
+                <a:pos x="connsiteX23" y="connsiteY23"/>
+              </a:cxn>
+              <a:cxn ang="0">
+                <a:pos x="connsiteX24" y="connsiteY24"/>
+              </a:cxn>
+              <a:cxn ang="0">
+                <a:pos x="connsiteX25" y="connsiteY25"/>
+              </a:cxn>
+              <a:cxn ang="0">
+                <a:pos x="connsiteX26" y="connsiteY26"/>
+              </a:cxn>
+              <a:cxn ang="0">
+                <a:pos x="connsiteX27" y="connsiteY27"/>
+              </a:cxn>
+              <a:cxn ang="0">
+                <a:pos x="connsiteX28" y="connsiteY28"/>
+              </a:cxn>
+              <a:cxn ang="0">
+                <a:pos x="connsiteX29" y="connsiteY29"/>
+              </a:cxn>
+              <a:cxn ang="0">
+                <a:pos x="connsiteX30" y="connsiteY30"/>
+              </a:cxn>
+              <a:cxn ang="0">
+                <a:pos x="connsiteX31" y="connsiteY31"/>
+              </a:cxn>
+              <a:cxn ang="0">
+                <a:pos x="connsiteX32" y="connsiteY32"/>
+              </a:cxn>
+              <a:cxn ang="0">
+                <a:pos x="connsiteX33" y="connsiteY33"/>
+              </a:cxn>
+              <a:cxn ang="0">
+                <a:pos x="connsiteX34" y="connsiteY34"/>
+              </a:cxn>
+              <a:cxn ang="0">
+                <a:pos x="connsiteX35" y="connsiteY35"/>
+              </a:cxn>
+              <a:cxn ang="0">
+                <a:pos x="connsiteX36" y="connsiteY36"/>
+              </a:cxn>
+              <a:cxn ang="0">
+                <a:pos x="connsiteX37" y="connsiteY37"/>
+              </a:cxn>
+              <a:cxn ang="0">
+                <a:pos x="connsiteX38" y="connsiteY38"/>
+              </a:cxn>
+              <a:cxn ang="0">
+                <a:pos x="connsiteX39" y="connsiteY39"/>
+              </a:cxn>
+            </a:cxnLst>
+            <a:rect l="l" t="t" r="r" b="b"/>
+            <a:pathLst>
+              <a:path w="568497" h="563647">
+                <a:moveTo>
+                  <a:pt x="563505" y="369872"/>
+                </a:moveTo>
+                <a:cubicBezTo>
+                  <a:pt x="563505" y="385614"/>
+                  <a:pt x="556623" y="399746"/>
+                  <a:pt x="545699" y="409425"/>
+                </a:cubicBezTo>
+                <a:lnTo>
+                  <a:pt x="522109" y="383266"/>
+                </a:lnTo>
+                <a:cubicBezTo>
+                  <a:pt x="525889" y="380037"/>
+                  <a:pt x="528284" y="375233"/>
+                  <a:pt x="528284" y="369872"/>
+                </a:cubicBezTo>
+                <a:lnTo>
+                  <a:pt x="528284" y="52831"/>
+                </a:lnTo>
+                <a:cubicBezTo>
+                  <a:pt x="528284" y="43105"/>
+                  <a:pt x="520399" y="35221"/>
+                  <a:pt x="510673" y="35221"/>
+                </a:cubicBezTo>
+                <a:lnTo>
+                  <a:pt x="52831" y="35221"/>
+                </a:lnTo>
+                <a:cubicBezTo>
+                  <a:pt x="43105" y="35221"/>
+                  <a:pt x="35221" y="43105"/>
+                  <a:pt x="35221" y="52831"/>
+                </a:cubicBezTo>
+                <a:lnTo>
+                  <a:pt x="35221" y="369872"/>
+                </a:lnTo>
+                <a:cubicBezTo>
+                  <a:pt x="35221" y="379598"/>
+                  <a:pt x="43105" y="387483"/>
+                  <a:pt x="52831" y="387483"/>
+                </a:cubicBezTo>
+                <a:lnTo>
+                  <a:pt x="328805" y="387443"/>
+                </a:lnTo>
+                <a:lnTo>
+                  <a:pt x="328789" y="422696"/>
+                </a:lnTo>
+                <a:lnTo>
+                  <a:pt x="223065" y="422696"/>
+                </a:lnTo>
+                <a:lnTo>
+                  <a:pt x="223065" y="481363"/>
+                </a:lnTo>
+                <a:lnTo>
+                  <a:pt x="328760" y="481363"/>
+                </a:lnTo>
+                <a:lnTo>
+                  <a:pt x="328742" y="516583"/>
+                </a:lnTo>
+                <a:lnTo>
+                  <a:pt x="146753" y="516583"/>
+                </a:lnTo>
+                <a:cubicBezTo>
+                  <a:pt x="137027" y="516583"/>
+                  <a:pt x="129143" y="508699"/>
+                  <a:pt x="129143" y="498973"/>
+                </a:cubicBezTo>
+                <a:cubicBezTo>
+                  <a:pt x="129143" y="490057"/>
+                  <a:pt x="135768" y="482689"/>
+                  <a:pt x="144364" y="481522"/>
+                </a:cubicBezTo>
+                <a:lnTo>
+                  <a:pt x="146753" y="481363"/>
+                </a:lnTo>
+                <a:lnTo>
+                  <a:pt x="187844" y="481351"/>
+                </a:lnTo>
+                <a:lnTo>
+                  <a:pt x="187844" y="422696"/>
+                </a:lnTo>
+                <a:lnTo>
+                  <a:pt x="52831" y="422703"/>
+                </a:lnTo>
+                <a:cubicBezTo>
+                  <a:pt x="23653" y="422703"/>
+                  <a:pt x="0" y="399049"/>
+                  <a:pt x="0" y="369872"/>
+                </a:cubicBezTo>
+                <a:lnTo>
+                  <a:pt x="0" y="52831"/>
+                </a:lnTo>
+                <a:cubicBezTo>
+                  <a:pt x="0" y="23653"/>
+                  <a:pt x="23653" y="0"/>
+                  <a:pt x="52831" y="0"/>
+                </a:cubicBezTo>
+                <a:lnTo>
+                  <a:pt x="510673" y="0"/>
+                </a:lnTo>
+                <a:cubicBezTo>
+                  <a:pt x="539853" y="0"/>
+                  <a:pt x="563505" y="23653"/>
+                  <a:pt x="563505" y="52831"/>
+                </a:cubicBezTo>
+                <a:lnTo>
+                  <a:pt x="563505" y="369872"/>
+                </a:lnTo>
+                <a:close/>
+                <a:moveTo>
+                  <a:pt x="363638" y="259469"/>
+                </a:moveTo>
+                <a:cubicBezTo>
+                  <a:pt x="370441" y="256856"/>
+                  <a:pt x="378149" y="258704"/>
+                  <a:pt x="383029" y="264114"/>
+                </a:cubicBezTo>
+                <a:lnTo>
+                  <a:pt x="563965" y="464736"/>
+                </a:lnTo>
+                <a:cubicBezTo>
+                  <a:pt x="569149" y="470486"/>
+                  <a:pt x="569971" y="478946"/>
+                  <a:pt x="565989" y="485587"/>
+                </a:cubicBezTo>
+                <a:cubicBezTo>
+                  <a:pt x="562009" y="492227"/>
+                  <a:pt x="554157" y="495486"/>
+                  <a:pt x="546643" y="493622"/>
+                </a:cubicBezTo>
+                <a:lnTo>
+                  <a:pt x="443590" y="468030"/>
+                </a:lnTo>
+                <a:lnTo>
+                  <a:pt x="384426" y="555873"/>
+                </a:lnTo>
+                <a:cubicBezTo>
+                  <a:pt x="380098" y="562298"/>
+                  <a:pt x="372080" y="565141"/>
+                  <a:pt x="364672" y="562878"/>
+                </a:cubicBezTo>
+                <a:cubicBezTo>
+                  <a:pt x="357263" y="560612"/>
+                  <a:pt x="352203" y="553774"/>
+                  <a:pt x="352208" y="546028"/>
+                </a:cubicBezTo>
+                <a:lnTo>
+                  <a:pt x="352342" y="275901"/>
+                </a:lnTo>
+                <a:cubicBezTo>
+                  <a:pt x="352344" y="268612"/>
+                  <a:pt x="356836" y="262080"/>
+                  <a:pt x="363638" y="259469"/>
+                </a:cubicBezTo>
+                <a:close/>
+              </a:path>
+            </a:pathLst>
+          </a:custGeom>
+          <a:gradFill>
+            <a:gsLst>
+              <a:gs pos="0">
+                <a:schemeClr val="accent5"/>
+              </a:gs>
+              <a:gs pos="44000">
+                <a:schemeClr val="accent2"/>
+              </a:gs>
+              <a:gs pos="99000">
+                <a:schemeClr val="accent3"/>
+              </a:gs>
+            </a:gsLst>
+            <a:lin ang="3600000" scaled="0"/>
+          </a:gradFill>
+          <a:ln w="23472" cap="flat">
+            <a:noFill/>
+            <a:prstDash val="solid"/>
+            <a:miter/>
+          </a:ln>
+        </p:spPr>
+        <p:txBody>
+          <a:bodyPr rtlCol="0" anchor="ctr"/>
+          <a:lstStyle/>
+          <a:p>
+            <a:endParaRPr lang="en-US"/>
+          </a:p>
+        </p:txBody>
+      </p:sp>
+      <p:sp>
+        <p:nvSpPr>
+          <p:cNvPr id="5" name="TextBox 4">
+            <a:extLst>
+              <a:ext uri="{FF2B5EF4-FFF2-40B4-BE49-F238E27FC236}">
+                <a16:creationId xmlns:a16="http://schemas.microsoft.com/office/drawing/2014/main" id="{66915899-FA6D-10DB-57D6-E7BB3D45C546}"/>
               </a:ext>
             </a:extLst>
           </p:cNvPr>
@@ -7370,8 +8999,8 @@
         </p:nvSpPr>
         <p:spPr>
           <a:xfrm>
-            <a:off x="455846" y="1250909"/>
-            <a:ext cx="11239964" cy="4746130"/>
+            <a:off x="7602318" y="2583028"/>
+            <a:ext cx="2185551" cy="461665"/>
           </a:xfrm>
           <a:prstGeom prst="rect">
             <a:avLst/>
@@ -7379,39 +9008,217 @@
           <a:noFill/>
         </p:spPr>
         <p:txBody>
-          <a:bodyPr wrap="square" rtlCol="0">
-            <a:normAutofit/>
+          <a:bodyPr wrap="square">
+            <a:spAutoFit/>
           </a:bodyPr>
           <a:lstStyle/>
           <a:p>
-            <a:pPr marL="285750" indent="-285750">
-              <a:buFont typeface="Arial" panose="020B0604020202020204" pitchFamily="34" charset="0"/>
-              <a:buChar char="•"/>
-            </a:pPr>
-            <a:r>
-              <a:rPr lang="tr-TR" dirty="0">
+            <a:r>
+              <a:rPr lang="en-US" sz="2400" dirty="0">
                 <a:solidFill>
-                  <a:srgbClr val="5C6571"/>
+                  <a:schemeClr val="accent2">
+                    <a:lumMod val="75000"/>
+                  </a:schemeClr>
                 </a:solidFill>
-                <a:latin typeface="Poppins" pitchFamily="2" charset="0"/>
-                <a:ea typeface="Poppins"/>
-                <a:cs typeface="Poppins" pitchFamily="2" charset="0"/>
-                <a:sym typeface="Poppins"/>
+                <a:hlinkClick r:id="rId4">
+                  <a:extLst>
+                    <a:ext uri="{A12FA001-AC4F-418D-AE19-62706E023703}">
+                      <ahyp:hlinkClr xmlns:ahyp="http://schemas.microsoft.com/office/drawing/2018/hyperlinkcolor" val="tx"/>
+                    </a:ext>
+                  </a:extLst>
+                </a:hlinkClick>
               </a:rPr>
-              <a:t>.</a:t>
-            </a:r>
-            <a:endParaRPr lang="en-US" dirty="0">
+              <a:t>https://</a:t>
+            </a:r>
+            <a:r>
+              <a:rPr lang="tr-TR" sz="2400" b="1" dirty="0">
+                <a:solidFill>
+                  <a:schemeClr val="accent2">
+                    <a:lumMod val="75000"/>
+                  </a:schemeClr>
+                </a:solidFill>
+                <a:hlinkClick r:id="rId4">
+                  <a:extLst>
+                    <a:ext uri="{A12FA001-AC4F-418D-AE19-62706E023703}">
+                      <ahyp:hlinkClr xmlns:ahyp="http://schemas.microsoft.com/office/drawing/2018/hyperlinkcolor" val="tx"/>
+                    </a:ext>
+                  </a:extLst>
+                </a:hlinkClick>
+              </a:rPr>
+              <a:t>abp.io</a:t>
+            </a:r>
+            <a:r>
+              <a:rPr lang="tr-TR" sz="2400" b="1" dirty="0">
+                <a:solidFill>
+                  <a:schemeClr val="accent2">
+                    <a:lumMod val="75000"/>
+                  </a:schemeClr>
+                </a:solidFill>
+              </a:rPr>
+              <a:t> </a:t>
+            </a:r>
+            <a:endParaRPr lang="en-US" sz="2400" b="1" dirty="0">
               <a:solidFill>
-                <a:srgbClr val="5C6571"/>
+                <a:schemeClr val="accent2">
+                  <a:lumMod val="75000"/>
+                </a:schemeClr>
               </a:solidFill>
-              <a:latin typeface="Poppins SemiBold" pitchFamily="2" charset="0"/>
-              <a:ea typeface="Poppins"/>
-              <a:cs typeface="Poppins SemiBold" pitchFamily="2" charset="0"/>
-              <a:sym typeface="Poppins"/>
             </a:endParaRPr>
           </a:p>
         </p:txBody>
       </p:sp>
+      <p:pic>
+        <p:nvPicPr>
+          <p:cNvPr id="6" name="Google Shape;82;p3">
+            <a:extLst>
+              <a:ext uri="{FF2B5EF4-FFF2-40B4-BE49-F238E27FC236}">
+                <a16:creationId xmlns:a16="http://schemas.microsoft.com/office/drawing/2014/main" id="{F41716B0-7427-4DE3-48A8-D8E7A127AEFD}"/>
+              </a:ext>
+            </a:extLst>
+          </p:cNvPr>
+          <p:cNvPicPr preferRelativeResize="0"/>
+          <p:nvPr/>
+        </p:nvPicPr>
+        <p:blipFill>
+          <a:blip r:embed="rId5">
+            <a:alphaModFix/>
+          </a:blip>
+          <a:stretch>
+            <a:fillRect/>
+          </a:stretch>
+        </p:blipFill>
+        <p:spPr>
+          <a:xfrm>
+            <a:off x="6925586" y="3070127"/>
+            <a:ext cx="2957700" cy="2957700"/>
+          </a:xfrm>
+          <a:prstGeom prst="rect">
+            <a:avLst/>
+          </a:prstGeom>
+          <a:noFill/>
+          <a:ln>
+            <a:noFill/>
+          </a:ln>
+        </p:spPr>
+      </p:pic>
+      <p:pic>
+        <p:nvPicPr>
+          <p:cNvPr id="8" name="Picture 7" descr="A qr code with a white background&#10;&#10;Description automatically generated">
+            <a:extLst>
+              <a:ext uri="{FF2B5EF4-FFF2-40B4-BE49-F238E27FC236}">
+                <a16:creationId xmlns:a16="http://schemas.microsoft.com/office/drawing/2014/main" id="{2F0110CC-AE55-0E1B-5BF2-B81B6A729342}"/>
+              </a:ext>
+            </a:extLst>
+          </p:cNvPr>
+          <p:cNvPicPr>
+            <a:picLocks noChangeAspect="1"/>
+          </p:cNvPicPr>
+          <p:nvPr/>
+        </p:nvPicPr>
+        <p:blipFill>
+          <a:blip r:embed="rId6"/>
+          <a:stretch>
+            <a:fillRect/>
+          </a:stretch>
+        </p:blipFill>
+        <p:spPr>
+          <a:xfrm>
+            <a:off x="7162546" y="3307087"/>
+            <a:ext cx="2483779" cy="2483779"/>
+          </a:xfrm>
+          <a:prstGeom prst="roundRect">
+            <a:avLst>
+              <a:gd name="adj" fmla="val 11865"/>
+            </a:avLst>
+          </a:prstGeom>
+        </p:spPr>
+      </p:pic>
+      <p:sp>
+        <p:nvSpPr>
+          <p:cNvPr id="9" name="TextBox 8">
+            <a:extLst>
+              <a:ext uri="{FF2B5EF4-FFF2-40B4-BE49-F238E27FC236}">
+                <a16:creationId xmlns:a16="http://schemas.microsoft.com/office/drawing/2014/main" id="{1DBA4A0D-8BA4-DF4C-D894-7FF6738FFF2E}"/>
+              </a:ext>
+            </a:extLst>
+          </p:cNvPr>
+          <p:cNvSpPr txBox="1"/>
+          <p:nvPr/>
+        </p:nvSpPr>
+        <p:spPr>
+          <a:xfrm>
+            <a:off x="6925586" y="1346810"/>
+            <a:ext cx="3994932" cy="400110"/>
+          </a:xfrm>
+          <a:prstGeom prst="rect">
+            <a:avLst/>
+          </a:prstGeom>
+          <a:noFill/>
+        </p:spPr>
+        <p:txBody>
+          <a:bodyPr wrap="square">
+            <a:spAutoFit/>
+          </a:bodyPr>
+          <a:lstStyle/>
+          <a:p>
+            <a:r>
+              <a:rPr lang="en-US" sz="2000" dirty="0">
+                <a:hlinkClick r:id="rId7">
+                  <a:extLst>
+                    <a:ext uri="{A12FA001-AC4F-418D-AE19-62706E023703}">
+                      <ahyp:hlinkClr xmlns:ahyp="http://schemas.microsoft.com/office/drawing/2018/hyperlinkcolor" val="tx"/>
+                    </a:ext>
+                  </a:extLst>
+                </a:hlinkClick>
+              </a:rPr>
+              <a:t>https://github.com/</a:t>
+            </a:r>
+            <a:r>
+              <a:rPr lang="en-US" sz="2000" b="1" dirty="0">
+                <a:hlinkClick r:id="rId7">
+                  <a:extLst>
+                    <a:ext uri="{A12FA001-AC4F-418D-AE19-62706E023703}">
+                      <ahyp:hlinkClr xmlns:ahyp="http://schemas.microsoft.com/office/drawing/2018/hyperlinkcolor" val="tx"/>
+                    </a:ext>
+                  </a:extLst>
+                </a:hlinkClick>
+              </a:rPr>
+              <a:t>abpframework</a:t>
+            </a:r>
+            <a:endParaRPr lang="en-US" sz="2000" b="1" dirty="0"/>
+          </a:p>
+        </p:txBody>
+      </p:sp>
+      <p:pic>
+        <p:nvPicPr>
+          <p:cNvPr id="12" name="Picture 11">
+            <a:extLst>
+              <a:ext uri="{FF2B5EF4-FFF2-40B4-BE49-F238E27FC236}">
+                <a16:creationId xmlns:a16="http://schemas.microsoft.com/office/drawing/2014/main" id="{DF259A4D-EB0A-DEDB-4909-FA7E761D7F7D}"/>
+              </a:ext>
+            </a:extLst>
+          </p:cNvPr>
+          <p:cNvPicPr>
+            <a:picLocks noChangeAspect="1"/>
+          </p:cNvPicPr>
+          <p:nvPr/>
+        </p:nvPicPr>
+        <p:blipFill>
+          <a:blip r:embed="rId8"/>
+          <a:stretch>
+            <a:fillRect/>
+          </a:stretch>
+        </p:blipFill>
+        <p:spPr>
+          <a:xfrm>
+            <a:off x="6919423" y="1726973"/>
+            <a:ext cx="4001095" cy="400110"/>
+          </a:xfrm>
+          <a:prstGeom prst="rect">
+            <a:avLst/>
+          </a:prstGeom>
+        </p:spPr>
+      </p:pic>
     </p:spTree>
     <p:extLst>
       <p:ext uri="{BB962C8B-B14F-4D97-AF65-F5344CB8AC3E}">
@@ -7422,92 +9229,6 @@
   <p:clrMapOvr>
     <a:masterClrMapping/>
   </p:clrMapOvr>
-  <p:timing>
-    <p:tnLst>
-      <p:par>
-        <p:cTn id="1" dur="indefinite" restart="never" nodeType="tmRoot">
-          <p:childTnLst>
-            <p:seq concurrent="1" nextAc="seek">
-              <p:cTn id="2" dur="indefinite" nodeType="mainSeq">
-                <p:childTnLst>
-                  <p:par>
-                    <p:cTn id="3" fill="hold">
-                      <p:stCondLst>
-                        <p:cond delay="indefinite"/>
-                      </p:stCondLst>
-                      <p:childTnLst>
-                        <p:par>
-                          <p:cTn id="4" fill="hold">
-                            <p:stCondLst>
-                              <p:cond delay="0"/>
-                            </p:stCondLst>
-                            <p:childTnLst>
-                              <p:par>
-                                <p:cTn id="5" presetID="10" presetClass="entr" presetSubtype="0" fill="hold" grpId="0" nodeType="clickEffect">
-                                  <p:stCondLst>
-                                    <p:cond delay="0"/>
-                                  </p:stCondLst>
-                                  <p:childTnLst>
-                                    <p:set>
-                                      <p:cBhvr>
-                                        <p:cTn id="6" dur="1" fill="hold">
-                                          <p:stCondLst>
-                                            <p:cond delay="0"/>
-                                          </p:stCondLst>
-                                        </p:cTn>
-                                        <p:tgtEl>
-                                          <p:spTgt spid="14"/>
-                                        </p:tgtEl>
-                                        <p:attrNameLst>
-                                          <p:attrName>style.visibility</p:attrName>
-                                        </p:attrNameLst>
-                                      </p:cBhvr>
-                                      <p:to>
-                                        <p:strVal val="visible"/>
-                                      </p:to>
-                                    </p:set>
-                                    <p:animEffect transition="in" filter="fade">
-                                      <p:cBhvr>
-                                        <p:cTn id="7" dur="500"/>
-                                        <p:tgtEl>
-                                          <p:spTgt spid="14"/>
-                                        </p:tgtEl>
-                                      </p:cBhvr>
-                                    </p:animEffect>
-                                  </p:childTnLst>
-                                </p:cTn>
-                              </p:par>
-                            </p:childTnLst>
-                          </p:cTn>
-                        </p:par>
-                      </p:childTnLst>
-                    </p:cTn>
-                  </p:par>
-                </p:childTnLst>
-              </p:cTn>
-              <p:prevCondLst>
-                <p:cond evt="onPrev" delay="0">
-                  <p:tgtEl>
-                    <p:sldTgt/>
-                  </p:tgtEl>
-                </p:cond>
-              </p:prevCondLst>
-              <p:nextCondLst>
-                <p:cond evt="onNext" delay="0">
-                  <p:tgtEl>
-                    <p:sldTgt/>
-                  </p:tgtEl>
-                </p:cond>
-              </p:nextCondLst>
-            </p:seq>
-          </p:childTnLst>
-        </p:cTn>
-      </p:par>
-    </p:tnLst>
-    <p:bldLst>
-      <p:bldP spid="14" grpId="0"/>
-    </p:bldLst>
-  </p:timing>
 </p:sld>
 </file>
 
@@ -7597,7 +9318,7 @@
                 <a:cs typeface="Lexend"/>
                 <a:sym typeface="Lexend"/>
               </a:rPr>
-              <a:t>TITLE</a:t>
+              <a:t>AGENDA</a:t>
             </a:r>
             <a:endParaRPr lang="tr-TR" sz="3600" dirty="0">
               <a:solidFill>
@@ -7653,7 +9374,7 @@
                 <a:cs typeface="Poppins" pitchFamily="2" charset="0"/>
                 <a:sym typeface="Poppins"/>
               </a:rPr>
-              <a:t>.</a:t>
+              <a:t>...</a:t>
             </a:r>
             <a:endParaRPr lang="en-US" dirty="0">
               <a:solidFill>
@@ -7852,7 +9573,19 @@
                 <a:cs typeface="Lexend"/>
                 <a:sym typeface="Lexend"/>
               </a:rPr>
-              <a:t>TITLE</a:t>
+              <a:t>ON-PREMISES </a:t>
+            </a:r>
+            <a:r>
+              <a:rPr lang="tr-TR" sz="3600" b="1" dirty="0">
+                <a:solidFill>
+                  <a:srgbClr val="292D33"/>
+                </a:solidFill>
+                <a:latin typeface="Lexend"/>
+                <a:ea typeface="Lexend"/>
+                <a:cs typeface="Lexend"/>
+                <a:sym typeface="Wingdings" panose="05000000000000000000" pitchFamily="2" charset="2"/>
+              </a:rPr>
+              <a:t> SAAS</a:t>
             </a:r>
             <a:endParaRPr lang="tr-TR" sz="3600" dirty="0">
               <a:solidFill>
@@ -7866,62 +9599,113 @@
           </a:p>
         </p:txBody>
       </p:sp>
-      <p:sp>
-        <p:nvSpPr>
-          <p:cNvPr id="14" name="Metin kutusu 13">
-            <a:extLst>
-              <a:ext uri="{FF2B5EF4-FFF2-40B4-BE49-F238E27FC236}">
-                <a16:creationId xmlns:a16="http://schemas.microsoft.com/office/drawing/2014/main" id="{68625894-5635-4ACE-718F-530696FAF810}"/>
-              </a:ext>
-            </a:extLst>
-          </p:cNvPr>
-          <p:cNvSpPr txBox="1"/>
+      <p:pic>
+        <p:nvPicPr>
+          <p:cNvPr id="6" name="Picture 2" descr="Image result for saas">
+            <a:extLst>
+              <a:ext uri="{FF2B5EF4-FFF2-40B4-BE49-F238E27FC236}">
+                <a16:creationId xmlns:a16="http://schemas.microsoft.com/office/drawing/2014/main" id="{764D33A2-DE9F-2116-8BE5-B6809D681E94}"/>
+              </a:ext>
+            </a:extLst>
+          </p:cNvPr>
+          <p:cNvPicPr>
+            <a:picLocks noChangeAspect="1" noChangeArrowheads="1"/>
+          </p:cNvPicPr>
           <p:nvPr/>
-        </p:nvSpPr>
-        <p:spPr>
+        </p:nvPicPr>
+        <p:blipFill>
+          <a:blip r:embed="rId3">
+            <a:extLst>
+              <a:ext uri="{28A0092B-C50C-407E-A947-70E740481C1C}">
+                <a14:useLocalDpi xmlns:a14="http://schemas.microsoft.com/office/drawing/2010/main" val="0"/>
+              </a:ext>
+            </a:extLst>
+          </a:blip>
+          <a:srcRect/>
+          <a:stretch>
+            <a:fillRect/>
+          </a:stretch>
+        </p:blipFill>
+        <p:spPr bwMode="auto">
           <a:xfrm>
-            <a:off x="455846" y="1250909"/>
-            <a:ext cx="11239964" cy="4746130"/>
+            <a:off x="2970535" y="1275446"/>
+            <a:ext cx="5974312" cy="4428454"/>
           </a:xfrm>
           <a:prstGeom prst="rect">
             <a:avLst/>
           </a:prstGeom>
           <a:noFill/>
+          <a:extLst>
+            <a:ext uri="{909E8E84-426E-40DD-AFC4-6F175D3DCCD1}">
+              <a14:hiddenFill xmlns:a14="http://schemas.microsoft.com/office/drawing/2010/main">
+                <a:solidFill>
+                  <a:srgbClr val="FFFFFF"/>
+                </a:solidFill>
+              </a14:hiddenFill>
+            </a:ext>
+          </a:extLst>
         </p:spPr>
-        <p:txBody>
-          <a:bodyPr wrap="square" rtlCol="0">
-            <a:normAutofit/>
-          </a:bodyPr>
-          <a:lstStyle/>
-          <a:p>
-            <a:pPr marL="285750" indent="-285750">
-              <a:buFont typeface="Arial" panose="020B0604020202020204" pitchFamily="34" charset="0"/>
-              <a:buChar char="•"/>
-            </a:pPr>
-            <a:r>
-              <a:rPr lang="tr-TR" dirty="0">
-                <a:solidFill>
-                  <a:srgbClr val="5C6571"/>
-                </a:solidFill>
-                <a:latin typeface="Poppins" pitchFamily="2" charset="0"/>
-                <a:ea typeface="Poppins"/>
-                <a:cs typeface="Poppins" pitchFamily="2" charset="0"/>
-                <a:sym typeface="Poppins"/>
-              </a:rPr>
-              <a:t>.</a:t>
-            </a:r>
-            <a:endParaRPr lang="en-US" dirty="0">
-              <a:solidFill>
-                <a:srgbClr val="5C6571"/>
-              </a:solidFill>
-              <a:latin typeface="Poppins SemiBold" pitchFamily="2" charset="0"/>
-              <a:ea typeface="Poppins"/>
-              <a:cs typeface="Poppins SemiBold" pitchFamily="2" charset="0"/>
-              <a:sym typeface="Poppins"/>
-            </a:endParaRPr>
-          </a:p>
-        </p:txBody>
-      </p:sp>
+      </p:pic>
+      <p:pic>
+        <p:nvPicPr>
+          <p:cNvPr id="7" name="Picture 6">
+            <a:extLst>
+              <a:ext uri="{FF2B5EF4-FFF2-40B4-BE49-F238E27FC236}">
+                <a16:creationId xmlns:a16="http://schemas.microsoft.com/office/drawing/2014/main" id="{C55E0320-AA55-1DFD-DF64-C2BE7FC59045}"/>
+              </a:ext>
+            </a:extLst>
+          </p:cNvPr>
+          <p:cNvPicPr>
+            <a:picLocks noChangeAspect="1"/>
+          </p:cNvPicPr>
+          <p:nvPr/>
+        </p:nvPicPr>
+        <p:blipFill>
+          <a:blip r:embed="rId4"/>
+          <a:stretch>
+            <a:fillRect/>
+          </a:stretch>
+        </p:blipFill>
+        <p:spPr>
+          <a:xfrm>
+            <a:off x="455849" y="2252844"/>
+            <a:ext cx="2358911" cy="3006357"/>
+          </a:xfrm>
+          <a:prstGeom prst="rect">
+            <a:avLst/>
+          </a:prstGeom>
+        </p:spPr>
+      </p:pic>
+      <p:pic>
+        <p:nvPicPr>
+          <p:cNvPr id="8" name="Picture 7">
+            <a:extLst>
+              <a:ext uri="{FF2B5EF4-FFF2-40B4-BE49-F238E27FC236}">
+                <a16:creationId xmlns:a16="http://schemas.microsoft.com/office/drawing/2014/main" id="{58310C9F-6D71-BE48-9A09-068ADCB92755}"/>
+              </a:ext>
+            </a:extLst>
+          </p:cNvPr>
+          <p:cNvPicPr>
+            <a:picLocks noChangeAspect="1"/>
+          </p:cNvPicPr>
+          <p:nvPr/>
+        </p:nvPicPr>
+        <p:blipFill>
+          <a:blip r:embed="rId5"/>
+          <a:stretch>
+            <a:fillRect/>
+          </a:stretch>
+        </p:blipFill>
+        <p:spPr>
+          <a:xfrm>
+            <a:off x="9100622" y="1275446"/>
+            <a:ext cx="2571147" cy="4428454"/>
+          </a:xfrm>
+          <a:prstGeom prst="rect">
+            <a:avLst/>
+          </a:prstGeom>
+        </p:spPr>
+      </p:pic>
     </p:spTree>
     <p:extLst>
       <p:ext uri="{BB962C8B-B14F-4D97-AF65-F5344CB8AC3E}">
@@ -7932,92 +9716,6 @@
   <p:clrMapOvr>
     <a:masterClrMapping/>
   </p:clrMapOvr>
-  <p:timing>
-    <p:tnLst>
-      <p:par>
-        <p:cTn id="1" dur="indefinite" restart="never" nodeType="tmRoot">
-          <p:childTnLst>
-            <p:seq concurrent="1" nextAc="seek">
-              <p:cTn id="2" dur="indefinite" nodeType="mainSeq">
-                <p:childTnLst>
-                  <p:par>
-                    <p:cTn id="3" fill="hold">
-                      <p:stCondLst>
-                        <p:cond delay="indefinite"/>
-                      </p:stCondLst>
-                      <p:childTnLst>
-                        <p:par>
-                          <p:cTn id="4" fill="hold">
-                            <p:stCondLst>
-                              <p:cond delay="0"/>
-                            </p:stCondLst>
-                            <p:childTnLst>
-                              <p:par>
-                                <p:cTn id="5" presetID="10" presetClass="entr" presetSubtype="0" fill="hold" grpId="0" nodeType="clickEffect">
-                                  <p:stCondLst>
-                                    <p:cond delay="0"/>
-                                  </p:stCondLst>
-                                  <p:childTnLst>
-                                    <p:set>
-                                      <p:cBhvr>
-                                        <p:cTn id="6" dur="1" fill="hold">
-                                          <p:stCondLst>
-                                            <p:cond delay="0"/>
-                                          </p:stCondLst>
-                                        </p:cTn>
-                                        <p:tgtEl>
-                                          <p:spTgt spid="14"/>
-                                        </p:tgtEl>
-                                        <p:attrNameLst>
-                                          <p:attrName>style.visibility</p:attrName>
-                                        </p:attrNameLst>
-                                      </p:cBhvr>
-                                      <p:to>
-                                        <p:strVal val="visible"/>
-                                      </p:to>
-                                    </p:set>
-                                    <p:animEffect transition="in" filter="fade">
-                                      <p:cBhvr>
-                                        <p:cTn id="7" dur="500"/>
-                                        <p:tgtEl>
-                                          <p:spTgt spid="14"/>
-                                        </p:tgtEl>
-                                      </p:cBhvr>
-                                    </p:animEffect>
-                                  </p:childTnLst>
-                                </p:cTn>
-                              </p:par>
-                            </p:childTnLst>
-                          </p:cTn>
-                        </p:par>
-                      </p:childTnLst>
-                    </p:cTn>
-                  </p:par>
-                </p:childTnLst>
-              </p:cTn>
-              <p:prevCondLst>
-                <p:cond evt="onPrev" delay="0">
-                  <p:tgtEl>
-                    <p:sldTgt/>
-                  </p:tgtEl>
-                </p:cond>
-              </p:prevCondLst>
-              <p:nextCondLst>
-                <p:cond evt="onNext" delay="0">
-                  <p:tgtEl>
-                    <p:sldTgt/>
-                  </p:tgtEl>
-                </p:cond>
-              </p:nextCondLst>
-            </p:seq>
-          </p:childTnLst>
-        </p:cTn>
-      </p:par>
-    </p:tnLst>
-    <p:bldLst>
-      <p:bldP spid="14" grpId="0"/>
-    </p:bldLst>
-  </p:timing>
 </p:sld>
 </file>
 
@@ -8107,7 +9805,7 @@
                 <a:cs typeface="Lexend"/>
                 <a:sym typeface="Lexend"/>
               </a:rPr>
-              <a:t>TITLE</a:t>
+              <a:t>WHAT IS MULTI-TENANCY?</a:t>
             </a:r>
             <a:endParaRPr lang="tr-TR" sz="3600" dirty="0">
               <a:solidFill>
@@ -8135,8 +9833,8 @@
         </p:nvSpPr>
         <p:spPr>
           <a:xfrm>
-            <a:off x="455846" y="1250909"/>
-            <a:ext cx="11239964" cy="4746130"/>
+            <a:off x="455846" y="1250908"/>
+            <a:ext cx="11239964" cy="1579755"/>
           </a:xfrm>
           <a:prstGeom prst="rect">
             <a:avLst/>
@@ -8145,7 +9843,7 @@
         </p:spPr>
         <p:txBody>
           <a:bodyPr wrap="square" rtlCol="0">
-            <a:normAutofit/>
+            <a:noAutofit/>
           </a:bodyPr>
           <a:lstStyle/>
           <a:p>
@@ -8154,7 +9852,7 @@
               <a:buChar char="•"/>
             </a:pPr>
             <a:r>
-              <a:rPr lang="tr-TR" dirty="0">
+              <a:rPr lang="tr-TR" sz="2400" dirty="0">
                 <a:solidFill>
                   <a:srgbClr val="5C6571"/>
                 </a:solidFill>
@@ -8163,9 +9861,45 @@
                 <a:cs typeface="Poppins" pitchFamily="2" charset="0"/>
                 <a:sym typeface="Poppins"/>
               </a:rPr>
-              <a:t>.</a:t>
-            </a:r>
-            <a:endParaRPr lang="en-US" dirty="0">
+              <a:t>Sharing hardware and software resources among multiple customers</a:t>
+            </a:r>
+          </a:p>
+          <a:p>
+            <a:pPr marL="742950" lvl="1" indent="-285750">
+              <a:buFont typeface="Arial" panose="020B0604020202020204" pitchFamily="34" charset="0"/>
+              <a:buChar char="•"/>
+            </a:pPr>
+            <a:r>
+              <a:rPr lang="tr-TR" sz="2400" dirty="0">
+                <a:solidFill>
+                  <a:srgbClr val="5C6571"/>
+                </a:solidFill>
+                <a:latin typeface="Poppins" pitchFamily="2" charset="0"/>
+                <a:ea typeface="Poppins"/>
+                <a:cs typeface="Poppins" pitchFamily="2" charset="0"/>
+                <a:sym typeface="Poppins"/>
+              </a:rPr>
+              <a:t>Hardware: CPU, RAM, ...</a:t>
+            </a:r>
+          </a:p>
+          <a:p>
+            <a:pPr marL="742950" lvl="1" indent="-285750">
+              <a:buFont typeface="Arial" panose="020B0604020202020204" pitchFamily="34" charset="0"/>
+              <a:buChar char="•"/>
+            </a:pPr>
+            <a:r>
+              <a:rPr lang="tr-TR" sz="2400" dirty="0">
+                <a:solidFill>
+                  <a:srgbClr val="5C6571"/>
+                </a:solidFill>
+                <a:latin typeface="Poppins" pitchFamily="2" charset="0"/>
+                <a:ea typeface="Poppins"/>
+                <a:cs typeface="Poppins" pitchFamily="2" charset="0"/>
+                <a:sym typeface="Poppins"/>
+              </a:rPr>
+              <a:t>Software: OS, Runtime, Database, ...</a:t>
+            </a:r>
+            <a:endParaRPr lang="en-US" sz="2400" dirty="0">
               <a:solidFill>
                 <a:srgbClr val="5C6571"/>
               </a:solidFill>
@@ -8173,6 +9907,239 @@
               <a:ea typeface="Poppins"/>
               <a:cs typeface="Poppins SemiBold" pitchFamily="2" charset="0"/>
               <a:sym typeface="Poppins"/>
+            </a:endParaRPr>
+          </a:p>
+        </p:txBody>
+      </p:sp>
+      <p:sp>
+        <p:nvSpPr>
+          <p:cNvPr id="8" name="TextBox 7">
+            <a:extLst>
+              <a:ext uri="{FF2B5EF4-FFF2-40B4-BE49-F238E27FC236}">
+                <a16:creationId xmlns:a16="http://schemas.microsoft.com/office/drawing/2014/main" id="{9531CF39-A262-4A3E-CC9D-2F5C5FD25355}"/>
+              </a:ext>
+            </a:extLst>
+          </p:cNvPr>
+          <p:cNvSpPr txBox="1"/>
+          <p:nvPr/>
+        </p:nvSpPr>
+        <p:spPr>
+          <a:xfrm>
+            <a:off x="455846" y="3192608"/>
+            <a:ext cx="5640154" cy="2308324"/>
+          </a:xfrm>
+          <a:prstGeom prst="rect">
+            <a:avLst/>
+          </a:prstGeom>
+          <a:noFill/>
+        </p:spPr>
+        <p:txBody>
+          <a:bodyPr wrap="square">
+            <a:spAutoFit/>
+          </a:bodyPr>
+          <a:lstStyle/>
+          <a:p>
+            <a:r>
+              <a:rPr lang="tr-TR" sz="2400" b="1" u="sng" dirty="0">
+                <a:latin typeface="Poppins" panose="00000500000000000000" pitchFamily="2" charset="-94"/>
+                <a:cs typeface="Poppins" panose="00000500000000000000" pitchFamily="2" charset="-94"/>
+              </a:rPr>
+              <a:t>Pros</a:t>
+            </a:r>
+            <a:endParaRPr lang="tr-TR" sz="2400" dirty="0">
+              <a:latin typeface="Poppins" panose="00000500000000000000" pitchFamily="2" charset="-94"/>
+              <a:cs typeface="Poppins" panose="00000500000000000000" pitchFamily="2" charset="-94"/>
+            </a:endParaRPr>
+          </a:p>
+          <a:p>
+            <a:pPr marL="285750" indent="-285750">
+              <a:buFont typeface="Arial" panose="020B0604020202020204" pitchFamily="34" charset="0"/>
+              <a:buChar char="•"/>
+            </a:pPr>
+            <a:r>
+              <a:rPr lang="en-US" sz="2400" dirty="0">
+                <a:latin typeface="Poppins" panose="00000500000000000000" pitchFamily="2" charset="-94"/>
+                <a:cs typeface="Poppins" panose="00000500000000000000" pitchFamily="2" charset="-94"/>
+              </a:rPr>
+              <a:t>Maximum Utilization / Low Costs</a:t>
+            </a:r>
+            <a:endParaRPr lang="tr-TR" sz="2400" dirty="0">
+              <a:latin typeface="Poppins" panose="00000500000000000000" pitchFamily="2" charset="-94"/>
+              <a:cs typeface="Poppins" panose="00000500000000000000" pitchFamily="2" charset="-94"/>
+            </a:endParaRPr>
+          </a:p>
+          <a:p>
+            <a:pPr marL="285750" indent="-285750">
+              <a:buFont typeface="Arial" panose="020B0604020202020204" pitchFamily="34" charset="0"/>
+              <a:buChar char="•"/>
+            </a:pPr>
+            <a:r>
+              <a:rPr lang="en-US" sz="2400" dirty="0">
+                <a:latin typeface="Poppins" panose="00000500000000000000" pitchFamily="2" charset="-94"/>
+                <a:cs typeface="Poppins" panose="00000500000000000000" pitchFamily="2" charset="-94"/>
+              </a:rPr>
+              <a:t>Easy to add a new client (tenant)</a:t>
+            </a:r>
+            <a:endParaRPr lang="tr-TR" sz="2400" dirty="0">
+              <a:latin typeface="Poppins" panose="00000500000000000000" pitchFamily="2" charset="-94"/>
+              <a:cs typeface="Poppins" panose="00000500000000000000" pitchFamily="2" charset="-94"/>
+            </a:endParaRPr>
+          </a:p>
+          <a:p>
+            <a:pPr marL="285750" indent="-285750">
+              <a:buFont typeface="Arial" panose="020B0604020202020204" pitchFamily="34" charset="0"/>
+              <a:buChar char="•"/>
+            </a:pPr>
+            <a:r>
+              <a:rPr lang="en-US" sz="2400" dirty="0">
+                <a:latin typeface="Poppins" panose="00000500000000000000" pitchFamily="2" charset="-94"/>
+                <a:cs typeface="Poppins" panose="00000500000000000000" pitchFamily="2" charset="-94"/>
+              </a:rPr>
+              <a:t>All clients use the same application version</a:t>
+            </a:r>
+            <a:r>
+              <a:rPr lang="tr-TR" sz="2400" dirty="0">
+                <a:latin typeface="Poppins" panose="00000500000000000000" pitchFamily="2" charset="-94"/>
+                <a:cs typeface="Poppins" panose="00000500000000000000" pitchFamily="2" charset="-94"/>
+              </a:rPr>
+              <a:t>: Easy to</a:t>
+            </a:r>
+            <a:r>
+              <a:rPr lang="en-US" sz="2400" dirty="0">
+                <a:latin typeface="Poppins" panose="00000500000000000000" pitchFamily="2" charset="-94"/>
+                <a:cs typeface="Poppins" panose="00000500000000000000" pitchFamily="2" charset="-94"/>
+              </a:rPr>
+              <a:t> </a:t>
+            </a:r>
+            <a:r>
+              <a:rPr lang="tr-TR" sz="2400" dirty="0">
+                <a:latin typeface="Poppins" panose="00000500000000000000" pitchFamily="2" charset="-94"/>
+                <a:cs typeface="Poppins" panose="00000500000000000000" pitchFamily="2" charset="-94"/>
+              </a:rPr>
+              <a:t>m</a:t>
+            </a:r>
+            <a:r>
+              <a:rPr lang="en-US" sz="2400" dirty="0">
+                <a:latin typeface="Poppins" panose="00000500000000000000" pitchFamily="2" charset="-94"/>
+                <a:cs typeface="Poppins" panose="00000500000000000000" pitchFamily="2" charset="-94"/>
+              </a:rPr>
+              <a:t>aint</a:t>
+            </a:r>
+            <a:r>
+              <a:rPr lang="tr-TR" sz="2400" dirty="0">
+                <a:latin typeface="Poppins" panose="00000500000000000000" pitchFamily="2" charset="-94"/>
+                <a:cs typeface="Poppins" panose="00000500000000000000" pitchFamily="2" charset="-94"/>
+              </a:rPr>
+              <a:t>ain</a:t>
+            </a:r>
+            <a:endParaRPr lang="en-US" sz="2400" dirty="0">
+              <a:latin typeface="Poppins" panose="00000500000000000000" pitchFamily="2" charset="-94"/>
+              <a:cs typeface="Poppins" panose="00000500000000000000" pitchFamily="2" charset="-94"/>
+            </a:endParaRPr>
+          </a:p>
+        </p:txBody>
+      </p:sp>
+      <p:sp>
+        <p:nvSpPr>
+          <p:cNvPr id="9" name="TextBox 8">
+            <a:extLst>
+              <a:ext uri="{FF2B5EF4-FFF2-40B4-BE49-F238E27FC236}">
+                <a16:creationId xmlns:a16="http://schemas.microsoft.com/office/drawing/2014/main" id="{C56FE20E-9390-14E9-7C1F-2E1B9DD12879}"/>
+              </a:ext>
+            </a:extLst>
+          </p:cNvPr>
+          <p:cNvSpPr txBox="1"/>
+          <p:nvPr/>
+        </p:nvSpPr>
+        <p:spPr>
+          <a:xfrm>
+            <a:off x="6096000" y="3192608"/>
+            <a:ext cx="5599810" cy="1938992"/>
+          </a:xfrm>
+          <a:prstGeom prst="rect">
+            <a:avLst/>
+          </a:prstGeom>
+          <a:noFill/>
+        </p:spPr>
+        <p:txBody>
+          <a:bodyPr wrap="square">
+            <a:spAutoFit/>
+          </a:bodyPr>
+          <a:lstStyle/>
+          <a:p>
+            <a:r>
+              <a:rPr lang="tr-TR" sz="2400" b="1" u="sng" dirty="0">
+                <a:latin typeface="Poppins" panose="00000500000000000000" pitchFamily="2" charset="-94"/>
+                <a:cs typeface="Poppins" panose="00000500000000000000" pitchFamily="2" charset="-94"/>
+              </a:rPr>
+              <a:t>Cons</a:t>
+            </a:r>
+          </a:p>
+          <a:p>
+            <a:pPr marL="285750" indent="-285750">
+              <a:buFont typeface="Arial" panose="020B0604020202020204" pitchFamily="34" charset="0"/>
+              <a:buChar char="•"/>
+            </a:pPr>
+            <a:r>
+              <a:rPr lang="en-US" sz="2400" dirty="0">
+                <a:latin typeface="Poppins" panose="00000500000000000000" pitchFamily="2" charset="-94"/>
+                <a:cs typeface="Poppins" panose="00000500000000000000" pitchFamily="2" charset="-94"/>
+              </a:rPr>
+              <a:t>Data Isolation</a:t>
+            </a:r>
+          </a:p>
+          <a:p>
+            <a:pPr marL="285750" indent="-285750">
+              <a:buFont typeface="Arial" panose="020B0604020202020204" pitchFamily="34" charset="0"/>
+              <a:buChar char="•"/>
+            </a:pPr>
+            <a:r>
+              <a:rPr lang="en-US" sz="2400" dirty="0">
+                <a:latin typeface="Poppins" panose="00000500000000000000" pitchFamily="2" charset="-94"/>
+                <a:cs typeface="Poppins" panose="00000500000000000000" pitchFamily="2" charset="-94"/>
+              </a:rPr>
+              <a:t>Performance</a:t>
+            </a:r>
+            <a:r>
+              <a:rPr lang="tr-TR" sz="2400" dirty="0">
+                <a:latin typeface="Poppins" panose="00000500000000000000" pitchFamily="2" charset="-94"/>
+                <a:cs typeface="Poppins" panose="00000500000000000000" pitchFamily="2" charset="-94"/>
+              </a:rPr>
+              <a:t> sharing</a:t>
+            </a:r>
+            <a:endParaRPr lang="en-US" sz="2400" dirty="0">
+              <a:latin typeface="Poppins" panose="00000500000000000000" pitchFamily="2" charset="-94"/>
+              <a:cs typeface="Poppins" panose="00000500000000000000" pitchFamily="2" charset="-94"/>
+            </a:endParaRPr>
+          </a:p>
+          <a:p>
+            <a:pPr marL="285750" indent="-285750">
+              <a:buFont typeface="Arial" panose="020B0604020202020204" pitchFamily="34" charset="0"/>
+              <a:buChar char="•"/>
+            </a:pPr>
+            <a:r>
+              <a:rPr lang="en-US" sz="2400" dirty="0">
+                <a:latin typeface="Poppins" panose="00000500000000000000" pitchFamily="2" charset="-94"/>
+                <a:cs typeface="Poppins" panose="00000500000000000000" pitchFamily="2" charset="-94"/>
+              </a:rPr>
+              <a:t>Configuration &amp; customization</a:t>
+            </a:r>
+          </a:p>
+          <a:p>
+            <a:pPr marL="285750" indent="-285750">
+              <a:buFont typeface="Arial" panose="020B0604020202020204" pitchFamily="34" charset="0"/>
+              <a:buChar char="•"/>
+            </a:pPr>
+            <a:r>
+              <a:rPr lang="en-US" sz="2400" dirty="0">
+                <a:latin typeface="Poppins" panose="00000500000000000000" pitchFamily="2" charset="-94"/>
+                <a:cs typeface="Poppins" panose="00000500000000000000" pitchFamily="2" charset="-94"/>
+              </a:rPr>
+              <a:t>Backup (per tenant)</a:t>
+            </a:r>
+            <a:endParaRPr lang="tr-TR" sz="2400" dirty="0">
+              <a:latin typeface="Poppins" panose="00000500000000000000" pitchFamily="2" charset="-94"/>
+              <a:cs typeface="Poppins" panose="00000500000000000000" pitchFamily="2" charset="-94"/>
             </a:endParaRPr>
           </a:p>
         </p:txBody>
@@ -8362,7 +10329,7 @@
                 <a:cs typeface="Lexend"/>
                 <a:sym typeface="Lexend"/>
               </a:rPr>
-              <a:t>TITLE</a:t>
+              <a:t>DEPLOYMENT / DATABASE OPTIONS</a:t>
             </a:r>
             <a:endParaRPr lang="tr-TR" sz="3600" dirty="0">
               <a:solidFill>
@@ -8376,58 +10343,103 @@
           </a:p>
         </p:txBody>
       </p:sp>
-      <p:sp>
-        <p:nvSpPr>
-          <p:cNvPr id="14" name="Metin kutusu 13">
-            <a:extLst>
-              <a:ext uri="{FF2B5EF4-FFF2-40B4-BE49-F238E27FC236}">
-                <a16:creationId xmlns:a16="http://schemas.microsoft.com/office/drawing/2014/main" id="{2FCE036C-6804-9255-1845-4A86F4A38D3B}"/>
-              </a:ext>
-            </a:extLst>
-          </p:cNvPr>
-          <p:cNvSpPr txBox="1"/>
-          <p:nvPr/>
-        </p:nvSpPr>
-        <p:spPr>
+      <p:pic>
+        <p:nvPicPr>
+          <p:cNvPr id="2" name="Picture 6" descr="Related image">
+            <a:extLst>
+              <a:ext uri="{FF2B5EF4-FFF2-40B4-BE49-F238E27FC236}">
+                <a16:creationId xmlns:a16="http://schemas.microsoft.com/office/drawing/2014/main" id="{196DA7C2-EBC4-E591-CA49-9712FD83A438}"/>
+              </a:ext>
+            </a:extLst>
+          </p:cNvPr>
+          <p:cNvPicPr>
+            <a:picLocks noGrp="1" noChangeAspect="1" noChangeArrowheads="1"/>
+          </p:cNvPicPr>
+          <p:nvPr>
+            <p:ph idx="1"/>
+          </p:nvPr>
+        </p:nvPicPr>
+        <p:blipFill>
+          <a:blip r:embed="rId3">
+            <a:extLst>
+              <a:ext uri="{28A0092B-C50C-407E-A947-70E740481C1C}">
+                <a14:useLocalDpi xmlns:a14="http://schemas.microsoft.com/office/drawing/2010/main" val="0"/>
+              </a:ext>
+            </a:extLst>
+          </a:blip>
+          <a:srcRect/>
+          <a:stretch>
+            <a:fillRect/>
+          </a:stretch>
+        </p:blipFill>
+        <p:spPr bwMode="auto">
           <a:xfrm>
-            <a:off x="455846" y="1250909"/>
-            <a:ext cx="11239964" cy="4746130"/>
+            <a:off x="850127" y="1622013"/>
+            <a:ext cx="7741595" cy="3810000"/>
           </a:xfrm>
           <a:prstGeom prst="rect">
             <a:avLst/>
           </a:prstGeom>
           <a:noFill/>
+          <a:extLst>
+            <a:ext uri="{909E8E84-426E-40DD-AFC4-6F175D3DCCD1}">
+              <a14:hiddenFill xmlns:a14="http://schemas.microsoft.com/office/drawing/2010/main">
+                <a:solidFill>
+                  <a:srgbClr val="FFFFFF"/>
+                </a:solidFill>
+              </a14:hiddenFill>
+            </a:ext>
+          </a:extLst>
         </p:spPr>
+      </p:pic>
+      <p:sp>
+        <p:nvSpPr>
+          <p:cNvPr id="3" name="TextBox 2">
+            <a:extLst>
+              <a:ext uri="{FF2B5EF4-FFF2-40B4-BE49-F238E27FC236}">
+                <a16:creationId xmlns:a16="http://schemas.microsoft.com/office/drawing/2014/main" id="{C606602A-1513-B4A0-67E9-CBBD7B96B4DF}"/>
+              </a:ext>
+            </a:extLst>
+          </p:cNvPr>
+          <p:cNvSpPr txBox="1"/>
+          <p:nvPr/>
+        </p:nvSpPr>
+        <p:spPr>
+          <a:xfrm>
+            <a:off x="8858119" y="2967175"/>
+            <a:ext cx="2219916" cy="830997"/>
+          </a:xfrm>
+          <a:prstGeom prst="rect">
+            <a:avLst/>
+          </a:prstGeom>
+          <a:noFill/>
+          <a:ln>
+            <a:solidFill>
+              <a:schemeClr val="bg1">
+                <a:lumMod val="50000"/>
+              </a:schemeClr>
+            </a:solidFill>
+          </a:ln>
+        </p:spPr>
         <p:txBody>
           <a:bodyPr wrap="square" rtlCol="0">
-            <a:normAutofit/>
+            <a:spAutoFit/>
           </a:bodyPr>
           <a:lstStyle/>
           <a:p>
-            <a:pPr marL="285750" indent="-285750">
-              <a:buFont typeface="Arial" panose="020B0604020202020204" pitchFamily="34" charset="0"/>
-              <a:buChar char="•"/>
-            </a:pPr>
-            <a:r>
-              <a:rPr lang="tr-TR" dirty="0">
+            <a:pPr algn="ctr"/>
+            <a:r>
+              <a:rPr lang="en-US" sz="4800" dirty="0">
                 <a:solidFill>
-                  <a:srgbClr val="5C6571"/>
+                  <a:schemeClr val="accent1"/>
                 </a:solidFill>
-                <a:latin typeface="Poppins" pitchFamily="2" charset="0"/>
-                <a:ea typeface="Poppins"/>
-                <a:cs typeface="Poppins" pitchFamily="2" charset="0"/>
-                <a:sym typeface="Poppins"/>
               </a:rPr>
-              <a:t>.</a:t>
-            </a:r>
-            <a:endParaRPr lang="en-US" dirty="0">
+              <a:t>Hybrid!</a:t>
+            </a:r>
+            <a:endParaRPr lang="tr-TR" sz="4800" dirty="0">
               <a:solidFill>
-                <a:srgbClr val="5C6571"/>
+                <a:schemeClr val="accent1"/>
               </a:solidFill>
-              <a:latin typeface="Poppins SemiBold" pitchFamily="2" charset="0"/>
-              <a:ea typeface="Poppins"/>
-              <a:cs typeface="Poppins SemiBold" pitchFamily="2" charset="0"/>
-              <a:sym typeface="Poppins"/>
             </a:endParaRPr>
           </a:p>
         </p:txBody>
@@ -8442,92 +10454,6 @@
   <p:clrMapOvr>
     <a:masterClrMapping/>
   </p:clrMapOvr>
-  <p:timing>
-    <p:tnLst>
-      <p:par>
-        <p:cTn id="1" dur="indefinite" restart="never" nodeType="tmRoot">
-          <p:childTnLst>
-            <p:seq concurrent="1" nextAc="seek">
-              <p:cTn id="2" dur="indefinite" nodeType="mainSeq">
-                <p:childTnLst>
-                  <p:par>
-                    <p:cTn id="3" fill="hold">
-                      <p:stCondLst>
-                        <p:cond delay="indefinite"/>
-                      </p:stCondLst>
-                      <p:childTnLst>
-                        <p:par>
-                          <p:cTn id="4" fill="hold">
-                            <p:stCondLst>
-                              <p:cond delay="0"/>
-                            </p:stCondLst>
-                            <p:childTnLst>
-                              <p:par>
-                                <p:cTn id="5" presetID="10" presetClass="entr" presetSubtype="0" fill="hold" grpId="0" nodeType="clickEffect">
-                                  <p:stCondLst>
-                                    <p:cond delay="0"/>
-                                  </p:stCondLst>
-                                  <p:childTnLst>
-                                    <p:set>
-                                      <p:cBhvr>
-                                        <p:cTn id="6" dur="1" fill="hold">
-                                          <p:stCondLst>
-                                            <p:cond delay="0"/>
-                                          </p:stCondLst>
-                                        </p:cTn>
-                                        <p:tgtEl>
-                                          <p:spTgt spid="14"/>
-                                        </p:tgtEl>
-                                        <p:attrNameLst>
-                                          <p:attrName>style.visibility</p:attrName>
-                                        </p:attrNameLst>
-                                      </p:cBhvr>
-                                      <p:to>
-                                        <p:strVal val="visible"/>
-                                      </p:to>
-                                    </p:set>
-                                    <p:animEffect transition="in" filter="fade">
-                                      <p:cBhvr>
-                                        <p:cTn id="7" dur="500"/>
-                                        <p:tgtEl>
-                                          <p:spTgt spid="14"/>
-                                        </p:tgtEl>
-                                      </p:cBhvr>
-                                    </p:animEffect>
-                                  </p:childTnLst>
-                                </p:cTn>
-                              </p:par>
-                            </p:childTnLst>
-                          </p:cTn>
-                        </p:par>
-                      </p:childTnLst>
-                    </p:cTn>
-                  </p:par>
-                </p:childTnLst>
-              </p:cTn>
-              <p:prevCondLst>
-                <p:cond evt="onPrev" delay="0">
-                  <p:tgtEl>
-                    <p:sldTgt/>
-                  </p:tgtEl>
-                </p:cond>
-              </p:prevCondLst>
-              <p:nextCondLst>
-                <p:cond evt="onNext" delay="0">
-                  <p:tgtEl>
-                    <p:sldTgt/>
-                  </p:tgtEl>
-                </p:cond>
-              </p:nextCondLst>
-            </p:seq>
-          </p:childTnLst>
-        </p:cTn>
-      </p:par>
-    </p:tnLst>
-    <p:bldLst>
-      <p:bldP spid="14" grpId="0"/>
-    </p:bldLst>
-  </p:timing>
 </p:sld>
 </file>
 
@@ -8617,7 +10543,7 @@
                 <a:cs typeface="Lexend"/>
                 <a:sym typeface="Lexend"/>
               </a:rPr>
-              <a:t>TITLE</a:t>
+              <a:t>IMPLEMENTING A MULTI-TENANT INFRA</a:t>
             </a:r>
             <a:endParaRPr lang="tr-TR" sz="3600" dirty="0">
               <a:solidFill>
@@ -8664,24 +10590,96 @@
               <a:buChar char="•"/>
             </a:pPr>
             <a:r>
-              <a:rPr lang="tr-TR" dirty="0">
+              <a:rPr lang="tr-TR" sz="2400" dirty="0">
                 <a:solidFill>
                   <a:srgbClr val="5C6571"/>
                 </a:solidFill>
-                <a:latin typeface="Poppins" pitchFamily="2" charset="0"/>
+                <a:latin typeface="Poppins" panose="00000500000000000000" pitchFamily="2" charset="-94"/>
                 <a:ea typeface="Poppins"/>
-                <a:cs typeface="Poppins" pitchFamily="2" charset="0"/>
+                <a:cs typeface="Poppins" panose="00000500000000000000" pitchFamily="2" charset="-94"/>
                 <a:sym typeface="Poppins"/>
               </a:rPr>
-              <a:t>.</a:t>
-            </a:r>
-            <a:endParaRPr lang="en-US" dirty="0">
+              <a:t>Determining &amp; changing the current tenant</a:t>
+            </a:r>
+          </a:p>
+          <a:p>
+            <a:pPr marL="285750" indent="-285750">
+              <a:buFont typeface="Arial" panose="020B0604020202020204" pitchFamily="34" charset="0"/>
+              <a:buChar char="•"/>
+            </a:pPr>
+            <a:r>
+              <a:rPr lang="tr-TR" sz="2400" dirty="0">
+                <a:solidFill>
+                  <a:srgbClr val="5C6571"/>
+                </a:solidFill>
+                <a:latin typeface="Poppins" panose="00000500000000000000" pitchFamily="2" charset="-94"/>
+                <a:ea typeface="Poppins"/>
+                <a:cs typeface="Poppins" panose="00000500000000000000" pitchFamily="2" charset="-94"/>
+                <a:sym typeface="Poppins"/>
+              </a:rPr>
+              <a:t>Isolating &amp; filtering database &amp; cache</a:t>
+            </a:r>
+          </a:p>
+          <a:p>
+            <a:pPr marL="285750" indent="-285750">
+              <a:buFont typeface="Arial" panose="020B0604020202020204" pitchFamily="34" charset="0"/>
+              <a:buChar char="•"/>
+            </a:pPr>
+            <a:r>
+              <a:rPr lang="tr-TR" sz="2400" dirty="0">
+                <a:solidFill>
+                  <a:srgbClr val="5C6571"/>
+                </a:solidFill>
+                <a:latin typeface="Poppins" panose="00000500000000000000" pitchFamily="2" charset="-94"/>
+                <a:ea typeface="Poppins"/>
+                <a:cs typeface="Poppins" panose="00000500000000000000" pitchFamily="2" charset="-94"/>
+                <a:sym typeface="Poppins"/>
+              </a:rPr>
+              <a:t>Temporary enable/disable multi-tenancy</a:t>
+            </a:r>
+          </a:p>
+          <a:p>
+            <a:pPr marL="285750" indent="-285750">
+              <a:buFont typeface="Arial" panose="020B0604020202020204" pitchFamily="34" charset="0"/>
+              <a:buChar char="•"/>
+            </a:pPr>
+            <a:r>
+              <a:rPr lang="tr-TR" sz="2400" dirty="0">
+                <a:solidFill>
+                  <a:srgbClr val="5C6571"/>
+                </a:solidFill>
+                <a:latin typeface="Poppins" panose="00000500000000000000" pitchFamily="2" charset="-94"/>
+                <a:ea typeface="Poppins"/>
+                <a:cs typeface="Poppins" panose="00000500000000000000" pitchFamily="2" charset="-94"/>
+                <a:sym typeface="Poppins"/>
+              </a:rPr>
+              <a:t>Migrating databases</a:t>
+            </a:r>
+          </a:p>
+          <a:p>
+            <a:pPr marL="285750" indent="-285750">
+              <a:buFont typeface="Arial" panose="020B0604020202020204" pitchFamily="34" charset="0"/>
+              <a:buChar char="•"/>
+            </a:pPr>
+            <a:r>
+              <a:rPr lang="tr-TR" sz="2400" dirty="0">
+                <a:solidFill>
+                  <a:srgbClr val="5C6571"/>
+                </a:solidFill>
+                <a:latin typeface="Poppins" panose="00000500000000000000" pitchFamily="2" charset="-94"/>
+                <a:ea typeface="Poppins"/>
+                <a:cs typeface="Poppins" panose="00000500000000000000" pitchFamily="2" charset="-94"/>
+                <a:sym typeface="Poppins"/>
+              </a:rPr>
+              <a:t>A feature system</a:t>
+            </a:r>
+            <a:endParaRPr lang="en-US" sz="2400" dirty="0">
               <a:solidFill>
                 <a:srgbClr val="5C6571"/>
               </a:solidFill>
-              <a:latin typeface="Poppins SemiBold" pitchFamily="2" charset="0"/>
+              <a:latin typeface="Poppins" panose="00000500000000000000" pitchFamily="2" charset="-94"/>
               <a:ea typeface="Poppins"/>
-              <a:cs typeface="Poppins SemiBold" pitchFamily="2" charset="0"/>
+              <a:cs typeface="Poppins" panose="00000500000000000000" pitchFamily="2" charset="-94"/>
               <a:sym typeface="Poppins"/>
             </a:endParaRPr>
           </a:p>
@@ -8872,7 +10870,7 @@
                 <a:cs typeface="Lexend"/>
                 <a:sym typeface="Lexend"/>
               </a:rPr>
-              <a:t>TITLE</a:t>
+              <a:t>DETERMINE THE CURRENT TENANT</a:t>
             </a:r>
             <a:endParaRPr lang="tr-TR" sz="3600" dirty="0">
               <a:solidFill>
@@ -8900,8 +10898,8 @@
         </p:nvSpPr>
         <p:spPr>
           <a:xfrm>
-            <a:off x="455846" y="1250909"/>
-            <a:ext cx="11239964" cy="4746130"/>
+            <a:off x="455845" y="1446932"/>
+            <a:ext cx="7264871" cy="4315004"/>
           </a:xfrm>
           <a:prstGeom prst="rect">
             <a:avLst/>
@@ -8914,12 +10912,8 @@
           </a:bodyPr>
           <a:lstStyle/>
           <a:p>
-            <a:pPr marL="285750" indent="-285750">
-              <a:buFont typeface="Arial" panose="020B0604020202020204" pitchFamily="34" charset="0"/>
-              <a:buChar char="•"/>
-            </a:pPr>
-            <a:r>
-              <a:rPr lang="tr-TR" dirty="0">
+            <a:r>
+              <a:rPr lang="tr-TR" sz="2000" b="1" u="sng" dirty="0">
                 <a:solidFill>
                   <a:srgbClr val="5C6571"/>
                 </a:solidFill>
@@ -8928,20 +10922,419 @@
                 <a:cs typeface="Poppins" pitchFamily="2" charset="0"/>
                 <a:sym typeface="Poppins"/>
               </a:rPr>
-              <a:t>.</a:t>
-            </a:r>
-            <a:endParaRPr lang="en-US" dirty="0">
+              <a:t>Sources</a:t>
+            </a:r>
+            <a:endParaRPr lang="tr-TR" sz="2000" u="sng" dirty="0">
               <a:solidFill>
                 <a:srgbClr val="5C6571"/>
               </a:solidFill>
-              <a:latin typeface="Poppins SemiBold" pitchFamily="2" charset="0"/>
+              <a:latin typeface="Poppins" pitchFamily="2" charset="0"/>
               <a:ea typeface="Poppins"/>
-              <a:cs typeface="Poppins SemiBold" pitchFamily="2" charset="0"/>
+              <a:cs typeface="Poppins" pitchFamily="2" charset="0"/>
               <a:sym typeface="Poppins"/>
             </a:endParaRPr>
           </a:p>
-        </p:txBody>
-      </p:sp>
+          <a:p>
+            <a:pPr marL="285750" indent="-285750">
+              <a:buFont typeface="Arial" panose="020B0604020202020204" pitchFamily="34" charset="0"/>
+              <a:buChar char="•"/>
+            </a:pPr>
+            <a:r>
+              <a:rPr lang="tr-TR" sz="2000" dirty="0">
+                <a:solidFill>
+                  <a:srgbClr val="5C6571"/>
+                </a:solidFill>
+                <a:latin typeface="Poppins" pitchFamily="2" charset="0"/>
+                <a:ea typeface="Poppins"/>
+                <a:cs typeface="Poppins" pitchFamily="2" charset="0"/>
+                <a:sym typeface="Poppins"/>
+              </a:rPr>
+              <a:t>Current </a:t>
+            </a:r>
+            <a:r>
+              <a:rPr lang="tr-TR" sz="2000" b="1" dirty="0">
+                <a:solidFill>
+                  <a:srgbClr val="5C6571"/>
+                </a:solidFill>
+                <a:latin typeface="Poppins" pitchFamily="2" charset="0"/>
+                <a:ea typeface="Poppins"/>
+                <a:cs typeface="Poppins" pitchFamily="2" charset="0"/>
+                <a:sym typeface="Poppins"/>
+              </a:rPr>
+              <a:t>claims </a:t>
+            </a:r>
+            <a:r>
+              <a:rPr lang="tr-TR" sz="2000" dirty="0">
+                <a:solidFill>
+                  <a:srgbClr val="5C6571"/>
+                </a:solidFill>
+                <a:latin typeface="Poppins" pitchFamily="2" charset="0"/>
+                <a:ea typeface="Poppins"/>
+                <a:cs typeface="Poppins" pitchFamily="2" charset="0"/>
+                <a:sym typeface="Poppins"/>
+              </a:rPr>
+              <a:t>(for authenticated users)</a:t>
+            </a:r>
+          </a:p>
+          <a:p>
+            <a:pPr marL="285750" indent="-285750">
+              <a:buFont typeface="Arial" panose="020B0604020202020204" pitchFamily="34" charset="0"/>
+              <a:buChar char="•"/>
+            </a:pPr>
+            <a:r>
+              <a:rPr lang="tr-TR" sz="2000" b="1" dirty="0">
+                <a:solidFill>
+                  <a:srgbClr val="5C6571"/>
+                </a:solidFill>
+                <a:latin typeface="Poppins" pitchFamily="2" charset="0"/>
+                <a:ea typeface="Poppins"/>
+                <a:cs typeface="Poppins" pitchFamily="2" charset="0"/>
+                <a:sym typeface="Poppins"/>
+              </a:rPr>
+              <a:t>Subdomain</a:t>
+            </a:r>
+            <a:r>
+              <a:rPr lang="tr-TR" sz="2000" dirty="0">
+                <a:solidFill>
+                  <a:srgbClr val="5C6571"/>
+                </a:solidFill>
+                <a:latin typeface="Poppins" pitchFamily="2" charset="0"/>
+                <a:ea typeface="Poppins"/>
+                <a:cs typeface="Poppins" pitchFamily="2" charset="0"/>
+                <a:sym typeface="Poppins"/>
+              </a:rPr>
+              <a:t>/domain</a:t>
+            </a:r>
+            <a:br>
+              <a:rPr lang="tr-TR" sz="2000" dirty="0">
+                <a:solidFill>
+                  <a:srgbClr val="5C6571"/>
+                </a:solidFill>
+                <a:latin typeface="Poppins" pitchFamily="2" charset="0"/>
+                <a:ea typeface="Poppins"/>
+                <a:cs typeface="Poppins" pitchFamily="2" charset="0"/>
+                <a:sym typeface="Poppins"/>
+              </a:rPr>
+            </a:br>
+            <a:r>
+              <a:rPr lang="tr-TR" sz="2000" dirty="0">
+                <a:solidFill>
+                  <a:srgbClr val="5C6571"/>
+                </a:solidFill>
+                <a:latin typeface="Poppins" pitchFamily="2" charset="0"/>
+                <a:ea typeface="Poppins"/>
+                <a:cs typeface="Poppins" pitchFamily="2" charset="0"/>
+                <a:sym typeface="Poppins"/>
+              </a:rPr>
+              <a:t>example: </a:t>
+            </a:r>
+            <a:r>
+              <a:rPr lang="tr-TR" sz="2000" dirty="0">
+                <a:solidFill>
+                  <a:srgbClr val="5C6571"/>
+                </a:solidFill>
+                <a:latin typeface="Poppins" pitchFamily="2" charset="0"/>
+                <a:ea typeface="Poppins"/>
+                <a:cs typeface="Poppins" pitchFamily="2" charset="0"/>
+                <a:sym typeface="Poppins"/>
+                <a:hlinkClick r:id="rId3"/>
+              </a:rPr>
+              <a:t>https://tenant-name.mydomain.com</a:t>
+            </a:r>
+            <a:r>
+              <a:rPr lang="tr-TR" sz="2000" dirty="0">
+                <a:solidFill>
+                  <a:srgbClr val="5C6571"/>
+                </a:solidFill>
+                <a:latin typeface="Poppins" pitchFamily="2" charset="0"/>
+                <a:ea typeface="Poppins"/>
+                <a:cs typeface="Poppins" pitchFamily="2" charset="0"/>
+                <a:sym typeface="Poppins"/>
+              </a:rPr>
+              <a:t> </a:t>
+            </a:r>
+          </a:p>
+          <a:p>
+            <a:pPr marL="285750" indent="-285750">
+              <a:buFont typeface="Arial" panose="020B0604020202020204" pitchFamily="34" charset="0"/>
+              <a:buChar char="•"/>
+            </a:pPr>
+            <a:r>
+              <a:rPr lang="tr-TR" sz="2000" b="1" dirty="0">
+                <a:solidFill>
+                  <a:srgbClr val="5C6571"/>
+                </a:solidFill>
+                <a:latin typeface="Poppins" pitchFamily="2" charset="0"/>
+                <a:ea typeface="Poppins"/>
+                <a:cs typeface="Poppins" pitchFamily="2" charset="0"/>
+                <a:sym typeface="Poppins"/>
+              </a:rPr>
+              <a:t>Others</a:t>
+            </a:r>
+            <a:r>
+              <a:rPr lang="tr-TR" sz="2000" dirty="0">
+                <a:solidFill>
+                  <a:srgbClr val="5C6571"/>
+                </a:solidFill>
+                <a:latin typeface="Poppins" pitchFamily="2" charset="0"/>
+                <a:ea typeface="Poppins"/>
+                <a:cs typeface="Poppins" pitchFamily="2" charset="0"/>
+                <a:sym typeface="Poppins"/>
+              </a:rPr>
+              <a:t>: HTTP header, cookies or query string</a:t>
+            </a:r>
+          </a:p>
+          <a:p>
+            <a:pPr marL="742950" lvl="1" indent="-285750">
+              <a:buFont typeface="Arial" panose="020B0604020202020204" pitchFamily="34" charset="0"/>
+              <a:buChar char="•"/>
+            </a:pPr>
+            <a:endParaRPr lang="tr-TR" dirty="0">
+              <a:solidFill>
+                <a:srgbClr val="5C6571"/>
+              </a:solidFill>
+              <a:latin typeface="Poppins" pitchFamily="2" charset="0"/>
+              <a:ea typeface="Poppins"/>
+              <a:cs typeface="Poppins" pitchFamily="2" charset="0"/>
+              <a:sym typeface="Poppins"/>
+            </a:endParaRPr>
+          </a:p>
+          <a:p>
+            <a:pPr marL="742950" lvl="1" indent="-285750">
+              <a:buFont typeface="Arial" panose="020B0604020202020204" pitchFamily="34" charset="0"/>
+              <a:buChar char="•"/>
+            </a:pPr>
+            <a:endParaRPr lang="tr-TR" dirty="0">
+              <a:solidFill>
+                <a:srgbClr val="5C6571"/>
+              </a:solidFill>
+              <a:latin typeface="Poppins" pitchFamily="2" charset="0"/>
+              <a:ea typeface="Poppins"/>
+              <a:cs typeface="Poppins" pitchFamily="2" charset="0"/>
+              <a:sym typeface="Poppins"/>
+            </a:endParaRPr>
+          </a:p>
+          <a:p>
+            <a:r>
+              <a:rPr lang="tr-TR" sz="2000" b="1" dirty="0">
+                <a:solidFill>
+                  <a:srgbClr val="5C6571"/>
+                </a:solidFill>
+                <a:latin typeface="Poppins" pitchFamily="2" charset="0"/>
+                <a:ea typeface="Poppins"/>
+                <a:cs typeface="Poppins" pitchFamily="2" charset="0"/>
+                <a:sym typeface="Poppins"/>
+              </a:rPr>
+              <a:t>Obtaining</a:t>
+            </a:r>
+            <a:r>
+              <a:rPr lang="tr-TR" sz="2000" dirty="0">
+                <a:solidFill>
+                  <a:srgbClr val="5C6571"/>
+                </a:solidFill>
+                <a:latin typeface="Poppins" pitchFamily="2" charset="0"/>
+                <a:ea typeface="Poppins"/>
+                <a:cs typeface="Poppins" pitchFamily="2" charset="0"/>
+                <a:sym typeface="Poppins"/>
+              </a:rPr>
+              <a:t> the current tenant id: </a:t>
+            </a:r>
+            <a:r>
+              <a:rPr lang="tr-TR" sz="2000" b="1" dirty="0">
+                <a:solidFill>
+                  <a:schemeClr val="tx2">
+                    <a:lumMod val="50000"/>
+                    <a:lumOff val="50000"/>
+                  </a:schemeClr>
+                </a:solidFill>
+                <a:latin typeface="Courier New" panose="02070309020205020404" pitchFamily="49" charset="0"/>
+                <a:ea typeface="Poppins"/>
+                <a:cs typeface="Courier New" panose="02070309020205020404" pitchFamily="49" charset="0"/>
+                <a:sym typeface="Poppins"/>
+              </a:rPr>
+              <a:t>ICurrentTenant.Id</a:t>
+            </a:r>
+            <a:br>
+              <a:rPr lang="tr-TR" sz="2000" b="1" dirty="0">
+                <a:solidFill>
+                  <a:schemeClr val="tx2">
+                    <a:lumMod val="50000"/>
+                    <a:lumOff val="50000"/>
+                  </a:schemeClr>
+                </a:solidFill>
+                <a:latin typeface="Courier New" panose="02070309020205020404" pitchFamily="49" charset="0"/>
+                <a:ea typeface="Poppins"/>
+                <a:cs typeface="Courier New" panose="02070309020205020404" pitchFamily="49" charset="0"/>
+                <a:sym typeface="Poppins"/>
+              </a:rPr>
+            </a:br>
+            <a:endParaRPr lang="tr-TR" sz="2000" b="1" dirty="0">
+              <a:solidFill>
+                <a:schemeClr val="tx2">
+                  <a:lumMod val="50000"/>
+                  <a:lumOff val="50000"/>
+                </a:schemeClr>
+              </a:solidFill>
+              <a:latin typeface="Courier New" panose="02070309020205020404" pitchFamily="49" charset="0"/>
+              <a:ea typeface="Poppins"/>
+              <a:cs typeface="Courier New" panose="02070309020205020404" pitchFamily="49" charset="0"/>
+              <a:sym typeface="Poppins"/>
+            </a:endParaRPr>
+          </a:p>
+          <a:p>
+            <a:pPr marL="285750" indent="-285750">
+              <a:buFont typeface="Arial" panose="020B0604020202020204" pitchFamily="34" charset="0"/>
+              <a:buChar char="•"/>
+            </a:pPr>
+            <a:endParaRPr lang="tr-TR" dirty="0">
+              <a:solidFill>
+                <a:srgbClr val="5C6571"/>
+              </a:solidFill>
+              <a:latin typeface="Poppins" pitchFamily="2" charset="0"/>
+              <a:ea typeface="Poppins"/>
+              <a:cs typeface="Poppins" pitchFamily="2" charset="0"/>
+              <a:sym typeface="Poppins"/>
+            </a:endParaRPr>
+          </a:p>
+          <a:p>
+            <a:pPr marL="285750" indent="-285750">
+              <a:buFont typeface="Arial" panose="020B0604020202020204" pitchFamily="34" charset="0"/>
+              <a:buChar char="•"/>
+            </a:pPr>
+            <a:endParaRPr lang="tr-TR" dirty="0">
+              <a:solidFill>
+                <a:srgbClr val="5C6571"/>
+              </a:solidFill>
+              <a:latin typeface="Poppins" pitchFamily="2" charset="0"/>
+              <a:ea typeface="Poppins"/>
+              <a:cs typeface="Poppins" pitchFamily="2" charset="0"/>
+              <a:sym typeface="Poppins"/>
+            </a:endParaRPr>
+          </a:p>
+          <a:p>
+            <a:pPr marL="285750" indent="-285750">
+              <a:buFont typeface="Arial" panose="020B0604020202020204" pitchFamily="34" charset="0"/>
+              <a:buChar char="•"/>
+            </a:pPr>
+            <a:endParaRPr lang="tr-TR" dirty="0">
+              <a:solidFill>
+                <a:srgbClr val="5C6571"/>
+              </a:solidFill>
+              <a:latin typeface="Poppins" pitchFamily="2" charset="0"/>
+              <a:ea typeface="Poppins"/>
+              <a:cs typeface="Poppins" pitchFamily="2" charset="0"/>
+              <a:sym typeface="Poppins"/>
+            </a:endParaRPr>
+          </a:p>
+          <a:p>
+            <a:pPr marL="285750" indent="-285750">
+              <a:buFont typeface="Arial" panose="020B0604020202020204" pitchFamily="34" charset="0"/>
+              <a:buChar char="•"/>
+            </a:pPr>
+            <a:endParaRPr lang="tr-TR" dirty="0">
+              <a:solidFill>
+                <a:srgbClr val="5C6571"/>
+              </a:solidFill>
+              <a:latin typeface="Poppins" pitchFamily="2" charset="0"/>
+              <a:ea typeface="Poppins"/>
+              <a:cs typeface="Poppins" pitchFamily="2" charset="0"/>
+              <a:sym typeface="Poppins"/>
+            </a:endParaRPr>
+          </a:p>
+          <a:p>
+            <a:pPr marL="285750" indent="-285750">
+              <a:buFont typeface="Arial" panose="020B0604020202020204" pitchFamily="34" charset="0"/>
+              <a:buChar char="•"/>
+            </a:pPr>
+            <a:endParaRPr lang="tr-TR" dirty="0">
+              <a:solidFill>
+                <a:srgbClr val="5C6571"/>
+              </a:solidFill>
+              <a:latin typeface="Poppins" pitchFamily="2" charset="0"/>
+              <a:ea typeface="Poppins"/>
+              <a:cs typeface="Poppins" pitchFamily="2" charset="0"/>
+              <a:sym typeface="Poppins"/>
+            </a:endParaRPr>
+          </a:p>
+        </p:txBody>
+      </p:sp>
+      <p:pic>
+        <p:nvPicPr>
+          <p:cNvPr id="2" name="Picture 2" descr="Related image">
+            <a:extLst>
+              <a:ext uri="{FF2B5EF4-FFF2-40B4-BE49-F238E27FC236}">
+                <a16:creationId xmlns:a16="http://schemas.microsoft.com/office/drawing/2014/main" id="{7D0FEDE1-DFA3-8197-ED8A-E939840F0664}"/>
+              </a:ext>
+            </a:extLst>
+          </p:cNvPr>
+          <p:cNvPicPr>
+            <a:picLocks noChangeAspect="1" noChangeArrowheads="1"/>
+          </p:cNvPicPr>
+          <p:nvPr/>
+        </p:nvPicPr>
+        <p:blipFill>
+          <a:blip r:embed="rId4">
+            <a:extLst>
+              <a:ext uri="{28A0092B-C50C-407E-A947-70E740481C1C}">
+                <a14:useLocalDpi xmlns:a14="http://schemas.microsoft.com/office/drawing/2010/main" val="0"/>
+              </a:ext>
+            </a:extLst>
+          </a:blip>
+          <a:srcRect/>
+          <a:stretch>
+            <a:fillRect/>
+          </a:stretch>
+        </p:blipFill>
+        <p:spPr bwMode="auto">
+          <a:xfrm>
+            <a:off x="7766044" y="2110715"/>
+            <a:ext cx="3970111" cy="2636569"/>
+          </a:xfrm>
+          <a:prstGeom prst="rect">
+            <a:avLst/>
+          </a:prstGeom>
+          <a:noFill/>
+          <a:extLst>
+            <a:ext uri="{909E8E84-426E-40DD-AFC4-6F175D3DCCD1}">
+              <a14:hiddenFill xmlns:a14="http://schemas.microsoft.com/office/drawing/2010/main">
+                <a:solidFill>
+                  <a:srgbClr val="FFFFFF"/>
+                </a:solidFill>
+              </a14:hiddenFill>
+            </a:ext>
+          </a:extLst>
+        </p:spPr>
+      </p:pic>
+      <p:pic>
+        <p:nvPicPr>
+          <p:cNvPr id="5" name="Picture 4">
+            <a:extLst>
+              <a:ext uri="{FF2B5EF4-FFF2-40B4-BE49-F238E27FC236}">
+                <a16:creationId xmlns:a16="http://schemas.microsoft.com/office/drawing/2014/main" id="{A234D1D0-4B16-17CA-231B-05FD7D509E42}"/>
+              </a:ext>
+            </a:extLst>
+          </p:cNvPr>
+          <p:cNvPicPr>
+            <a:picLocks noChangeAspect="1"/>
+          </p:cNvPicPr>
+          <p:nvPr/>
+        </p:nvPicPr>
+        <p:blipFill>
+          <a:blip r:embed="rId5"/>
+          <a:stretch>
+            <a:fillRect/>
+          </a:stretch>
+        </p:blipFill>
+        <p:spPr>
+          <a:xfrm>
+            <a:off x="455845" y="4071217"/>
+            <a:ext cx="6983404" cy="1690719"/>
+          </a:xfrm>
+          <a:prstGeom prst="rect">
+            <a:avLst/>
+          </a:prstGeom>
+        </p:spPr>
+      </p:pic>
     </p:spTree>
     <p:extLst>
       <p:ext uri="{BB962C8B-B14F-4D97-AF65-F5344CB8AC3E}">
